--- a/Hackthon Project Presentation.pptx
+++ b/Hackthon Project Presentation.pptx
@@ -5,7 +5,7 @@
     <p:sldMasterId id="2147483648" r:id="rId1"/>
   </p:sldMasterIdLst>
   <p:notesMasterIdLst>
-    <p:notesMasterId r:id="rId23"/>
+    <p:notesMasterId r:id="rId25"/>
   </p:notesMasterIdLst>
   <p:sldIdLst>
     <p:sldId id="283" r:id="rId2"/>
@@ -20,15 +20,17 @@
     <p:sldId id="290" r:id="rId11"/>
     <p:sldId id="281" r:id="rId12"/>
     <p:sldId id="294" r:id="rId13"/>
-    <p:sldId id="279" r:id="rId14"/>
-    <p:sldId id="293" r:id="rId15"/>
-    <p:sldId id="285" r:id="rId16"/>
-    <p:sldId id="286" r:id="rId17"/>
-    <p:sldId id="291" r:id="rId18"/>
-    <p:sldId id="280" r:id="rId19"/>
-    <p:sldId id="277" r:id="rId20"/>
-    <p:sldId id="289" r:id="rId21"/>
-    <p:sldId id="276" r:id="rId22"/>
+    <p:sldId id="262" r:id="rId14"/>
+    <p:sldId id="297" r:id="rId15"/>
+    <p:sldId id="298" r:id="rId16"/>
+    <p:sldId id="279" r:id="rId17"/>
+    <p:sldId id="295" r:id="rId18"/>
+    <p:sldId id="296" r:id="rId19"/>
+    <p:sldId id="293" r:id="rId20"/>
+    <p:sldId id="291" r:id="rId21"/>
+    <p:sldId id="280" r:id="rId22"/>
+    <p:sldId id="289" r:id="rId23"/>
+    <p:sldId id="276" r:id="rId24"/>
   </p:sldIdLst>
   <p:sldSz cx="12192000" cy="6858000"/>
   <p:notesSz cx="6858000" cy="9144000"/>
@@ -266,7 +268,7 @@
       <p15:sldGuideLst xmlns:p15="http://schemas.microsoft.com/office/powerpoint/2012/main"/>
     </p:ext>
     <p:ext uri="GoogleSlidesCustomDataVersion2">
-      <go:slidesCustomData xmlns="" xmlns:mc="http://schemas.openxmlformats.org/markup-compatibility/2006" xmlns:mv="urn:schemas-microsoft-com:mac:vml" xmlns:c="http://schemas.openxmlformats.org/drawingml/2006/chart" xmlns:dgm="http://schemas.openxmlformats.org/drawingml/2006/diagram" xmlns:o="urn:schemas-microsoft-com:office:office" xmlns:v="urn:schemas-microsoft-com:vml" xmlns:pvml="urn:schemas-microsoft-com:office:powerpoint" xmlns:com="http://schemas.openxmlformats.org/drawingml/2006/compatibility" xmlns:p14="http://schemas.microsoft.com/office/powerpoint/2010/main" xmlns:p15="http://schemas.microsoft.com/office/powerpoint/2012/main" xmlns:ahyp="http://schemas.microsoft.com/office/drawing/2018/hyperlinkcolor" xmlns:go="http://customooxmlschemas.google.com/" r:id="rId27" roundtripDataSignature="AMtx7mjt3491jQ7aCoyIz2WXeHKroE7tpQ=="/>
+      <go:slidesCustomData xmlns:go="http://customooxmlschemas.google.com/" xmlns:ahyp="http://schemas.microsoft.com/office/drawing/2018/hyperlinkcolor" xmlns:p15="http://schemas.microsoft.com/office/powerpoint/2012/main" xmlns:p14="http://schemas.microsoft.com/office/powerpoint/2010/main" xmlns:com="http://schemas.openxmlformats.org/drawingml/2006/compatibility" xmlns:pvml="urn:schemas-microsoft-com:office:powerpoint" xmlns:v="urn:schemas-microsoft-com:vml" xmlns:o="urn:schemas-microsoft-com:office:office" xmlns:dgm="http://schemas.openxmlformats.org/drawingml/2006/diagram" xmlns:c="http://schemas.openxmlformats.org/drawingml/2006/chart" xmlns:mv="urn:schemas-microsoft-com:mac:vml" xmlns:mc="http://schemas.openxmlformats.org/markup-compatibility/2006" xmlns="" r:id="rId27" roundtripDataSignature="AMtx7mjt3491jQ7aCoyIz2WXeHKroE7tpQ=="/>
     </p:ext>
   </p:extLst>
 </p:presentation>
@@ -353,6 +355,13 @@
             <a:tailEnd type="none" w="sm" len="sm"/>
           </a:ln>
         </p:spPr>
+        <p:txBody>
+          <a:bodyPr/>
+          <a:lstStyle/>
+          <a:p>
+            <a:endParaRPr lang="en-IN"/>
+          </a:p>
+        </p:txBody>
       </p:sp>
       <p:sp>
         <p:nvSpPr>
@@ -822,6 +831,13 @@
             </a:pathLst>
           </a:custGeom>
         </p:spPr>
+        <p:txBody>
+          <a:bodyPr/>
+          <a:lstStyle/>
+          <a:p>
+            <a:endParaRPr lang="en-IN"/>
+          </a:p>
+        </p:txBody>
       </p:sp>
     </p:spTree>
     <p:extLst>
@@ -844,7 +860,7 @@
         <p:cNvPr id="1" name="Shape 128">
           <a:extLst>
             <a:ext uri="{FF2B5EF4-FFF2-40B4-BE49-F238E27FC236}">
-              <a16:creationId xmlns:a16="http://schemas.microsoft.com/office/drawing/2014/main" xmlns="" id="{59B870D7-ED5B-C7CD-FB99-2991954CAA65}"/>
+              <a16:creationId xmlns:a16="http://schemas.microsoft.com/office/drawing/2014/main" id="{59B870D7-ED5B-C7CD-FB99-2991954CAA65}"/>
             </a:ext>
           </a:extLst>
         </p:cNvPr>
@@ -864,7 +880,7 @@
           <p:cNvPr id="129" name="Google Shape;129;p5:notes">
             <a:extLst>
               <a:ext uri="{FF2B5EF4-FFF2-40B4-BE49-F238E27FC236}">
-                <a16:creationId xmlns:a16="http://schemas.microsoft.com/office/drawing/2014/main" xmlns="" id="{C8B270BB-F67C-52E3-249C-6FE0C237CA97}"/>
+                <a16:creationId xmlns:a16="http://schemas.microsoft.com/office/drawing/2014/main" id="{C8B270BB-F67C-52E3-249C-6FE0C237CA97}"/>
               </a:ext>
             </a:extLst>
           </p:cNvPr>
@@ -908,7 +924,7 @@
           <p:cNvPr id="130" name="Google Shape;130;p5:notes">
             <a:extLst>
               <a:ext uri="{FF2B5EF4-FFF2-40B4-BE49-F238E27FC236}">
-                <a16:creationId xmlns:a16="http://schemas.microsoft.com/office/drawing/2014/main" xmlns="" id="{151B863E-6240-36E9-EB23-2DAA667D2518}"/>
+                <a16:creationId xmlns:a16="http://schemas.microsoft.com/office/drawing/2014/main" id="{151B863E-6240-36E9-EB23-2DAA667D2518}"/>
               </a:ext>
             </a:extLst>
           </p:cNvPr>
@@ -949,6 +965,13 @@
             </a:pathLst>
           </a:custGeom>
         </p:spPr>
+        <p:txBody>
+          <a:bodyPr/>
+          <a:lstStyle/>
+          <a:p>
+            <a:endParaRPr lang="en-IN"/>
+          </a:p>
+        </p:txBody>
       </p:sp>
     </p:spTree>
     <p:extLst>
@@ -968,10 +991,121 @@
   <p:cSld>
     <p:spTree>
       <p:nvGrpSpPr>
+        <p:cNvPr id="1" name="Shape 170"/>
+        <p:cNvGrpSpPr/>
+        <p:nvPr/>
+      </p:nvGrpSpPr>
+      <p:grpSpPr>
+        <a:xfrm>
+          <a:off x="0" y="0"/>
+          <a:ext cx="0" cy="0"/>
+          <a:chOff x="0" y="0"/>
+          <a:chExt cx="0" cy="0"/>
+        </a:xfrm>
+      </p:grpSpPr>
+      <p:sp>
+        <p:nvSpPr>
+          <p:cNvPr id="171" name="Google Shape;171;p7:notes"/>
+          <p:cNvSpPr txBox="1">
+            <a:spLocks noGrp="1"/>
+          </p:cNvSpPr>
+          <p:nvPr>
+            <p:ph type="body" idx="1"/>
+          </p:nvPr>
+        </p:nvSpPr>
+        <p:spPr>
+          <a:xfrm>
+            <a:off x="685800" y="4343400"/>
+            <a:ext cx="5486400" cy="4114800"/>
+          </a:xfrm>
+          <a:prstGeom prst="rect">
+            <a:avLst/>
+          </a:prstGeom>
+        </p:spPr>
+        <p:txBody>
+          <a:bodyPr spcFirstLastPara="1" wrap="square" lIns="91425" tIns="91425" rIns="91425" bIns="91425" anchor="t" anchorCtr="0">
+            <a:noAutofit/>
+          </a:bodyPr>
+          <a:lstStyle/>
+          <a:p>
+            <a:pPr marL="0" lvl="0" indent="0" algn="l" rtl="0">
+              <a:spcBef>
+                <a:spcPts val="0"/>
+              </a:spcBef>
+              <a:spcAft>
+                <a:spcPts val="0"/>
+              </a:spcAft>
+              <a:buNone/>
+            </a:pPr>
+            <a:endParaRPr/>
+          </a:p>
+        </p:txBody>
+      </p:sp>
+      <p:sp>
+        <p:nvSpPr>
+          <p:cNvPr id="172" name="Google Shape;172;p7:notes"/>
+          <p:cNvSpPr>
+            <a:spLocks noGrp="1" noRot="1" noChangeAspect="1"/>
+          </p:cNvSpPr>
+          <p:nvPr>
+            <p:ph type="sldImg" idx="2"/>
+          </p:nvPr>
+        </p:nvSpPr>
+        <p:spPr>
+          <a:xfrm>
+            <a:off x="381000" y="685800"/>
+            <a:ext cx="6096000" cy="3429000"/>
+          </a:xfrm>
+          <a:custGeom>
+            <a:avLst/>
+            <a:gdLst/>
+            <a:ahLst/>
+            <a:cxnLst/>
+            <a:rect l="l" t="t" r="r" b="b"/>
+            <a:pathLst>
+              <a:path w="120000" h="120000" extrusionOk="0">
+                <a:moveTo>
+                  <a:pt x="0" y="0"/>
+                </a:moveTo>
+                <a:lnTo>
+                  <a:pt x="120000" y="0"/>
+                </a:lnTo>
+                <a:lnTo>
+                  <a:pt x="120000" y="120000"/>
+                </a:lnTo>
+                <a:lnTo>
+                  <a:pt x="0" y="120000"/>
+                </a:lnTo>
+                <a:close/>
+              </a:path>
+            </a:pathLst>
+          </a:custGeom>
+        </p:spPr>
+        <p:txBody>
+          <a:bodyPr/>
+          <a:lstStyle/>
+          <a:p>
+            <a:endParaRPr lang="en-IN"/>
+          </a:p>
+        </p:txBody>
+      </p:sp>
+    </p:spTree>
+  </p:cSld>
+  <p:clrMapOvr>
+    <a:masterClrMapping/>
+  </p:clrMapOvr>
+</p:notes>
+</file>
+
+<file path=ppt/notesSlides/notesSlide12.xml><?xml version="1.0" encoding="utf-8"?>
+<p:notes xmlns:a="http://schemas.openxmlformats.org/drawingml/2006/main" xmlns:r="http://schemas.openxmlformats.org/officeDocument/2006/relationships" xmlns:p="http://schemas.openxmlformats.org/presentationml/2006/main" showMasterSp="0" showMasterPhAnim="0">
+  <p:cSld>
+    <p:spTree>
+      <p:nvGrpSpPr>
         <p:cNvPr id="1" name="Shape 170">
           <a:extLst>
             <a:ext uri="{FF2B5EF4-FFF2-40B4-BE49-F238E27FC236}">
-              <a16:creationId xmlns:a16="http://schemas.microsoft.com/office/drawing/2014/main" xmlns="" id="{279463AA-D7FA-5F7E-C4D0-06BDEDCBB932}"/>
+              <a16:creationId xmlns:a16="http://schemas.microsoft.com/office/drawing/2014/main" id="{0EA04D40-BB11-6C0A-00CD-C04F1C1F2A7E}"/>
             </a:ext>
           </a:extLst>
         </p:cNvPr>
@@ -991,7 +1125,7 @@
           <p:cNvPr id="171" name="Google Shape;171;p7:notes">
             <a:extLst>
               <a:ext uri="{FF2B5EF4-FFF2-40B4-BE49-F238E27FC236}">
-                <a16:creationId xmlns:a16="http://schemas.microsoft.com/office/drawing/2014/main" xmlns="" id="{A84E3171-2C5C-8738-5718-5608CE1B13A4}"/>
+                <a16:creationId xmlns:a16="http://schemas.microsoft.com/office/drawing/2014/main" id="{2D9D8918-4664-95F9-D977-BC9AD92154D0}"/>
               </a:ext>
             </a:extLst>
           </p:cNvPr>
@@ -1035,7 +1169,7 @@
           <p:cNvPr id="172" name="Google Shape;172;p7:notes">
             <a:extLst>
               <a:ext uri="{FF2B5EF4-FFF2-40B4-BE49-F238E27FC236}">
-                <a16:creationId xmlns:a16="http://schemas.microsoft.com/office/drawing/2014/main" xmlns="" id="{E16E406D-2512-5EF2-0167-6C8953469546}"/>
+                <a16:creationId xmlns:a16="http://schemas.microsoft.com/office/drawing/2014/main" id="{CAF177F5-3AA4-28D2-0775-CD2A1F583B2A}"/>
               </a:ext>
             </a:extLst>
           </p:cNvPr>
@@ -1076,11 +1210,18 @@
             </a:pathLst>
           </a:custGeom>
         </p:spPr>
+        <p:txBody>
+          <a:bodyPr/>
+          <a:lstStyle/>
+          <a:p>
+            <a:endParaRPr lang="en-IN"/>
+          </a:p>
+        </p:txBody>
       </p:sp>
     </p:spTree>
     <p:extLst>
       <p:ext uri="{BB962C8B-B14F-4D97-AF65-F5344CB8AC3E}">
-        <p14:creationId xmlns:p14="http://schemas.microsoft.com/office/powerpoint/2010/main" val="3434966627"/>
+        <p14:creationId xmlns:p14="http://schemas.microsoft.com/office/powerpoint/2010/main" val="2117597258"/>
       </p:ext>
     </p:extLst>
   </p:cSld>
@@ -1090,7 +1231,7 @@
 </p:notes>
 </file>
 
-<file path=ppt/notesSlides/notesSlide12.xml><?xml version="1.0" encoding="utf-8"?>
+<file path=ppt/notesSlides/notesSlide13.xml><?xml version="1.0" encoding="utf-8"?>
 <p:notes xmlns:a="http://schemas.openxmlformats.org/drawingml/2006/main" xmlns:r="http://schemas.openxmlformats.org/officeDocument/2006/relationships" xmlns:p="http://schemas.openxmlformats.org/presentationml/2006/main" showMasterSp="0" showMasterPhAnim="0">
   <p:cSld>
     <p:spTree>
@@ -1098,7 +1239,7 @@
         <p:cNvPr id="1" name="Shape 170">
           <a:extLst>
             <a:ext uri="{FF2B5EF4-FFF2-40B4-BE49-F238E27FC236}">
-              <a16:creationId xmlns:a16="http://schemas.microsoft.com/office/drawing/2014/main" xmlns="" id="{AF421AB5-C8B9-103C-00CD-4845CDDB8000}"/>
+              <a16:creationId xmlns:a16="http://schemas.microsoft.com/office/drawing/2014/main" id="{9F74104C-BC2F-B4F9-F40A-BFCD063695CE}"/>
             </a:ext>
           </a:extLst>
         </p:cNvPr>
@@ -1118,7 +1259,7 @@
           <p:cNvPr id="171" name="Google Shape;171;p7:notes">
             <a:extLst>
               <a:ext uri="{FF2B5EF4-FFF2-40B4-BE49-F238E27FC236}">
-                <a16:creationId xmlns:a16="http://schemas.microsoft.com/office/drawing/2014/main" xmlns="" id="{02B8E18B-B5B1-AC89-9D48-66D344E302F6}"/>
+                <a16:creationId xmlns:a16="http://schemas.microsoft.com/office/drawing/2014/main" id="{65A4AA60-3C00-5D86-A2F0-93E4017458A3}"/>
               </a:ext>
             </a:extLst>
           </p:cNvPr>
@@ -1162,7 +1303,7 @@
           <p:cNvPr id="172" name="Google Shape;172;p7:notes">
             <a:extLst>
               <a:ext uri="{FF2B5EF4-FFF2-40B4-BE49-F238E27FC236}">
-                <a16:creationId xmlns:a16="http://schemas.microsoft.com/office/drawing/2014/main" xmlns="" id="{53B035D6-8279-E45C-02BF-7D1063481F64}"/>
+                <a16:creationId xmlns:a16="http://schemas.microsoft.com/office/drawing/2014/main" id="{B333D34B-6A47-E51C-ED65-B6ABE796D6C0}"/>
               </a:ext>
             </a:extLst>
           </p:cNvPr>
@@ -1203,11 +1344,18 @@
             </a:pathLst>
           </a:custGeom>
         </p:spPr>
+        <p:txBody>
+          <a:bodyPr/>
+          <a:lstStyle/>
+          <a:p>
+            <a:endParaRPr lang="en-IN"/>
+          </a:p>
+        </p:txBody>
       </p:sp>
     </p:spTree>
     <p:extLst>
       <p:ext uri="{BB962C8B-B14F-4D97-AF65-F5344CB8AC3E}">
-        <p14:creationId xmlns:p14="http://schemas.microsoft.com/office/powerpoint/2010/main" val="2744207626"/>
+        <p14:creationId xmlns:p14="http://schemas.microsoft.com/office/powerpoint/2010/main" val="2695217613"/>
       </p:ext>
     </p:extLst>
   </p:cSld>
@@ -1217,7 +1365,7 @@
 </p:notes>
 </file>
 
-<file path=ppt/notesSlides/notesSlide13.xml><?xml version="1.0" encoding="utf-8"?>
+<file path=ppt/notesSlides/notesSlide14.xml><?xml version="1.0" encoding="utf-8"?>
 <p:notes xmlns:a="http://schemas.openxmlformats.org/drawingml/2006/main" xmlns:r="http://schemas.openxmlformats.org/officeDocument/2006/relationships" xmlns:p="http://schemas.openxmlformats.org/presentationml/2006/main" showMasterSp="0" showMasterPhAnim="0">
   <p:cSld>
     <p:spTree>
@@ -1225,7 +1373,7 @@
         <p:cNvPr id="1" name="Shape 170">
           <a:extLst>
             <a:ext uri="{FF2B5EF4-FFF2-40B4-BE49-F238E27FC236}">
-              <a16:creationId xmlns:a16="http://schemas.microsoft.com/office/drawing/2014/main" xmlns="" id="{A63A9C66-2952-903D-83F1-D9F7981B25E5}"/>
+              <a16:creationId xmlns:a16="http://schemas.microsoft.com/office/drawing/2014/main" id="{279463AA-D7FA-5F7E-C4D0-06BDEDCBB932}"/>
             </a:ext>
           </a:extLst>
         </p:cNvPr>
@@ -1245,7 +1393,7 @@
           <p:cNvPr id="171" name="Google Shape;171;p7:notes">
             <a:extLst>
               <a:ext uri="{FF2B5EF4-FFF2-40B4-BE49-F238E27FC236}">
-                <a16:creationId xmlns:a16="http://schemas.microsoft.com/office/drawing/2014/main" xmlns="" id="{DC0C7460-0316-B69D-13B6-FF07EC57B300}"/>
+                <a16:creationId xmlns:a16="http://schemas.microsoft.com/office/drawing/2014/main" id="{A84E3171-2C5C-8738-5718-5608CE1B13A4}"/>
               </a:ext>
             </a:extLst>
           </p:cNvPr>
@@ -1289,7 +1437,7 @@
           <p:cNvPr id="172" name="Google Shape;172;p7:notes">
             <a:extLst>
               <a:ext uri="{FF2B5EF4-FFF2-40B4-BE49-F238E27FC236}">
-                <a16:creationId xmlns:a16="http://schemas.microsoft.com/office/drawing/2014/main" xmlns="" id="{0173EAB6-F44B-63ED-F869-2979BED7C5DB}"/>
+                <a16:creationId xmlns:a16="http://schemas.microsoft.com/office/drawing/2014/main" id="{E16E406D-2512-5EF2-0167-6C8953469546}"/>
               </a:ext>
             </a:extLst>
           </p:cNvPr>
@@ -1330,11 +1478,18 @@
             </a:pathLst>
           </a:custGeom>
         </p:spPr>
+        <p:txBody>
+          <a:bodyPr/>
+          <a:lstStyle/>
+          <a:p>
+            <a:endParaRPr lang="en-IN"/>
+          </a:p>
+        </p:txBody>
       </p:sp>
     </p:spTree>
     <p:extLst>
       <p:ext uri="{BB962C8B-B14F-4D97-AF65-F5344CB8AC3E}">
-        <p14:creationId xmlns:p14="http://schemas.microsoft.com/office/powerpoint/2010/main" val="2371313640"/>
+        <p14:creationId xmlns:p14="http://schemas.microsoft.com/office/powerpoint/2010/main" val="3434966627"/>
       </p:ext>
     </p:extLst>
   </p:cSld>
@@ -1344,7 +1499,7 @@
 </p:notes>
 </file>
 
-<file path=ppt/notesSlides/notesSlide14.xml><?xml version="1.0" encoding="utf-8"?>
+<file path=ppt/notesSlides/notesSlide15.xml><?xml version="1.0" encoding="utf-8"?>
 <p:notes xmlns:a="http://schemas.openxmlformats.org/drawingml/2006/main" xmlns:r="http://schemas.openxmlformats.org/officeDocument/2006/relationships" xmlns:p="http://schemas.openxmlformats.org/presentationml/2006/main" showMasterSp="0" showMasterPhAnim="0">
   <p:cSld>
     <p:spTree>
@@ -1352,7 +1507,7 @@
         <p:cNvPr id="1" name="Shape 170">
           <a:extLst>
             <a:ext uri="{FF2B5EF4-FFF2-40B4-BE49-F238E27FC236}">
-              <a16:creationId xmlns:a16="http://schemas.microsoft.com/office/drawing/2014/main" xmlns="" id="{6D9BD954-16FD-FB57-C6A4-EB5D3F15F6B4}"/>
+              <a16:creationId xmlns:a16="http://schemas.microsoft.com/office/drawing/2014/main" id="{9F52D6C0-A22A-B7A5-57E4-3B86A08F5C4F}"/>
             </a:ext>
           </a:extLst>
         </p:cNvPr>
@@ -1372,7 +1527,7 @@
           <p:cNvPr id="171" name="Google Shape;171;p7:notes">
             <a:extLst>
               <a:ext uri="{FF2B5EF4-FFF2-40B4-BE49-F238E27FC236}">
-                <a16:creationId xmlns:a16="http://schemas.microsoft.com/office/drawing/2014/main" xmlns="" id="{0F3489E1-7724-611B-4E81-BEA0792A2AD5}"/>
+                <a16:creationId xmlns:a16="http://schemas.microsoft.com/office/drawing/2014/main" id="{293EEE26-A9A2-951D-2B16-B6BEF09DB9B5}"/>
               </a:ext>
             </a:extLst>
           </p:cNvPr>
@@ -1416,7 +1571,7 @@
           <p:cNvPr id="172" name="Google Shape;172;p7:notes">
             <a:extLst>
               <a:ext uri="{FF2B5EF4-FFF2-40B4-BE49-F238E27FC236}">
-                <a16:creationId xmlns:a16="http://schemas.microsoft.com/office/drawing/2014/main" xmlns="" id="{D0D8B4C3-8B92-E26F-E1AC-2161B8338F1F}"/>
+                <a16:creationId xmlns:a16="http://schemas.microsoft.com/office/drawing/2014/main" id="{E182111D-254C-BD8C-FA23-1AD3B52CA243}"/>
               </a:ext>
             </a:extLst>
           </p:cNvPr>
@@ -1457,11 +1612,18 @@
             </a:pathLst>
           </a:custGeom>
         </p:spPr>
+        <p:txBody>
+          <a:bodyPr/>
+          <a:lstStyle/>
+          <a:p>
+            <a:endParaRPr lang="en-IN"/>
+          </a:p>
+        </p:txBody>
       </p:sp>
     </p:spTree>
     <p:extLst>
       <p:ext uri="{BB962C8B-B14F-4D97-AF65-F5344CB8AC3E}">
-        <p14:creationId xmlns:p14="http://schemas.microsoft.com/office/powerpoint/2010/main" val="2013080556"/>
+        <p14:creationId xmlns:p14="http://schemas.microsoft.com/office/powerpoint/2010/main" val="405947394"/>
       </p:ext>
     </p:extLst>
   </p:cSld>
@@ -1471,15 +1633,15 @@
 </p:notes>
 </file>
 
-<file path=ppt/notesSlides/notesSlide15.xml><?xml version="1.0" encoding="utf-8"?>
+<file path=ppt/notesSlides/notesSlide16.xml><?xml version="1.0" encoding="utf-8"?>
 <p:notes xmlns:a="http://schemas.openxmlformats.org/drawingml/2006/main" xmlns:r="http://schemas.openxmlformats.org/officeDocument/2006/relationships" xmlns:p="http://schemas.openxmlformats.org/presentationml/2006/main" showMasterSp="0" showMasterPhAnim="0">
   <p:cSld>
     <p:spTree>
       <p:nvGrpSpPr>
-        <p:cNvPr id="1" name="Shape 271">
+        <p:cNvPr id="1" name="Shape 170">
           <a:extLst>
             <a:ext uri="{FF2B5EF4-FFF2-40B4-BE49-F238E27FC236}">
-              <a16:creationId xmlns:a16="http://schemas.microsoft.com/office/drawing/2014/main" xmlns="" id="{466C47D1-19F6-52AF-3914-DD3C99058916}"/>
+              <a16:creationId xmlns:a16="http://schemas.microsoft.com/office/drawing/2014/main" id="{D11883E0-500E-7E40-8031-B1313E0DA7C4}"/>
             </a:ext>
           </a:extLst>
         </p:cNvPr>
@@ -1496,10 +1658,10 @@
       </p:grpSpPr>
       <p:sp>
         <p:nvSpPr>
-          <p:cNvPr id="272" name="Google Shape;272;p18:notes">
+          <p:cNvPr id="171" name="Google Shape;171;p7:notes">
             <a:extLst>
               <a:ext uri="{FF2B5EF4-FFF2-40B4-BE49-F238E27FC236}">
-                <a16:creationId xmlns:a16="http://schemas.microsoft.com/office/drawing/2014/main" xmlns="" id="{ACA1F779-4C2B-4CD1-FBDD-A40F0A322340}"/>
+                <a16:creationId xmlns:a16="http://schemas.microsoft.com/office/drawing/2014/main" id="{35604882-DC68-CFBF-2FB6-BA5F483DCFCD}"/>
               </a:ext>
             </a:extLst>
           </p:cNvPr>
@@ -1540,10 +1702,10 @@
       </p:sp>
       <p:sp>
         <p:nvSpPr>
-          <p:cNvPr id="273" name="Google Shape;273;p18:notes">
+          <p:cNvPr id="172" name="Google Shape;172;p7:notes">
             <a:extLst>
               <a:ext uri="{FF2B5EF4-FFF2-40B4-BE49-F238E27FC236}">
-                <a16:creationId xmlns:a16="http://schemas.microsoft.com/office/drawing/2014/main" xmlns="" id="{40004D30-6E86-E263-D5DA-7577B1C759BC}"/>
+                <a16:creationId xmlns:a16="http://schemas.microsoft.com/office/drawing/2014/main" id="{F88AD4A4-3AE4-7066-88C4-E1F25249C221}"/>
               </a:ext>
             </a:extLst>
           </p:cNvPr>
@@ -1584,11 +1746,18 @@
             </a:pathLst>
           </a:custGeom>
         </p:spPr>
+        <p:txBody>
+          <a:bodyPr/>
+          <a:lstStyle/>
+          <a:p>
+            <a:endParaRPr lang="en-IN"/>
+          </a:p>
+        </p:txBody>
       </p:sp>
     </p:spTree>
     <p:extLst>
       <p:ext uri="{BB962C8B-B14F-4D97-AF65-F5344CB8AC3E}">
-        <p14:creationId xmlns:p14="http://schemas.microsoft.com/office/powerpoint/2010/main" val="1622169396"/>
+        <p14:creationId xmlns:p14="http://schemas.microsoft.com/office/powerpoint/2010/main" val="1043454617"/>
       </p:ext>
     </p:extLst>
   </p:cSld>
@@ -1598,15 +1767,15 @@
 </p:notes>
 </file>
 
-<file path=ppt/notesSlides/notesSlide16.xml><?xml version="1.0" encoding="utf-8"?>
+<file path=ppt/notesSlides/notesSlide17.xml><?xml version="1.0" encoding="utf-8"?>
 <p:notes xmlns:a="http://schemas.openxmlformats.org/drawingml/2006/main" xmlns:r="http://schemas.openxmlformats.org/officeDocument/2006/relationships" xmlns:p="http://schemas.openxmlformats.org/presentationml/2006/main" showMasterSp="0" showMasterPhAnim="0">
   <p:cSld>
     <p:spTree>
       <p:nvGrpSpPr>
-        <p:cNvPr id="1" name="Shape 271">
+        <p:cNvPr id="1" name="Shape 170">
           <a:extLst>
             <a:ext uri="{FF2B5EF4-FFF2-40B4-BE49-F238E27FC236}">
-              <a16:creationId xmlns:a16="http://schemas.microsoft.com/office/drawing/2014/main" xmlns="" id="{FB18EFA4-CD13-16C4-504B-6DB7E86CE039}"/>
+              <a16:creationId xmlns:a16="http://schemas.microsoft.com/office/drawing/2014/main" id="{AF421AB5-C8B9-103C-00CD-4845CDDB8000}"/>
             </a:ext>
           </a:extLst>
         </p:cNvPr>
@@ -1623,10 +1792,10 @@
       </p:grpSpPr>
       <p:sp>
         <p:nvSpPr>
-          <p:cNvPr id="272" name="Google Shape;272;p18:notes">
+          <p:cNvPr id="171" name="Google Shape;171;p7:notes">
             <a:extLst>
               <a:ext uri="{FF2B5EF4-FFF2-40B4-BE49-F238E27FC236}">
-                <a16:creationId xmlns:a16="http://schemas.microsoft.com/office/drawing/2014/main" xmlns="" id="{E8E16183-6BFA-E60A-1235-F3BFB1B1F6E4}"/>
+                <a16:creationId xmlns:a16="http://schemas.microsoft.com/office/drawing/2014/main" id="{02B8E18B-B5B1-AC89-9D48-66D344E302F6}"/>
               </a:ext>
             </a:extLst>
           </p:cNvPr>
@@ -1667,10 +1836,10 @@
       </p:sp>
       <p:sp>
         <p:nvSpPr>
-          <p:cNvPr id="273" name="Google Shape;273;p18:notes">
+          <p:cNvPr id="172" name="Google Shape;172;p7:notes">
             <a:extLst>
               <a:ext uri="{FF2B5EF4-FFF2-40B4-BE49-F238E27FC236}">
-                <a16:creationId xmlns:a16="http://schemas.microsoft.com/office/drawing/2014/main" xmlns="" id="{C4420B06-3455-3F20-5E28-90535F24DA27}"/>
+                <a16:creationId xmlns:a16="http://schemas.microsoft.com/office/drawing/2014/main" id="{53B035D6-8279-E45C-02BF-7D1063481F64}"/>
               </a:ext>
             </a:extLst>
           </p:cNvPr>
@@ -1711,11 +1880,18 @@
             </a:pathLst>
           </a:custGeom>
         </p:spPr>
+        <p:txBody>
+          <a:bodyPr/>
+          <a:lstStyle/>
+          <a:p>
+            <a:endParaRPr lang="en-IN"/>
+          </a:p>
+        </p:txBody>
       </p:sp>
     </p:spTree>
     <p:extLst>
       <p:ext uri="{BB962C8B-B14F-4D97-AF65-F5344CB8AC3E}">
-        <p14:creationId xmlns:p14="http://schemas.microsoft.com/office/powerpoint/2010/main" val="1965175327"/>
+        <p14:creationId xmlns:p14="http://schemas.microsoft.com/office/powerpoint/2010/main" val="2744207626"/>
       </p:ext>
     </p:extLst>
   </p:cSld>
@@ -1725,7 +1901,7 @@
 </p:notes>
 </file>
 
-<file path=ppt/notesSlides/notesSlide17.xml><?xml version="1.0" encoding="utf-8"?>
+<file path=ppt/notesSlides/notesSlide18.xml><?xml version="1.0" encoding="utf-8"?>
 <p:notes xmlns:a="http://schemas.openxmlformats.org/drawingml/2006/main" xmlns:r="http://schemas.openxmlformats.org/officeDocument/2006/relationships" xmlns:p="http://schemas.openxmlformats.org/presentationml/2006/main" showMasterSp="0" showMasterPhAnim="0">
   <p:cSld>
     <p:spTree>
@@ -1733,7 +1909,7 @@
         <p:cNvPr id="1" name="Shape 271">
           <a:extLst>
             <a:ext uri="{FF2B5EF4-FFF2-40B4-BE49-F238E27FC236}">
-              <a16:creationId xmlns:a16="http://schemas.microsoft.com/office/drawing/2014/main" xmlns="" id="{35F81AA1-D470-94B2-DBAC-B3997B8AE727}"/>
+              <a16:creationId xmlns:a16="http://schemas.microsoft.com/office/drawing/2014/main" id="{466C47D1-19F6-52AF-3914-DD3C99058916}"/>
             </a:ext>
           </a:extLst>
         </p:cNvPr>
@@ -1753,7 +1929,7 @@
           <p:cNvPr id="272" name="Google Shape;272;p18:notes">
             <a:extLst>
               <a:ext uri="{FF2B5EF4-FFF2-40B4-BE49-F238E27FC236}">
-                <a16:creationId xmlns:a16="http://schemas.microsoft.com/office/drawing/2014/main" xmlns="" id="{BF3C5CFF-BD30-3A5C-BD37-8285A5CF2427}"/>
+                <a16:creationId xmlns:a16="http://schemas.microsoft.com/office/drawing/2014/main" id="{ACA1F779-4C2B-4CD1-FBDD-A40F0A322340}"/>
               </a:ext>
             </a:extLst>
           </p:cNvPr>
@@ -1797,7 +1973,7 @@
           <p:cNvPr id="273" name="Google Shape;273;p18:notes">
             <a:extLst>
               <a:ext uri="{FF2B5EF4-FFF2-40B4-BE49-F238E27FC236}">
-                <a16:creationId xmlns:a16="http://schemas.microsoft.com/office/drawing/2014/main" xmlns="" id="{D3D9FE95-01C0-4EF5-0973-1DCBDDB3C7B4}"/>
+                <a16:creationId xmlns:a16="http://schemas.microsoft.com/office/drawing/2014/main" id="{40004D30-6E86-E263-D5DA-7577B1C759BC}"/>
               </a:ext>
             </a:extLst>
           </p:cNvPr>
@@ -1838,6 +2014,147 @@
             </a:pathLst>
           </a:custGeom>
         </p:spPr>
+        <p:txBody>
+          <a:bodyPr/>
+          <a:lstStyle/>
+          <a:p>
+            <a:endParaRPr lang="en-IN"/>
+          </a:p>
+        </p:txBody>
+      </p:sp>
+    </p:spTree>
+    <p:extLst>
+      <p:ext uri="{BB962C8B-B14F-4D97-AF65-F5344CB8AC3E}">
+        <p14:creationId xmlns:p14="http://schemas.microsoft.com/office/powerpoint/2010/main" val="1622169396"/>
+      </p:ext>
+    </p:extLst>
+  </p:cSld>
+  <p:clrMapOvr>
+    <a:masterClrMapping/>
+  </p:clrMapOvr>
+</p:notes>
+</file>
+
+<file path=ppt/notesSlides/notesSlide19.xml><?xml version="1.0" encoding="utf-8"?>
+<p:notes xmlns:a="http://schemas.openxmlformats.org/drawingml/2006/main" xmlns:r="http://schemas.openxmlformats.org/officeDocument/2006/relationships" xmlns:p="http://schemas.openxmlformats.org/presentationml/2006/main" showMasterSp="0" showMasterPhAnim="0">
+  <p:cSld>
+    <p:spTree>
+      <p:nvGrpSpPr>
+        <p:cNvPr id="1" name="Shape 271">
+          <a:extLst>
+            <a:ext uri="{FF2B5EF4-FFF2-40B4-BE49-F238E27FC236}">
+              <a16:creationId xmlns:a16="http://schemas.microsoft.com/office/drawing/2014/main" id="{35F81AA1-D470-94B2-DBAC-B3997B8AE727}"/>
+            </a:ext>
+          </a:extLst>
+        </p:cNvPr>
+        <p:cNvGrpSpPr/>
+        <p:nvPr/>
+      </p:nvGrpSpPr>
+      <p:grpSpPr>
+        <a:xfrm>
+          <a:off x="0" y="0"/>
+          <a:ext cx="0" cy="0"/>
+          <a:chOff x="0" y="0"/>
+          <a:chExt cx="0" cy="0"/>
+        </a:xfrm>
+      </p:grpSpPr>
+      <p:sp>
+        <p:nvSpPr>
+          <p:cNvPr id="272" name="Google Shape;272;p18:notes">
+            <a:extLst>
+              <a:ext uri="{FF2B5EF4-FFF2-40B4-BE49-F238E27FC236}">
+                <a16:creationId xmlns:a16="http://schemas.microsoft.com/office/drawing/2014/main" id="{BF3C5CFF-BD30-3A5C-BD37-8285A5CF2427}"/>
+              </a:ext>
+            </a:extLst>
+          </p:cNvPr>
+          <p:cNvSpPr txBox="1">
+            <a:spLocks noGrp="1"/>
+          </p:cNvSpPr>
+          <p:nvPr>
+            <p:ph type="body" idx="1"/>
+          </p:nvPr>
+        </p:nvSpPr>
+        <p:spPr>
+          <a:xfrm>
+            <a:off x="685800" y="4343400"/>
+            <a:ext cx="5486400" cy="4114800"/>
+          </a:xfrm>
+          <a:prstGeom prst="rect">
+            <a:avLst/>
+          </a:prstGeom>
+        </p:spPr>
+        <p:txBody>
+          <a:bodyPr spcFirstLastPara="1" wrap="square" lIns="91425" tIns="91425" rIns="91425" bIns="91425" anchor="t" anchorCtr="0">
+            <a:noAutofit/>
+          </a:bodyPr>
+          <a:lstStyle/>
+          <a:p>
+            <a:pPr marL="0" lvl="0" indent="0" algn="l" rtl="0">
+              <a:spcBef>
+                <a:spcPts val="0"/>
+              </a:spcBef>
+              <a:spcAft>
+                <a:spcPts val="0"/>
+              </a:spcAft>
+              <a:buNone/>
+            </a:pPr>
+            <a:endParaRPr/>
+          </a:p>
+        </p:txBody>
+      </p:sp>
+      <p:sp>
+        <p:nvSpPr>
+          <p:cNvPr id="273" name="Google Shape;273;p18:notes">
+            <a:extLst>
+              <a:ext uri="{FF2B5EF4-FFF2-40B4-BE49-F238E27FC236}">
+                <a16:creationId xmlns:a16="http://schemas.microsoft.com/office/drawing/2014/main" id="{D3D9FE95-01C0-4EF5-0973-1DCBDDB3C7B4}"/>
+              </a:ext>
+            </a:extLst>
+          </p:cNvPr>
+          <p:cNvSpPr>
+            <a:spLocks noGrp="1" noRot="1" noChangeAspect="1"/>
+          </p:cNvSpPr>
+          <p:nvPr>
+            <p:ph type="sldImg" idx="2"/>
+          </p:nvPr>
+        </p:nvSpPr>
+        <p:spPr>
+          <a:xfrm>
+            <a:off x="381000" y="685800"/>
+            <a:ext cx="6096000" cy="3429000"/>
+          </a:xfrm>
+          <a:custGeom>
+            <a:avLst/>
+            <a:gdLst/>
+            <a:ahLst/>
+            <a:cxnLst/>
+            <a:rect l="l" t="t" r="r" b="b"/>
+            <a:pathLst>
+              <a:path w="120000" h="120000" extrusionOk="0">
+                <a:moveTo>
+                  <a:pt x="0" y="0"/>
+                </a:moveTo>
+                <a:lnTo>
+                  <a:pt x="120000" y="0"/>
+                </a:lnTo>
+                <a:lnTo>
+                  <a:pt x="120000" y="120000"/>
+                </a:lnTo>
+                <a:lnTo>
+                  <a:pt x="0" y="120000"/>
+                </a:lnTo>
+                <a:close/>
+              </a:path>
+            </a:pathLst>
+          </a:custGeom>
+        </p:spPr>
+        <p:txBody>
+          <a:bodyPr/>
+          <a:lstStyle/>
+          <a:p>
+            <a:endParaRPr lang="en-IN"/>
+          </a:p>
+        </p:txBody>
       </p:sp>
     </p:spTree>
     <p:extLst>
@@ -1852,7 +2169,141 @@
 </p:notes>
 </file>
 
-<file path=ppt/notesSlides/notesSlide18.xml><?xml version="1.0" encoding="utf-8"?>
+<file path=ppt/notesSlides/notesSlide2.xml><?xml version="1.0" encoding="utf-8"?>
+<p:notes xmlns:a="http://schemas.openxmlformats.org/drawingml/2006/main" xmlns:r="http://schemas.openxmlformats.org/officeDocument/2006/relationships" xmlns:p="http://schemas.openxmlformats.org/presentationml/2006/main" showMasterSp="0" showMasterPhAnim="0">
+  <p:cSld>
+    <p:spTree>
+      <p:nvGrpSpPr>
+        <p:cNvPr id="1" name="Shape 100">
+          <a:extLst>
+            <a:ext uri="{FF2B5EF4-FFF2-40B4-BE49-F238E27FC236}">
+              <a16:creationId xmlns:a16="http://schemas.microsoft.com/office/drawing/2014/main" id="{48C2B95B-FB15-C156-6AF1-35B35818164E}"/>
+            </a:ext>
+          </a:extLst>
+        </p:cNvPr>
+        <p:cNvGrpSpPr/>
+        <p:nvPr/>
+      </p:nvGrpSpPr>
+      <p:grpSpPr>
+        <a:xfrm>
+          <a:off x="0" y="0"/>
+          <a:ext cx="0" cy="0"/>
+          <a:chOff x="0" y="0"/>
+          <a:chExt cx="0" cy="0"/>
+        </a:xfrm>
+      </p:grpSpPr>
+      <p:sp>
+        <p:nvSpPr>
+          <p:cNvPr id="101" name="Google Shape;101;p3:notes">
+            <a:extLst>
+              <a:ext uri="{FF2B5EF4-FFF2-40B4-BE49-F238E27FC236}">
+                <a16:creationId xmlns:a16="http://schemas.microsoft.com/office/drawing/2014/main" id="{770A13E9-BC77-63DA-E106-A3FA8022811A}"/>
+              </a:ext>
+            </a:extLst>
+          </p:cNvPr>
+          <p:cNvSpPr txBox="1">
+            <a:spLocks noGrp="1"/>
+          </p:cNvSpPr>
+          <p:nvPr>
+            <p:ph type="body" idx="1"/>
+          </p:nvPr>
+        </p:nvSpPr>
+        <p:spPr>
+          <a:xfrm>
+            <a:off x="685800" y="4343400"/>
+            <a:ext cx="5486400" cy="4114800"/>
+          </a:xfrm>
+          <a:prstGeom prst="rect">
+            <a:avLst/>
+          </a:prstGeom>
+        </p:spPr>
+        <p:txBody>
+          <a:bodyPr spcFirstLastPara="1" wrap="square" lIns="91425" tIns="91425" rIns="91425" bIns="91425" anchor="t" anchorCtr="0">
+            <a:noAutofit/>
+          </a:bodyPr>
+          <a:lstStyle/>
+          <a:p>
+            <a:pPr marL="0" lvl="0" indent="0" algn="l" rtl="0">
+              <a:spcBef>
+                <a:spcPts val="0"/>
+              </a:spcBef>
+              <a:spcAft>
+                <a:spcPts val="0"/>
+              </a:spcAft>
+              <a:buNone/>
+            </a:pPr>
+            <a:endParaRPr/>
+          </a:p>
+        </p:txBody>
+      </p:sp>
+      <p:sp>
+        <p:nvSpPr>
+          <p:cNvPr id="102" name="Google Shape;102;p3:notes">
+            <a:extLst>
+              <a:ext uri="{FF2B5EF4-FFF2-40B4-BE49-F238E27FC236}">
+                <a16:creationId xmlns:a16="http://schemas.microsoft.com/office/drawing/2014/main" id="{29067B0F-2F4F-7081-A661-0AE31BFBB786}"/>
+              </a:ext>
+            </a:extLst>
+          </p:cNvPr>
+          <p:cNvSpPr>
+            <a:spLocks noGrp="1" noRot="1" noChangeAspect="1"/>
+          </p:cNvSpPr>
+          <p:nvPr>
+            <p:ph type="sldImg" idx="2"/>
+          </p:nvPr>
+        </p:nvSpPr>
+        <p:spPr>
+          <a:xfrm>
+            <a:off x="381000" y="685800"/>
+            <a:ext cx="6096000" cy="3429000"/>
+          </a:xfrm>
+          <a:custGeom>
+            <a:avLst/>
+            <a:gdLst/>
+            <a:ahLst/>
+            <a:cxnLst/>
+            <a:rect l="l" t="t" r="r" b="b"/>
+            <a:pathLst>
+              <a:path w="120000" h="120000" extrusionOk="0">
+                <a:moveTo>
+                  <a:pt x="0" y="0"/>
+                </a:moveTo>
+                <a:lnTo>
+                  <a:pt x="120000" y="0"/>
+                </a:lnTo>
+                <a:lnTo>
+                  <a:pt x="120000" y="120000"/>
+                </a:lnTo>
+                <a:lnTo>
+                  <a:pt x="0" y="120000"/>
+                </a:lnTo>
+                <a:close/>
+              </a:path>
+            </a:pathLst>
+          </a:custGeom>
+        </p:spPr>
+        <p:txBody>
+          <a:bodyPr/>
+          <a:lstStyle/>
+          <a:p>
+            <a:endParaRPr lang="en-IN"/>
+          </a:p>
+        </p:txBody>
+      </p:sp>
+    </p:spTree>
+    <p:extLst>
+      <p:ext uri="{BB962C8B-B14F-4D97-AF65-F5344CB8AC3E}">
+        <p14:creationId xmlns:p14="http://schemas.microsoft.com/office/powerpoint/2010/main" val="2605541099"/>
+      </p:ext>
+    </p:extLst>
+  </p:cSld>
+  <p:clrMapOvr>
+    <a:masterClrMapping/>
+  </p:clrMapOvr>
+</p:notes>
+</file>
+
+<file path=ppt/notesSlides/notesSlide20.xml><?xml version="1.0" encoding="utf-8"?>
 <p:notes xmlns:a="http://schemas.openxmlformats.org/drawingml/2006/main" xmlns:r="http://schemas.openxmlformats.org/officeDocument/2006/relationships" xmlns:p="http://schemas.openxmlformats.org/presentationml/2006/main" showMasterSp="0" showMasterPhAnim="0">
   <p:cSld>
     <p:spTree>
@@ -1947,138 +2398,18 @@
             </a:pathLst>
           </a:custGeom>
         </p:spPr>
+        <p:txBody>
+          <a:bodyPr/>
+          <a:lstStyle/>
+          <a:p>
+            <a:endParaRPr lang="en-IN"/>
+          </a:p>
+        </p:txBody>
       </p:sp>
     </p:spTree>
     <p:extLst>
       <p:ext uri="{BB962C8B-B14F-4D97-AF65-F5344CB8AC3E}">
         <p14:creationId xmlns:p14="http://schemas.microsoft.com/office/powerpoint/2010/main" val="543180475"/>
-      </p:ext>
-    </p:extLst>
-  </p:cSld>
-  <p:clrMapOvr>
-    <a:masterClrMapping/>
-  </p:clrMapOvr>
-</p:notes>
-</file>
-
-<file path=ppt/notesSlides/notesSlide2.xml><?xml version="1.0" encoding="utf-8"?>
-<p:notes xmlns:a="http://schemas.openxmlformats.org/drawingml/2006/main" xmlns:r="http://schemas.openxmlformats.org/officeDocument/2006/relationships" xmlns:p="http://schemas.openxmlformats.org/presentationml/2006/main" showMasterSp="0" showMasterPhAnim="0">
-  <p:cSld>
-    <p:spTree>
-      <p:nvGrpSpPr>
-        <p:cNvPr id="1" name="Shape 100">
-          <a:extLst>
-            <a:ext uri="{FF2B5EF4-FFF2-40B4-BE49-F238E27FC236}">
-              <a16:creationId xmlns:a16="http://schemas.microsoft.com/office/drawing/2014/main" xmlns="" id="{48C2B95B-FB15-C156-6AF1-35B35818164E}"/>
-            </a:ext>
-          </a:extLst>
-        </p:cNvPr>
-        <p:cNvGrpSpPr/>
-        <p:nvPr/>
-      </p:nvGrpSpPr>
-      <p:grpSpPr>
-        <a:xfrm>
-          <a:off x="0" y="0"/>
-          <a:ext cx="0" cy="0"/>
-          <a:chOff x="0" y="0"/>
-          <a:chExt cx="0" cy="0"/>
-        </a:xfrm>
-      </p:grpSpPr>
-      <p:sp>
-        <p:nvSpPr>
-          <p:cNvPr id="101" name="Google Shape;101;p3:notes">
-            <a:extLst>
-              <a:ext uri="{FF2B5EF4-FFF2-40B4-BE49-F238E27FC236}">
-                <a16:creationId xmlns:a16="http://schemas.microsoft.com/office/drawing/2014/main" xmlns="" id="{770A13E9-BC77-63DA-E106-A3FA8022811A}"/>
-              </a:ext>
-            </a:extLst>
-          </p:cNvPr>
-          <p:cNvSpPr txBox="1">
-            <a:spLocks noGrp="1"/>
-          </p:cNvSpPr>
-          <p:nvPr>
-            <p:ph type="body" idx="1"/>
-          </p:nvPr>
-        </p:nvSpPr>
-        <p:spPr>
-          <a:xfrm>
-            <a:off x="685800" y="4343400"/>
-            <a:ext cx="5486400" cy="4114800"/>
-          </a:xfrm>
-          <a:prstGeom prst="rect">
-            <a:avLst/>
-          </a:prstGeom>
-        </p:spPr>
-        <p:txBody>
-          <a:bodyPr spcFirstLastPara="1" wrap="square" lIns="91425" tIns="91425" rIns="91425" bIns="91425" anchor="t" anchorCtr="0">
-            <a:noAutofit/>
-          </a:bodyPr>
-          <a:lstStyle/>
-          <a:p>
-            <a:pPr marL="0" lvl="0" indent="0" algn="l" rtl="0">
-              <a:spcBef>
-                <a:spcPts val="0"/>
-              </a:spcBef>
-              <a:spcAft>
-                <a:spcPts val="0"/>
-              </a:spcAft>
-              <a:buNone/>
-            </a:pPr>
-            <a:endParaRPr/>
-          </a:p>
-        </p:txBody>
-      </p:sp>
-      <p:sp>
-        <p:nvSpPr>
-          <p:cNvPr id="102" name="Google Shape;102;p3:notes">
-            <a:extLst>
-              <a:ext uri="{FF2B5EF4-FFF2-40B4-BE49-F238E27FC236}">
-                <a16:creationId xmlns:a16="http://schemas.microsoft.com/office/drawing/2014/main" xmlns="" id="{29067B0F-2F4F-7081-A661-0AE31BFBB786}"/>
-              </a:ext>
-            </a:extLst>
-          </p:cNvPr>
-          <p:cNvSpPr>
-            <a:spLocks noGrp="1" noRot="1" noChangeAspect="1"/>
-          </p:cNvSpPr>
-          <p:nvPr>
-            <p:ph type="sldImg" idx="2"/>
-          </p:nvPr>
-        </p:nvSpPr>
-        <p:spPr>
-          <a:xfrm>
-            <a:off x="381000" y="685800"/>
-            <a:ext cx="6096000" cy="3429000"/>
-          </a:xfrm>
-          <a:custGeom>
-            <a:avLst/>
-            <a:gdLst/>
-            <a:ahLst/>
-            <a:cxnLst/>
-            <a:rect l="l" t="t" r="r" b="b"/>
-            <a:pathLst>
-              <a:path w="120000" h="120000" extrusionOk="0">
-                <a:moveTo>
-                  <a:pt x="0" y="0"/>
-                </a:moveTo>
-                <a:lnTo>
-                  <a:pt x="120000" y="0"/>
-                </a:lnTo>
-                <a:lnTo>
-                  <a:pt x="120000" y="120000"/>
-                </a:lnTo>
-                <a:lnTo>
-                  <a:pt x="0" y="120000"/>
-                </a:lnTo>
-                <a:close/>
-              </a:path>
-            </a:pathLst>
-          </a:custGeom>
-        </p:spPr>
-      </p:sp>
-    </p:spTree>
-    <p:extLst>
-      <p:ext uri="{BB962C8B-B14F-4D97-AF65-F5344CB8AC3E}">
-        <p14:creationId xmlns:p14="http://schemas.microsoft.com/office/powerpoint/2010/main" val="2605541099"/>
       </p:ext>
     </p:extLst>
   </p:cSld>
@@ -2183,6 +2514,13 @@
             </a:pathLst>
           </a:custGeom>
         </p:spPr>
+        <p:txBody>
+          <a:bodyPr/>
+          <a:lstStyle/>
+          <a:p>
+            <a:endParaRPr lang="en-IN"/>
+          </a:p>
+        </p:txBody>
       </p:sp>
     </p:spTree>
     <p:extLst>
@@ -2205,7 +2543,7 @@
         <p:cNvPr id="1" name="Shape 109">
           <a:extLst>
             <a:ext uri="{FF2B5EF4-FFF2-40B4-BE49-F238E27FC236}">
-              <a16:creationId xmlns:a16="http://schemas.microsoft.com/office/drawing/2014/main" xmlns="" id="{7EF10545-1A46-607A-9459-61E8362FA69E}"/>
+              <a16:creationId xmlns:a16="http://schemas.microsoft.com/office/drawing/2014/main" id="{7EF10545-1A46-607A-9459-61E8362FA69E}"/>
             </a:ext>
           </a:extLst>
         </p:cNvPr>
@@ -2225,7 +2563,7 @@
           <p:cNvPr id="110" name="Google Shape;110;p4:notes">
             <a:extLst>
               <a:ext uri="{FF2B5EF4-FFF2-40B4-BE49-F238E27FC236}">
-                <a16:creationId xmlns:a16="http://schemas.microsoft.com/office/drawing/2014/main" xmlns="" id="{5957A8EB-ADFD-B035-BD54-1E8A3CB366AA}"/>
+                <a16:creationId xmlns:a16="http://schemas.microsoft.com/office/drawing/2014/main" id="{5957A8EB-ADFD-B035-BD54-1E8A3CB366AA}"/>
               </a:ext>
             </a:extLst>
           </p:cNvPr>
@@ -2269,7 +2607,7 @@
           <p:cNvPr id="111" name="Google Shape;111;p4:notes">
             <a:extLst>
               <a:ext uri="{FF2B5EF4-FFF2-40B4-BE49-F238E27FC236}">
-                <a16:creationId xmlns:a16="http://schemas.microsoft.com/office/drawing/2014/main" xmlns="" id="{A20716EB-D155-31F5-DA5A-E1CD60F5E9F1}"/>
+                <a16:creationId xmlns:a16="http://schemas.microsoft.com/office/drawing/2014/main" id="{A20716EB-D155-31F5-DA5A-E1CD60F5E9F1}"/>
               </a:ext>
             </a:extLst>
           </p:cNvPr>
@@ -2310,6 +2648,13 @@
             </a:pathLst>
           </a:custGeom>
         </p:spPr>
+        <p:txBody>
+          <a:bodyPr/>
+          <a:lstStyle/>
+          <a:p>
+            <a:endParaRPr lang="en-IN"/>
+          </a:p>
+        </p:txBody>
       </p:sp>
     </p:spTree>
     <p:extLst>
@@ -2332,7 +2677,7 @@
         <p:cNvPr id="1" name="Shape 109">
           <a:extLst>
             <a:ext uri="{FF2B5EF4-FFF2-40B4-BE49-F238E27FC236}">
-              <a16:creationId xmlns:a16="http://schemas.microsoft.com/office/drawing/2014/main" xmlns="" id="{F166C2B5-4668-A97F-2B37-43C42F227237}"/>
+              <a16:creationId xmlns:a16="http://schemas.microsoft.com/office/drawing/2014/main" id="{F166C2B5-4668-A97F-2B37-43C42F227237}"/>
             </a:ext>
           </a:extLst>
         </p:cNvPr>
@@ -2352,7 +2697,7 @@
           <p:cNvPr id="110" name="Google Shape;110;p4:notes">
             <a:extLst>
               <a:ext uri="{FF2B5EF4-FFF2-40B4-BE49-F238E27FC236}">
-                <a16:creationId xmlns:a16="http://schemas.microsoft.com/office/drawing/2014/main" xmlns="" id="{1DCE13D3-CED5-0A42-C57E-C51AFD2A625A}"/>
+                <a16:creationId xmlns:a16="http://schemas.microsoft.com/office/drawing/2014/main" id="{1DCE13D3-CED5-0A42-C57E-C51AFD2A625A}"/>
               </a:ext>
             </a:extLst>
           </p:cNvPr>
@@ -2396,7 +2741,7 @@
           <p:cNvPr id="111" name="Google Shape;111;p4:notes">
             <a:extLst>
               <a:ext uri="{FF2B5EF4-FFF2-40B4-BE49-F238E27FC236}">
-                <a16:creationId xmlns:a16="http://schemas.microsoft.com/office/drawing/2014/main" xmlns="" id="{A05A17E4-5523-52B1-27CC-3C3485618554}"/>
+                <a16:creationId xmlns:a16="http://schemas.microsoft.com/office/drawing/2014/main" id="{A05A17E4-5523-52B1-27CC-3C3485618554}"/>
               </a:ext>
             </a:extLst>
           </p:cNvPr>
@@ -2437,6 +2782,13 @@
             </a:pathLst>
           </a:custGeom>
         </p:spPr>
+        <p:txBody>
+          <a:bodyPr/>
+          <a:lstStyle/>
+          <a:p>
+            <a:endParaRPr lang="en-IN"/>
+          </a:p>
+        </p:txBody>
       </p:sp>
     </p:spTree>
     <p:extLst>
@@ -2459,7 +2811,7 @@
         <p:cNvPr id="1" name="Shape 197">
           <a:extLst>
             <a:ext uri="{FF2B5EF4-FFF2-40B4-BE49-F238E27FC236}">
-              <a16:creationId xmlns:a16="http://schemas.microsoft.com/office/drawing/2014/main" xmlns="" id="{11626E4B-E119-2382-6F8F-518641144E90}"/>
+              <a16:creationId xmlns:a16="http://schemas.microsoft.com/office/drawing/2014/main" id="{11626E4B-E119-2382-6F8F-518641144E90}"/>
             </a:ext>
           </a:extLst>
         </p:cNvPr>
@@ -2479,7 +2831,7 @@
           <p:cNvPr id="198" name="Google Shape;198;p10:notes">
             <a:extLst>
               <a:ext uri="{FF2B5EF4-FFF2-40B4-BE49-F238E27FC236}">
-                <a16:creationId xmlns:a16="http://schemas.microsoft.com/office/drawing/2014/main" xmlns="" id="{01A6FF9F-971F-6CD8-61F5-25638A5985F7}"/>
+                <a16:creationId xmlns:a16="http://schemas.microsoft.com/office/drawing/2014/main" id="{01A6FF9F-971F-6CD8-61F5-25638A5985F7}"/>
               </a:ext>
             </a:extLst>
           </p:cNvPr>
@@ -2523,7 +2875,7 @@
           <p:cNvPr id="199" name="Google Shape;199;p10:notes">
             <a:extLst>
               <a:ext uri="{FF2B5EF4-FFF2-40B4-BE49-F238E27FC236}">
-                <a16:creationId xmlns:a16="http://schemas.microsoft.com/office/drawing/2014/main" xmlns="" id="{C8EB5C80-6A4B-AE05-9BE0-03B5AF5C22AD}"/>
+                <a16:creationId xmlns:a16="http://schemas.microsoft.com/office/drawing/2014/main" id="{C8EB5C80-6A4B-AE05-9BE0-03B5AF5C22AD}"/>
               </a:ext>
             </a:extLst>
           </p:cNvPr>
@@ -2564,6 +2916,13 @@
             </a:pathLst>
           </a:custGeom>
         </p:spPr>
+        <p:txBody>
+          <a:bodyPr/>
+          <a:lstStyle/>
+          <a:p>
+            <a:endParaRPr lang="en-IN"/>
+          </a:p>
+        </p:txBody>
       </p:sp>
     </p:spTree>
     <p:extLst>
@@ -2611,6 +2970,13 @@
             <a:ext cx="6096000" cy="3429000"/>
           </a:xfrm>
         </p:spPr>
+        <p:txBody>
+          <a:bodyPr/>
+          <a:lstStyle/>
+          <a:p>
+            <a:endParaRPr lang="en-IN"/>
+          </a:p>
+        </p:txBody>
       </p:sp>
       <p:sp>
         <p:nvSpPr>
@@ -2739,6 +3105,13 @@
             </a:pathLst>
           </a:custGeom>
         </p:spPr>
+        <p:txBody>
+          <a:bodyPr/>
+          <a:lstStyle/>
+          <a:p>
+            <a:endParaRPr lang="en-IN"/>
+          </a:p>
+        </p:txBody>
       </p:sp>
     </p:spTree>
     <p:extLst>
@@ -2761,7 +3134,7 @@
         <p:cNvPr id="1" name="Shape 128">
           <a:extLst>
             <a:ext uri="{FF2B5EF4-FFF2-40B4-BE49-F238E27FC236}">
-              <a16:creationId xmlns:a16="http://schemas.microsoft.com/office/drawing/2014/main" xmlns="" id="{59B870D7-ED5B-C7CD-FB99-2991954CAA65}"/>
+              <a16:creationId xmlns:a16="http://schemas.microsoft.com/office/drawing/2014/main" id="{59B870D7-ED5B-C7CD-FB99-2991954CAA65}"/>
             </a:ext>
           </a:extLst>
         </p:cNvPr>
@@ -2781,7 +3154,7 @@
           <p:cNvPr id="129" name="Google Shape;129;p5:notes">
             <a:extLst>
               <a:ext uri="{FF2B5EF4-FFF2-40B4-BE49-F238E27FC236}">
-                <a16:creationId xmlns:a16="http://schemas.microsoft.com/office/drawing/2014/main" xmlns="" id="{C8B270BB-F67C-52E3-249C-6FE0C237CA97}"/>
+                <a16:creationId xmlns:a16="http://schemas.microsoft.com/office/drawing/2014/main" id="{C8B270BB-F67C-52E3-249C-6FE0C237CA97}"/>
               </a:ext>
             </a:extLst>
           </p:cNvPr>
@@ -2825,7 +3198,7 @@
           <p:cNvPr id="130" name="Google Shape;130;p5:notes">
             <a:extLst>
               <a:ext uri="{FF2B5EF4-FFF2-40B4-BE49-F238E27FC236}">
-                <a16:creationId xmlns:a16="http://schemas.microsoft.com/office/drawing/2014/main" xmlns="" id="{151B863E-6240-36E9-EB23-2DAA667D2518}"/>
+                <a16:creationId xmlns:a16="http://schemas.microsoft.com/office/drawing/2014/main" id="{151B863E-6240-36E9-EB23-2DAA667D2518}"/>
               </a:ext>
             </a:extLst>
           </p:cNvPr>
@@ -2866,6 +3239,13 @@
             </a:pathLst>
           </a:custGeom>
         </p:spPr>
+        <p:txBody>
+          <a:bodyPr/>
+          <a:lstStyle/>
+          <a:p>
+            <a:endParaRPr lang="en-IN"/>
+          </a:p>
+        </p:txBody>
       </p:sp>
     </p:spTree>
     <p:extLst>
@@ -8208,6 +8588,13 @@
             <a:noFill/>
           </a:ln>
         </p:spPr>
+        <p:txBody>
+          <a:bodyPr/>
+          <a:lstStyle/>
+          <a:p>
+            <a:endParaRPr lang="en-IN"/>
+          </a:p>
+        </p:txBody>
       </p:sp>
       <p:sp>
         <p:nvSpPr>
@@ -11996,7 +12383,7 @@
           <p:cNvPr id="2" name="Title 1">
             <a:extLst>
               <a:ext uri="{FF2B5EF4-FFF2-40B4-BE49-F238E27FC236}">
-                <a16:creationId xmlns:a16="http://schemas.microsoft.com/office/drawing/2014/main" xmlns="" id="{9AF97BF8-B3EC-77A2-9BFD-D66830272D56}"/>
+                <a16:creationId xmlns:a16="http://schemas.microsoft.com/office/drawing/2014/main" id="{9AF97BF8-B3EC-77A2-9BFD-D66830272D56}"/>
               </a:ext>
             </a:extLst>
           </p:cNvPr>
@@ -12009,8 +12396,8 @@
         </p:nvSpPr>
         <p:spPr>
           <a:xfrm>
-            <a:off x="831850" y="755319"/>
-            <a:ext cx="10515600" cy="1292937"/>
+            <a:off x="1645285" y="1723735"/>
+            <a:ext cx="8901430" cy="1292937"/>
           </a:xfrm>
         </p:spPr>
         <p:txBody>
@@ -12032,7 +12419,7 @@
           <p:cNvPr id="4" name="Picture 3">
             <a:extLst>
               <a:ext uri="{FF2B5EF4-FFF2-40B4-BE49-F238E27FC236}">
-                <a16:creationId xmlns:a16="http://schemas.microsoft.com/office/drawing/2014/main" xmlns="" id="{9270813B-BF9E-B61A-92D0-FA37C990652F}"/>
+                <a16:creationId xmlns:a16="http://schemas.microsoft.com/office/drawing/2014/main" id="{9270813B-BF9E-B61A-92D0-FA37C990652F}"/>
               </a:ext>
             </a:extLst>
           </p:cNvPr>
@@ -12062,7 +12449,7 @@
           <p:cNvPr id="6" name="Text Placeholder 5">
             <a:extLst>
               <a:ext uri="{FF2B5EF4-FFF2-40B4-BE49-F238E27FC236}">
-                <a16:creationId xmlns:a16="http://schemas.microsoft.com/office/drawing/2014/main" xmlns="" id="{522AFBCE-D6E1-8CC1-58C4-6DA4BF5FCD9D}"/>
+                <a16:creationId xmlns:a16="http://schemas.microsoft.com/office/drawing/2014/main" id="{522AFBCE-D6E1-8CC1-58C4-6DA4BF5FCD9D}"/>
               </a:ext>
             </a:extLst>
           </p:cNvPr>
@@ -12075,19 +12462,19 @@
         </p:nvSpPr>
         <p:spPr>
           <a:xfrm>
-            <a:off x="831850" y="3272727"/>
-            <a:ext cx="10515600" cy="1500187"/>
+            <a:off x="2107565" y="3745412"/>
+            <a:ext cx="7976870" cy="1471993"/>
           </a:xfrm>
         </p:spPr>
         <p:txBody>
           <a:bodyPr>
-            <a:normAutofit/>
+            <a:normAutofit lnSpcReduction="10000"/>
           </a:bodyPr>
           <a:lstStyle/>
           <a:p>
             <a:pPr algn="ctr"/>
             <a:r>
-              <a:rPr lang="en-US" sz="2800" dirty="0">
+              <a:rPr lang="en-US" dirty="0">
                 <a:solidFill>
                   <a:schemeClr val="tx1">
                     <a:lumMod val="85000"/>
@@ -12095,9 +12482,9 @@
                   </a:schemeClr>
                 </a:solidFill>
               </a:rPr>
-              <a:t>An explainable multi-agent AI system that combines a PDC-based ML model with LLM agents to detect early medication non-adherence and predict patient risk for proactive intervention.</a:t>
+              <a:t>An explainable multi-agent AI system that combines ML model with LLM agents to detect early medication non-adherence and predict patient risk for proactive intervention.</a:t>
             </a:r>
-            <a:endParaRPr lang="en-IN" sz="2800" dirty="0">
+            <a:endParaRPr lang="en-IN" dirty="0">
               <a:solidFill>
                 <a:schemeClr val="tx1">
                   <a:lumMod val="85000"/>
@@ -12143,7 +12530,7 @@
           <p:cNvPr id="2" name="Title 1">
             <a:extLst>
               <a:ext uri="{FF2B5EF4-FFF2-40B4-BE49-F238E27FC236}">
-                <a16:creationId xmlns:a16="http://schemas.microsoft.com/office/drawing/2014/main" xmlns="" id="{29A3CA0D-9A22-17F6-AD56-7F127CA230D3}"/>
+                <a16:creationId xmlns:a16="http://schemas.microsoft.com/office/drawing/2014/main" id="{29A3CA0D-9A22-17F6-AD56-7F127CA230D3}"/>
               </a:ext>
             </a:extLst>
           </p:cNvPr>
@@ -12171,7 +12558,7 @@
           <p:cNvPr id="3" name="TextBox 2">
             <a:extLst>
               <a:ext uri="{FF2B5EF4-FFF2-40B4-BE49-F238E27FC236}">
-                <a16:creationId xmlns:a16="http://schemas.microsoft.com/office/drawing/2014/main" xmlns="" id="{8BA8F9B5-C715-9886-E55D-912FE3F0DD81}"/>
+                <a16:creationId xmlns:a16="http://schemas.microsoft.com/office/drawing/2014/main" id="{8BA8F9B5-C715-9886-E55D-912FE3F0DD81}"/>
               </a:ext>
             </a:extLst>
           </p:cNvPr>
@@ -12280,7 +12667,7 @@
           <p:cNvPr id="4" name="Picture 3">
             <a:extLst>
               <a:ext uri="{FF2B5EF4-FFF2-40B4-BE49-F238E27FC236}">
-                <a16:creationId xmlns:a16="http://schemas.microsoft.com/office/drawing/2014/main" xmlns="" id="{9D2AB003-5274-4105-A863-662F64E08F40}"/>
+                <a16:creationId xmlns:a16="http://schemas.microsoft.com/office/drawing/2014/main" id="{9D2AB003-5274-4105-A863-662F64E08F40}"/>
               </a:ext>
             </a:extLst>
           </p:cNvPr>
@@ -12326,7 +12713,7 @@
         <p:cNvPr id="1" name="Shape 131">
           <a:extLst>
             <a:ext uri="{FF2B5EF4-FFF2-40B4-BE49-F238E27FC236}">
-              <a16:creationId xmlns:a16="http://schemas.microsoft.com/office/drawing/2014/main" xmlns="" id="{CDF2A78E-5A0E-6814-8AF4-0AE54B0366E1}"/>
+              <a16:creationId xmlns:a16="http://schemas.microsoft.com/office/drawing/2014/main" id="{CDF2A78E-5A0E-6814-8AF4-0AE54B0366E1}"/>
             </a:ext>
           </a:extLst>
         </p:cNvPr>
@@ -12346,7 +12733,7 @@
           <p:cNvPr id="135" name="Google Shape;135;p5">
             <a:extLst>
               <a:ext uri="{FF2B5EF4-FFF2-40B4-BE49-F238E27FC236}">
-                <a16:creationId xmlns:a16="http://schemas.microsoft.com/office/drawing/2014/main" xmlns="" id="{2A145802-2DD3-EEBA-7D44-210C05B98C91}"/>
+                <a16:creationId xmlns:a16="http://schemas.microsoft.com/office/drawing/2014/main" id="{2A145802-2DD3-EEBA-7D44-210C05B98C91}"/>
               </a:ext>
             </a:extLst>
           </p:cNvPr>
@@ -12390,17 +12777,6 @@
               <a:buNone/>
             </a:pPr>
             <a:r>
-              <a:rPr lang="en-US" sz="2400" b="1" i="0" u="none" strike="noStrike" cap="none" err="1">
-                <a:solidFill>
-                  <a:srgbClr val="051D3A"/>
-                </a:solidFill>
-                <a:ea typeface="Times New Roman"/>
-                <a:cs typeface="Times New Roman"/>
-                <a:sym typeface="Times New Roman"/>
-              </a:rPr>
-              <a:t>Langflow</a:t>
-            </a:r>
-            <a:r>
               <a:rPr lang="en-US" sz="2400" b="1" i="0" u="none" strike="noStrike" cap="none" dirty="0">
                 <a:solidFill>
                   <a:srgbClr val="051D3A"/>
@@ -12409,9 +12785,9 @@
                 <a:cs typeface="Times New Roman"/>
                 <a:sym typeface="Times New Roman"/>
               </a:rPr>
-              <a:t> component Used </a:t>
+              <a:t>Langflow component Used </a:t>
             </a:r>
-            <a:endParaRPr lang="en-US" sz="2400" b="1" i="0" u="none" strike="noStrike" cap="none">
+            <a:endParaRPr lang="en-US" sz="2400" b="1" i="0" u="none" strike="noStrike" cap="none" dirty="0">
               <a:solidFill>
                 <a:srgbClr val="000000"/>
               </a:solidFill>
@@ -12426,7 +12802,7 @@
           <p:cNvPr id="148" name="Google Shape;148;p5">
             <a:extLst>
               <a:ext uri="{FF2B5EF4-FFF2-40B4-BE49-F238E27FC236}">
-                <a16:creationId xmlns:a16="http://schemas.microsoft.com/office/drawing/2014/main" xmlns="" id="{69E3EADC-1EAD-7419-145C-20998925206E}"/>
+                <a16:creationId xmlns:a16="http://schemas.microsoft.com/office/drawing/2014/main" id="{69E3EADC-1EAD-7419-145C-20998925206E}"/>
               </a:ext>
             </a:extLst>
           </p:cNvPr>
@@ -12486,7 +12862,7 @@
           <p:cNvPr id="149" name="Google Shape;149;p5">
             <a:extLst>
               <a:ext uri="{FF2B5EF4-FFF2-40B4-BE49-F238E27FC236}">
-                <a16:creationId xmlns:a16="http://schemas.microsoft.com/office/drawing/2014/main" xmlns="" id="{04E5872A-C331-C8F3-5D71-8E953BAAFE03}"/>
+                <a16:creationId xmlns:a16="http://schemas.microsoft.com/office/drawing/2014/main" id="{04E5872A-C331-C8F3-5D71-8E953BAAFE03}"/>
               </a:ext>
             </a:extLst>
           </p:cNvPr>
@@ -12546,7 +12922,7 @@
           <p:cNvPr id="150" name="Google Shape;150;p5">
             <a:extLst>
               <a:ext uri="{FF2B5EF4-FFF2-40B4-BE49-F238E27FC236}">
-                <a16:creationId xmlns:a16="http://schemas.microsoft.com/office/drawing/2014/main" xmlns="" id="{76EF3801-5D99-5EFA-9AA2-AD265775E354}"/>
+                <a16:creationId xmlns:a16="http://schemas.microsoft.com/office/drawing/2014/main" id="{76EF3801-5D99-5EFA-9AA2-AD265775E354}"/>
               </a:ext>
             </a:extLst>
           </p:cNvPr>
@@ -12606,7 +12982,7 @@
           <p:cNvPr id="151" name="Google Shape;151;p5">
             <a:extLst>
               <a:ext uri="{FF2B5EF4-FFF2-40B4-BE49-F238E27FC236}">
-                <a16:creationId xmlns:a16="http://schemas.microsoft.com/office/drawing/2014/main" xmlns="" id="{DAD76A8A-9F2C-9EA9-25E9-40CD0FFAA869}"/>
+                <a16:creationId xmlns:a16="http://schemas.microsoft.com/office/drawing/2014/main" id="{DAD76A8A-9F2C-9EA9-25E9-40CD0FFAA869}"/>
               </a:ext>
             </a:extLst>
           </p:cNvPr>
@@ -12666,7 +13042,7 @@
           <p:cNvPr id="152" name="Google Shape;152;p5">
             <a:extLst>
               <a:ext uri="{FF2B5EF4-FFF2-40B4-BE49-F238E27FC236}">
-                <a16:creationId xmlns:a16="http://schemas.microsoft.com/office/drawing/2014/main" xmlns="" id="{8D9C4260-2673-337C-C898-4C22E0F8FD65}"/>
+                <a16:creationId xmlns:a16="http://schemas.microsoft.com/office/drawing/2014/main" id="{8D9C4260-2673-337C-C898-4C22E0F8FD65}"/>
               </a:ext>
             </a:extLst>
           </p:cNvPr>
@@ -12726,7 +13102,7 @@
           <p:cNvPr id="153" name="Google Shape;153;p5">
             <a:extLst>
               <a:ext uri="{FF2B5EF4-FFF2-40B4-BE49-F238E27FC236}">
-                <a16:creationId xmlns:a16="http://schemas.microsoft.com/office/drawing/2014/main" xmlns="" id="{6167C3C6-3747-E373-84C3-3927C443B067}"/>
+                <a16:creationId xmlns:a16="http://schemas.microsoft.com/office/drawing/2014/main" id="{6167C3C6-3747-E373-84C3-3927C443B067}"/>
               </a:ext>
             </a:extLst>
           </p:cNvPr>
@@ -12786,7 +13162,7 @@
           <p:cNvPr id="2" name="TextBox 1">
             <a:extLst>
               <a:ext uri="{FF2B5EF4-FFF2-40B4-BE49-F238E27FC236}">
-                <a16:creationId xmlns:a16="http://schemas.microsoft.com/office/drawing/2014/main" xmlns="" id="{9BB86949-7ED1-C43B-B1E3-5122BB67A596}"/>
+                <a16:creationId xmlns:a16="http://schemas.microsoft.com/office/drawing/2014/main" id="{9BB86949-7ED1-C43B-B1E3-5122BB67A596}"/>
               </a:ext>
             </a:extLst>
           </p:cNvPr>
@@ -12870,12 +13246,8 @@
           </a:p>
           <a:p>
             <a:r>
-              <a:rPr lang="en-US" sz="1600" b="1" dirty="0" smtClean="0"/>
-              <a:t>Prompt </a:t>
-            </a:r>
-            <a:r>
               <a:rPr lang="en-US" sz="1600" b="1" dirty="0"/>
-              <a:t>Template </a:t>
+              <a:t>Prompt Template </a:t>
             </a:r>
             <a:r>
               <a:rPr lang="en-US" sz="1600" dirty="0"/>
@@ -12922,7 +13294,7 @@
           <p:cNvPr id="4" name="Picture 3">
             <a:extLst>
               <a:ext uri="{FF2B5EF4-FFF2-40B4-BE49-F238E27FC236}">
-                <a16:creationId xmlns:a16="http://schemas.microsoft.com/office/drawing/2014/main" xmlns="" id="{F55A7959-9FC6-1DAE-7A47-36165450EF19}"/>
+                <a16:creationId xmlns:a16="http://schemas.microsoft.com/office/drawing/2014/main" id="{F55A7959-9FC6-1DAE-7A47-36165450EF19}"/>
               </a:ext>
             </a:extLst>
           </p:cNvPr>
@@ -12968,7 +13340,7 @@
         <p:cNvPr id="1" name="Shape 131">
           <a:extLst>
             <a:ext uri="{FF2B5EF4-FFF2-40B4-BE49-F238E27FC236}">
-              <a16:creationId xmlns:a16="http://schemas.microsoft.com/office/drawing/2014/main" xmlns="" id="{CDF2A78E-5A0E-6814-8AF4-0AE54B0366E1}"/>
+              <a16:creationId xmlns:a16="http://schemas.microsoft.com/office/drawing/2014/main" id="{CDF2A78E-5A0E-6814-8AF4-0AE54B0366E1}"/>
             </a:ext>
           </a:extLst>
         </p:cNvPr>
@@ -12988,7 +13360,7 @@
           <p:cNvPr id="135" name="Google Shape;135;p5">
             <a:extLst>
               <a:ext uri="{FF2B5EF4-FFF2-40B4-BE49-F238E27FC236}">
-                <a16:creationId xmlns:a16="http://schemas.microsoft.com/office/drawing/2014/main" xmlns="" id="{2A145802-2DD3-EEBA-7D44-210C05B98C91}"/>
+                <a16:creationId xmlns:a16="http://schemas.microsoft.com/office/drawing/2014/main" id="{2A145802-2DD3-EEBA-7D44-210C05B98C91}"/>
               </a:ext>
             </a:extLst>
           </p:cNvPr>
@@ -13032,7 +13404,7 @@
               <a:buNone/>
             </a:pPr>
             <a:r>
-              <a:rPr lang="en-US" sz="2400" b="1" i="0" u="none" strike="noStrike" cap="none" dirty="0" smtClean="0">
+              <a:rPr lang="en-US" sz="2400" b="1" i="0" u="none" strike="noStrike" cap="none" dirty="0">
                 <a:solidFill>
                   <a:srgbClr val="051D3A"/>
                 </a:solidFill>
@@ -13057,7 +13429,7 @@
           <p:cNvPr id="148" name="Google Shape;148;p5">
             <a:extLst>
               <a:ext uri="{FF2B5EF4-FFF2-40B4-BE49-F238E27FC236}">
-                <a16:creationId xmlns:a16="http://schemas.microsoft.com/office/drawing/2014/main" xmlns="" id="{69E3EADC-1EAD-7419-145C-20998925206E}"/>
+                <a16:creationId xmlns:a16="http://schemas.microsoft.com/office/drawing/2014/main" id="{69E3EADC-1EAD-7419-145C-20998925206E}"/>
               </a:ext>
             </a:extLst>
           </p:cNvPr>
@@ -13117,7 +13489,7 @@
           <p:cNvPr id="149" name="Google Shape;149;p5">
             <a:extLst>
               <a:ext uri="{FF2B5EF4-FFF2-40B4-BE49-F238E27FC236}">
-                <a16:creationId xmlns:a16="http://schemas.microsoft.com/office/drawing/2014/main" xmlns="" id="{04E5872A-C331-C8F3-5D71-8E953BAAFE03}"/>
+                <a16:creationId xmlns:a16="http://schemas.microsoft.com/office/drawing/2014/main" id="{04E5872A-C331-C8F3-5D71-8E953BAAFE03}"/>
               </a:ext>
             </a:extLst>
           </p:cNvPr>
@@ -13177,7 +13549,7 @@
           <p:cNvPr id="150" name="Google Shape;150;p5">
             <a:extLst>
               <a:ext uri="{FF2B5EF4-FFF2-40B4-BE49-F238E27FC236}">
-                <a16:creationId xmlns:a16="http://schemas.microsoft.com/office/drawing/2014/main" xmlns="" id="{76EF3801-5D99-5EFA-9AA2-AD265775E354}"/>
+                <a16:creationId xmlns:a16="http://schemas.microsoft.com/office/drawing/2014/main" id="{76EF3801-5D99-5EFA-9AA2-AD265775E354}"/>
               </a:ext>
             </a:extLst>
           </p:cNvPr>
@@ -13237,7 +13609,7 @@
           <p:cNvPr id="151" name="Google Shape;151;p5">
             <a:extLst>
               <a:ext uri="{FF2B5EF4-FFF2-40B4-BE49-F238E27FC236}">
-                <a16:creationId xmlns:a16="http://schemas.microsoft.com/office/drawing/2014/main" xmlns="" id="{DAD76A8A-9F2C-9EA9-25E9-40CD0FFAA869}"/>
+                <a16:creationId xmlns:a16="http://schemas.microsoft.com/office/drawing/2014/main" id="{DAD76A8A-9F2C-9EA9-25E9-40CD0FFAA869}"/>
               </a:ext>
             </a:extLst>
           </p:cNvPr>
@@ -13297,7 +13669,7 @@
           <p:cNvPr id="152" name="Google Shape;152;p5">
             <a:extLst>
               <a:ext uri="{FF2B5EF4-FFF2-40B4-BE49-F238E27FC236}">
-                <a16:creationId xmlns:a16="http://schemas.microsoft.com/office/drawing/2014/main" xmlns="" id="{8D9C4260-2673-337C-C898-4C22E0F8FD65}"/>
+                <a16:creationId xmlns:a16="http://schemas.microsoft.com/office/drawing/2014/main" id="{8D9C4260-2673-337C-C898-4C22E0F8FD65}"/>
               </a:ext>
             </a:extLst>
           </p:cNvPr>
@@ -13357,7 +13729,7 @@
           <p:cNvPr id="153" name="Google Shape;153;p5">
             <a:extLst>
               <a:ext uri="{FF2B5EF4-FFF2-40B4-BE49-F238E27FC236}">
-                <a16:creationId xmlns:a16="http://schemas.microsoft.com/office/drawing/2014/main" xmlns="" id="{6167C3C6-3747-E373-84C3-3927C443B067}"/>
+                <a16:creationId xmlns:a16="http://schemas.microsoft.com/office/drawing/2014/main" id="{6167C3C6-3747-E373-84C3-3927C443B067}"/>
               </a:ext>
             </a:extLst>
           </p:cNvPr>
@@ -13417,7 +13789,7 @@
           <p:cNvPr id="2" name="TextBox 1">
             <a:extLst>
               <a:ext uri="{FF2B5EF4-FFF2-40B4-BE49-F238E27FC236}">
-                <a16:creationId xmlns:a16="http://schemas.microsoft.com/office/drawing/2014/main" xmlns="" id="{9BB86949-7ED1-C43B-B1E3-5122BB67A596}"/>
+                <a16:creationId xmlns:a16="http://schemas.microsoft.com/office/drawing/2014/main" id="{9BB86949-7ED1-C43B-B1E3-5122BB67A596}"/>
               </a:ext>
             </a:extLst>
           </p:cNvPr>
@@ -13446,85 +13818,67 @@
             </a:r>
             <a:r>
               <a:rPr lang="en-US" sz="1600" dirty="0"/>
-              <a:t> – Exposes a Python execution environment as a tool that the agent can </a:t>
+              <a:t> – Exposes a Python execution environment as a tool that the agent can call, used to calculate </a:t>
             </a:r>
             <a:r>
-              <a:rPr lang="en-US" sz="1600" dirty="0" smtClean="0"/>
-              <a:t>call, used to calculate </a:t>
-            </a:r>
-            <a:r>
-              <a:rPr lang="en-US" sz="1600" dirty="0" err="1" smtClean="0"/>
+              <a:rPr lang="en-US" sz="1600" dirty="0" err="1"/>
               <a:t>pdc_score</a:t>
             </a:r>
             <a:r>
-              <a:rPr lang="en-US" sz="1600" dirty="0" smtClean="0"/>
+              <a:rPr lang="en-US" sz="1600" dirty="0"/>
               <a:t> as well as </a:t>
             </a:r>
             <a:r>
-              <a:rPr lang="en-US" sz="1600" dirty="0" err="1" smtClean="0"/>
+              <a:rPr lang="en-US" sz="1600" dirty="0" err="1"/>
               <a:t>adherence_risk</a:t>
             </a:r>
             <a:r>
-              <a:rPr lang="en-US" sz="1600" dirty="0" smtClean="0"/>
+              <a:rPr lang="en-US" sz="1600" dirty="0"/>
               <a:t> classification.</a:t>
             </a:r>
-            <a:endParaRPr lang="en-US" sz="1600" dirty="0"/>
           </a:p>
           <a:p>
             <a:r>
-              <a:rPr lang="en-US" sz="1600" b="1" dirty="0" smtClean="0"/>
-              <a:t>​</a:t>
+              <a:rPr lang="en-US" sz="1600" b="1" dirty="0"/>
+              <a:t>​​</a:t>
             </a:r>
+          </a:p>
+          <a:p>
             <a:r>
-              <a:rPr lang="en-US" sz="1600" b="1" dirty="0" smtClean="0"/>
-              <a:t>​</a:t>
-            </a:r>
-            <a:endParaRPr lang="en-US" sz="1600" b="1" dirty="0"/>
-          </a:p>
-          <a:p>
-            <a:r>
-              <a:rPr lang="en-US" sz="1600" b="1" dirty="0" smtClean="0"/>
+              <a:rPr lang="en-US" sz="1600" b="1" dirty="0"/>
               <a:t>Adherence Prediction Component </a:t>
             </a:r>
             <a:r>
-              <a:rPr lang="en-US" sz="1600" dirty="0" smtClean="0"/>
+              <a:rPr lang="en-US" sz="1600" dirty="0"/>
               <a:t>– Used API Request component which will send HTTP request to the deployed ML model which predicts the </a:t>
             </a:r>
             <a:r>
-              <a:rPr lang="en-US" sz="1600" dirty="0" err="1" smtClean="0"/>
+              <a:rPr lang="en-US" sz="1600" dirty="0" err="1"/>
               <a:t>adherence_status</a:t>
             </a:r>
             <a:r>
-              <a:rPr lang="en-US" sz="1600" dirty="0" smtClean="0"/>
+              <a:rPr lang="en-US" sz="1600" dirty="0"/>
               <a:t> of Patient.</a:t>
             </a:r>
           </a:p>
           <a:p>
-            <a:endParaRPr lang="en-US" sz="1600" dirty="0" smtClean="0"/>
+            <a:endParaRPr lang="en-US" sz="1600" dirty="0"/>
           </a:p>
           <a:p>
             <a:r>
-              <a:rPr lang="en-US" sz="1600" b="1" dirty="0" smtClean="0"/>
+              <a:rPr lang="en-US" sz="1600" b="1" dirty="0"/>
               <a:t>Mail Sending Component</a:t>
             </a:r>
             <a:r>
-              <a:rPr lang="en-US" sz="1600" dirty="0" smtClean="0"/>
-              <a:t>– </a:t>
+              <a:rPr lang="en-US" sz="1600" dirty="0"/>
+              <a:t>– Used API Request component which will send mails for the patients with proper WHO guidelines message along with their risk level.</a:t>
             </a:r>
-            <a:r>
-              <a:rPr lang="en-US" sz="1600" dirty="0"/>
-              <a:t>Used API Request component which will </a:t>
-            </a:r>
-            <a:r>
-              <a:rPr lang="en-US" sz="1600" dirty="0" smtClean="0"/>
-              <a:t>send mails for the patients with proper WHO guidelines message along with their risk level.</a:t>
-            </a:r>
           </a:p>
           <a:p>
             <a:endParaRPr lang="en-US" sz="1600" dirty="0"/>
           </a:p>
           <a:p>
-            <a:endParaRPr lang="en-US" sz="1600" dirty="0" smtClean="0"/>
+            <a:endParaRPr lang="en-US" sz="1600" dirty="0"/>
           </a:p>
         </p:txBody>
       </p:sp>
@@ -13533,7 +13887,7 @@
           <p:cNvPr id="4" name="Picture 3">
             <a:extLst>
               <a:ext uri="{FF2B5EF4-FFF2-40B4-BE49-F238E27FC236}">
-                <a16:creationId xmlns:a16="http://schemas.microsoft.com/office/drawing/2014/main" xmlns="" id="{F55A7959-9FC6-1DAE-7A47-36165450EF19}"/>
+                <a16:creationId xmlns:a16="http://schemas.microsoft.com/office/drawing/2014/main" id="{F55A7959-9FC6-1DAE-7A47-36165450EF19}"/>
               </a:ext>
             </a:extLst>
           </p:cNvPr>
@@ -13576,10 +13930,586 @@
   <p:cSld>
     <p:spTree>
       <p:nvGrpSpPr>
+        <p:cNvPr id="1" name="Shape 173"/>
+        <p:cNvGrpSpPr/>
+        <p:nvPr/>
+      </p:nvGrpSpPr>
+      <p:grpSpPr>
+        <a:xfrm>
+          <a:off x="0" y="0"/>
+          <a:ext cx="0" cy="0"/>
+          <a:chOff x="0" y="0"/>
+          <a:chExt cx="0" cy="0"/>
+        </a:xfrm>
+      </p:grpSpPr>
+      <p:pic>
+        <p:nvPicPr>
+          <p:cNvPr id="178" name="Google Shape;178;p7"/>
+          <p:cNvPicPr preferRelativeResize="0"/>
+          <p:nvPr/>
+        </p:nvPicPr>
+        <p:blipFill>
+          <a:blip r:embed="rId3">
+            <a:alphaModFix/>
+          </a:blip>
+          <a:srcRect/>
+          <a:stretch/>
+        </p:blipFill>
+        <p:spPr>
+          <a:xfrm>
+            <a:off x="240184" y="1098290"/>
+            <a:ext cx="11711629" cy="5177500"/>
+          </a:xfrm>
+          <a:prstGeom prst="rect">
+            <a:avLst/>
+          </a:prstGeom>
+          <a:noFill/>
+          <a:ln>
+            <a:noFill/>
+          </a:ln>
+        </p:spPr>
+      </p:pic>
+      <p:sp>
+        <p:nvSpPr>
+          <p:cNvPr id="179" name="Google Shape;179;p7"/>
+          <p:cNvSpPr txBox="1"/>
+          <p:nvPr/>
+        </p:nvSpPr>
+        <p:spPr>
+          <a:xfrm>
+            <a:off x="1003545" y="364352"/>
+            <a:ext cx="8207828" cy="461624"/>
+          </a:xfrm>
+          <a:prstGeom prst="rect">
+            <a:avLst/>
+          </a:prstGeom>
+          <a:noFill/>
+          <a:ln>
+            <a:noFill/>
+          </a:ln>
+        </p:spPr>
+        <p:txBody>
+          <a:bodyPr spcFirstLastPara="1" wrap="square" lIns="91425" tIns="45700" rIns="91425" bIns="45700" anchor="t" anchorCtr="0">
+            <a:spAutoFit/>
+          </a:bodyPr>
+          <a:lstStyle/>
+          <a:p>
+            <a:pPr algn="ctr"/>
+            <a:r>
+              <a:rPr lang="en-US" sz="2400" b="1" dirty="0">
+                <a:solidFill>
+                  <a:schemeClr val="dk1"/>
+                </a:solidFill>
+                <a:ea typeface="Calibri"/>
+                <a:cs typeface="Calibri"/>
+                <a:sym typeface="Calibri"/>
+              </a:rPr>
+              <a:t>Technical flow diagram - Architecture</a:t>
+            </a:r>
+            <a:r>
+              <a:rPr lang="en-US" sz="2400" b="1" i="0" u="none" strike="noStrike" cap="none" dirty="0">
+                <a:solidFill>
+                  <a:schemeClr val="dk1"/>
+                </a:solidFill>
+                <a:ea typeface="Calibri"/>
+                <a:cs typeface="Calibri"/>
+                <a:sym typeface="Calibri"/>
+              </a:rPr>
+              <a:t> blueprint</a:t>
+            </a:r>
+            <a:endParaRPr lang="en-US" sz="2400" b="1" dirty="0">
+              <a:solidFill>
+                <a:schemeClr val="dk1"/>
+              </a:solidFill>
+            </a:endParaRPr>
+          </a:p>
+        </p:txBody>
+      </p:sp>
+      <p:pic>
+        <p:nvPicPr>
+          <p:cNvPr id="3" name="Picture 2">
+            <a:extLst>
+              <a:ext uri="{FF2B5EF4-FFF2-40B4-BE49-F238E27FC236}">
+                <a16:creationId xmlns:a16="http://schemas.microsoft.com/office/drawing/2014/main" id="{13F004CF-732B-B365-E320-17AD7B82A8D0}"/>
+              </a:ext>
+            </a:extLst>
+          </p:cNvPr>
+          <p:cNvPicPr>
+            <a:picLocks noChangeAspect="1"/>
+          </p:cNvPicPr>
+          <p:nvPr/>
+        </p:nvPicPr>
+        <p:blipFill>
+          <a:blip r:embed="rId4"/>
+          <a:stretch>
+            <a:fillRect/>
+          </a:stretch>
+        </p:blipFill>
+        <p:spPr>
+          <a:xfrm>
+            <a:off x="335796" y="6275790"/>
+            <a:ext cx="11520407" cy="310052"/>
+          </a:xfrm>
+          <a:prstGeom prst="rect">
+            <a:avLst/>
+          </a:prstGeom>
+        </p:spPr>
+      </p:pic>
+      <p:sp>
+        <p:nvSpPr>
+          <p:cNvPr id="2" name="Rectangle 1">
+            <a:extLst>
+              <a:ext uri="{FF2B5EF4-FFF2-40B4-BE49-F238E27FC236}">
+                <a16:creationId xmlns:a16="http://schemas.microsoft.com/office/drawing/2014/main" id="{A187EA5E-F5C0-1506-9F76-0D645962A3EE}"/>
+              </a:ext>
+            </a:extLst>
+          </p:cNvPr>
+          <p:cNvSpPr/>
+          <p:nvPr/>
+        </p:nvSpPr>
+        <p:spPr>
+          <a:xfrm>
+            <a:off x="10657057" y="5528733"/>
+            <a:ext cx="1294756" cy="307177"/>
+          </a:xfrm>
+          <a:prstGeom prst="rect">
+            <a:avLst/>
+          </a:prstGeom>
+          <a:solidFill>
+            <a:schemeClr val="bg1"/>
+          </a:solidFill>
+          <a:ln>
+            <a:noFill/>
+          </a:ln>
+        </p:spPr>
+        <p:style>
+          <a:lnRef idx="2">
+            <a:schemeClr val="accent1">
+              <a:shade val="15000"/>
+            </a:schemeClr>
+          </a:lnRef>
+          <a:fillRef idx="1">
+            <a:schemeClr val="accent1"/>
+          </a:fillRef>
+          <a:effectRef idx="0">
+            <a:schemeClr val="accent1"/>
+          </a:effectRef>
+          <a:fontRef idx="minor">
+            <a:schemeClr val="lt1"/>
+          </a:fontRef>
+        </p:style>
+        <p:txBody>
+          <a:bodyPr rtlCol="0" anchor="ctr"/>
+          <a:lstStyle/>
+          <a:p>
+            <a:pPr algn="ctr"/>
+            <a:endParaRPr lang="en-IN"/>
+          </a:p>
+        </p:txBody>
+      </p:sp>
+    </p:spTree>
+  </p:cSld>
+  <p:clrMapOvr>
+    <a:masterClrMapping/>
+  </p:clrMapOvr>
+</p:sld>
+</file>
+
+<file path=ppt/slides/slide14.xml><?xml version="1.0" encoding="utf-8"?>
+<p:sld xmlns:a="http://schemas.openxmlformats.org/drawingml/2006/main" xmlns:r="http://schemas.openxmlformats.org/officeDocument/2006/relationships" xmlns:p="http://schemas.openxmlformats.org/presentationml/2006/main">
+  <p:cSld>
+    <p:spTree>
+      <p:nvGrpSpPr>
         <p:cNvPr id="1" name="Shape 173">
           <a:extLst>
             <a:ext uri="{FF2B5EF4-FFF2-40B4-BE49-F238E27FC236}">
-              <a16:creationId xmlns:a16="http://schemas.microsoft.com/office/drawing/2014/main" xmlns="" id="{CA6090C0-0478-84F9-6D20-717B6FEB7326}"/>
+              <a16:creationId xmlns:a16="http://schemas.microsoft.com/office/drawing/2014/main" id="{FDCD98B7-719D-E098-F94D-5F38D1DE9B82}"/>
+            </a:ext>
+          </a:extLst>
+        </p:cNvPr>
+        <p:cNvGrpSpPr/>
+        <p:nvPr/>
+      </p:nvGrpSpPr>
+      <p:grpSpPr>
+        <a:xfrm>
+          <a:off x="0" y="0"/>
+          <a:ext cx="0" cy="0"/>
+          <a:chOff x="0" y="0"/>
+          <a:chExt cx="0" cy="0"/>
+        </a:xfrm>
+      </p:grpSpPr>
+      <p:pic>
+        <p:nvPicPr>
+          <p:cNvPr id="178" name="Google Shape;178;p7">
+            <a:extLst>
+              <a:ext uri="{FF2B5EF4-FFF2-40B4-BE49-F238E27FC236}">
+                <a16:creationId xmlns:a16="http://schemas.microsoft.com/office/drawing/2014/main" id="{E2F9DAD2-1456-D895-0E95-C7671A356B40}"/>
+              </a:ext>
+            </a:extLst>
+          </p:cNvPr>
+          <p:cNvPicPr preferRelativeResize="0"/>
+          <p:nvPr/>
+        </p:nvPicPr>
+        <p:blipFill>
+          <a:blip r:embed="rId3">
+            <a:alphaModFix/>
+          </a:blip>
+          <a:srcRect/>
+          <a:stretch/>
+        </p:blipFill>
+        <p:spPr>
+          <a:xfrm>
+            <a:off x="1623644" y="962133"/>
+            <a:ext cx="8944710" cy="5177500"/>
+          </a:xfrm>
+          <a:prstGeom prst="rect">
+            <a:avLst/>
+          </a:prstGeom>
+          <a:noFill/>
+          <a:ln>
+            <a:noFill/>
+          </a:ln>
+        </p:spPr>
+      </p:pic>
+      <p:sp>
+        <p:nvSpPr>
+          <p:cNvPr id="179" name="Google Shape;179;p7">
+            <a:extLst>
+              <a:ext uri="{FF2B5EF4-FFF2-40B4-BE49-F238E27FC236}">
+                <a16:creationId xmlns:a16="http://schemas.microsoft.com/office/drawing/2014/main" id="{13A01BC5-962D-D16B-4001-076C7A423AA7}"/>
+              </a:ext>
+            </a:extLst>
+          </p:cNvPr>
+          <p:cNvSpPr txBox="1"/>
+          <p:nvPr/>
+        </p:nvSpPr>
+        <p:spPr>
+          <a:xfrm>
+            <a:off x="1003545" y="364352"/>
+            <a:ext cx="8207828" cy="461624"/>
+          </a:xfrm>
+          <a:prstGeom prst="rect">
+            <a:avLst/>
+          </a:prstGeom>
+          <a:noFill/>
+          <a:ln>
+            <a:noFill/>
+          </a:ln>
+        </p:spPr>
+        <p:txBody>
+          <a:bodyPr spcFirstLastPara="1" wrap="square" lIns="91425" tIns="45700" rIns="91425" bIns="45700" anchor="t" anchorCtr="0">
+            <a:spAutoFit/>
+          </a:bodyPr>
+          <a:lstStyle/>
+          <a:p>
+            <a:r>
+              <a:rPr lang="en-US" sz="2400" b="1" dirty="0">
+                <a:solidFill>
+                  <a:schemeClr val="dk1"/>
+                </a:solidFill>
+              </a:rPr>
+              <a:t>Input Screenshot</a:t>
+            </a:r>
+          </a:p>
+        </p:txBody>
+      </p:sp>
+      <p:pic>
+        <p:nvPicPr>
+          <p:cNvPr id="3" name="Picture 2">
+            <a:extLst>
+              <a:ext uri="{FF2B5EF4-FFF2-40B4-BE49-F238E27FC236}">
+                <a16:creationId xmlns:a16="http://schemas.microsoft.com/office/drawing/2014/main" id="{DE4F03A1-43AE-2EE6-58E3-86FC93643D67}"/>
+              </a:ext>
+            </a:extLst>
+          </p:cNvPr>
+          <p:cNvPicPr>
+            <a:picLocks noChangeAspect="1"/>
+          </p:cNvPicPr>
+          <p:nvPr/>
+        </p:nvPicPr>
+        <p:blipFill>
+          <a:blip r:embed="rId4"/>
+          <a:stretch>
+            <a:fillRect/>
+          </a:stretch>
+        </p:blipFill>
+        <p:spPr>
+          <a:xfrm>
+            <a:off x="335796" y="6275790"/>
+            <a:ext cx="11520407" cy="310052"/>
+          </a:xfrm>
+          <a:prstGeom prst="rect">
+            <a:avLst/>
+          </a:prstGeom>
+        </p:spPr>
+      </p:pic>
+      <p:sp>
+        <p:nvSpPr>
+          <p:cNvPr id="2" name="Rectangle 1">
+            <a:extLst>
+              <a:ext uri="{FF2B5EF4-FFF2-40B4-BE49-F238E27FC236}">
+                <a16:creationId xmlns:a16="http://schemas.microsoft.com/office/drawing/2014/main" id="{90BB82EA-874A-D115-5BD0-4B9B49B349C5}"/>
+              </a:ext>
+            </a:extLst>
+          </p:cNvPr>
+          <p:cNvSpPr/>
+          <p:nvPr/>
+        </p:nvSpPr>
+        <p:spPr>
+          <a:xfrm>
+            <a:off x="10657057" y="5528733"/>
+            <a:ext cx="1294756" cy="307177"/>
+          </a:xfrm>
+          <a:prstGeom prst="rect">
+            <a:avLst/>
+          </a:prstGeom>
+          <a:solidFill>
+            <a:schemeClr val="bg1"/>
+          </a:solidFill>
+          <a:ln>
+            <a:noFill/>
+          </a:ln>
+        </p:spPr>
+        <p:style>
+          <a:lnRef idx="2">
+            <a:schemeClr val="accent1">
+              <a:shade val="15000"/>
+            </a:schemeClr>
+          </a:lnRef>
+          <a:fillRef idx="1">
+            <a:schemeClr val="accent1"/>
+          </a:fillRef>
+          <a:effectRef idx="0">
+            <a:schemeClr val="accent1"/>
+          </a:effectRef>
+          <a:fontRef idx="minor">
+            <a:schemeClr val="lt1"/>
+          </a:fontRef>
+        </p:style>
+        <p:txBody>
+          <a:bodyPr rtlCol="0" anchor="ctr"/>
+          <a:lstStyle/>
+          <a:p>
+            <a:pPr algn="ctr"/>
+            <a:endParaRPr lang="en-IN"/>
+          </a:p>
+        </p:txBody>
+      </p:sp>
+    </p:spTree>
+    <p:extLst>
+      <p:ext uri="{BB962C8B-B14F-4D97-AF65-F5344CB8AC3E}">
+        <p14:creationId xmlns:p14="http://schemas.microsoft.com/office/powerpoint/2010/main" val="1666586494"/>
+      </p:ext>
+    </p:extLst>
+  </p:cSld>
+  <p:clrMapOvr>
+    <a:masterClrMapping/>
+  </p:clrMapOvr>
+</p:sld>
+</file>
+
+<file path=ppt/slides/slide15.xml><?xml version="1.0" encoding="utf-8"?>
+<p:sld xmlns:a="http://schemas.openxmlformats.org/drawingml/2006/main" xmlns:r="http://schemas.openxmlformats.org/officeDocument/2006/relationships" xmlns:p="http://schemas.openxmlformats.org/presentationml/2006/main">
+  <p:cSld>
+    <p:spTree>
+      <p:nvGrpSpPr>
+        <p:cNvPr id="1" name="Shape 173">
+          <a:extLst>
+            <a:ext uri="{FF2B5EF4-FFF2-40B4-BE49-F238E27FC236}">
+              <a16:creationId xmlns:a16="http://schemas.microsoft.com/office/drawing/2014/main" id="{2A81F00F-7695-7EAE-D55F-DCDE8AD97029}"/>
+            </a:ext>
+          </a:extLst>
+        </p:cNvPr>
+        <p:cNvGrpSpPr/>
+        <p:nvPr/>
+      </p:nvGrpSpPr>
+      <p:grpSpPr>
+        <a:xfrm>
+          <a:off x="0" y="0"/>
+          <a:ext cx="0" cy="0"/>
+          <a:chOff x="0" y="0"/>
+          <a:chExt cx="0" cy="0"/>
+        </a:xfrm>
+      </p:grpSpPr>
+      <p:pic>
+        <p:nvPicPr>
+          <p:cNvPr id="178" name="Google Shape;178;p7">
+            <a:extLst>
+              <a:ext uri="{FF2B5EF4-FFF2-40B4-BE49-F238E27FC236}">
+                <a16:creationId xmlns:a16="http://schemas.microsoft.com/office/drawing/2014/main" id="{3501E11E-481B-7A0C-9927-F33B212B31E2}"/>
+              </a:ext>
+            </a:extLst>
+          </p:cNvPr>
+          <p:cNvPicPr preferRelativeResize="0"/>
+          <p:nvPr/>
+        </p:nvPicPr>
+        <p:blipFill>
+          <a:blip r:embed="rId3">
+            <a:alphaModFix/>
+          </a:blip>
+          <a:srcRect/>
+          <a:stretch/>
+        </p:blipFill>
+        <p:spPr>
+          <a:xfrm>
+            <a:off x="1689616" y="962133"/>
+            <a:ext cx="8812765" cy="5177500"/>
+          </a:xfrm>
+          <a:prstGeom prst="rect">
+            <a:avLst/>
+          </a:prstGeom>
+          <a:noFill/>
+          <a:ln>
+            <a:noFill/>
+          </a:ln>
+        </p:spPr>
+      </p:pic>
+      <p:sp>
+        <p:nvSpPr>
+          <p:cNvPr id="179" name="Google Shape;179;p7">
+            <a:extLst>
+              <a:ext uri="{FF2B5EF4-FFF2-40B4-BE49-F238E27FC236}">
+                <a16:creationId xmlns:a16="http://schemas.microsoft.com/office/drawing/2014/main" id="{E297A255-EBBC-27CA-367C-C75D96E52BB5}"/>
+              </a:ext>
+            </a:extLst>
+          </p:cNvPr>
+          <p:cNvSpPr txBox="1"/>
+          <p:nvPr/>
+        </p:nvSpPr>
+        <p:spPr>
+          <a:xfrm>
+            <a:off x="1003545" y="364352"/>
+            <a:ext cx="8207828" cy="461624"/>
+          </a:xfrm>
+          <a:prstGeom prst="rect">
+            <a:avLst/>
+          </a:prstGeom>
+          <a:noFill/>
+          <a:ln>
+            <a:noFill/>
+          </a:ln>
+        </p:spPr>
+        <p:txBody>
+          <a:bodyPr spcFirstLastPara="1" wrap="square" lIns="91425" tIns="45700" rIns="91425" bIns="45700" anchor="t" anchorCtr="0">
+            <a:spAutoFit/>
+          </a:bodyPr>
+          <a:lstStyle/>
+          <a:p>
+            <a:r>
+              <a:rPr lang="en-US" sz="2400" b="1" dirty="0">
+                <a:solidFill>
+                  <a:schemeClr val="dk1"/>
+                </a:solidFill>
+              </a:rPr>
+              <a:t>Output Screenshot</a:t>
+            </a:r>
+          </a:p>
+        </p:txBody>
+      </p:sp>
+      <p:pic>
+        <p:nvPicPr>
+          <p:cNvPr id="3" name="Picture 2">
+            <a:extLst>
+              <a:ext uri="{FF2B5EF4-FFF2-40B4-BE49-F238E27FC236}">
+                <a16:creationId xmlns:a16="http://schemas.microsoft.com/office/drawing/2014/main" id="{F21A9066-8976-F196-5EBF-18F84F3F61A0}"/>
+              </a:ext>
+            </a:extLst>
+          </p:cNvPr>
+          <p:cNvPicPr>
+            <a:picLocks noChangeAspect="1"/>
+          </p:cNvPicPr>
+          <p:nvPr/>
+        </p:nvPicPr>
+        <p:blipFill>
+          <a:blip r:embed="rId4"/>
+          <a:stretch>
+            <a:fillRect/>
+          </a:stretch>
+        </p:blipFill>
+        <p:spPr>
+          <a:xfrm>
+            <a:off x="335796" y="6275790"/>
+            <a:ext cx="11520407" cy="310052"/>
+          </a:xfrm>
+          <a:prstGeom prst="rect">
+            <a:avLst/>
+          </a:prstGeom>
+        </p:spPr>
+      </p:pic>
+      <p:sp>
+        <p:nvSpPr>
+          <p:cNvPr id="2" name="Rectangle 1">
+            <a:extLst>
+              <a:ext uri="{FF2B5EF4-FFF2-40B4-BE49-F238E27FC236}">
+                <a16:creationId xmlns:a16="http://schemas.microsoft.com/office/drawing/2014/main" id="{282A399F-A043-D59F-5B61-ECBF2255AA17}"/>
+              </a:ext>
+            </a:extLst>
+          </p:cNvPr>
+          <p:cNvSpPr/>
+          <p:nvPr/>
+        </p:nvSpPr>
+        <p:spPr>
+          <a:xfrm>
+            <a:off x="10657057" y="5528733"/>
+            <a:ext cx="1294756" cy="307177"/>
+          </a:xfrm>
+          <a:prstGeom prst="rect">
+            <a:avLst/>
+          </a:prstGeom>
+          <a:solidFill>
+            <a:schemeClr val="bg1"/>
+          </a:solidFill>
+          <a:ln>
+            <a:noFill/>
+          </a:ln>
+        </p:spPr>
+        <p:style>
+          <a:lnRef idx="2">
+            <a:schemeClr val="accent1">
+              <a:shade val="15000"/>
+            </a:schemeClr>
+          </a:lnRef>
+          <a:fillRef idx="1">
+            <a:schemeClr val="accent1"/>
+          </a:fillRef>
+          <a:effectRef idx="0">
+            <a:schemeClr val="accent1"/>
+          </a:effectRef>
+          <a:fontRef idx="minor">
+            <a:schemeClr val="lt1"/>
+          </a:fontRef>
+        </p:style>
+        <p:txBody>
+          <a:bodyPr rtlCol="0" anchor="ctr"/>
+          <a:lstStyle/>
+          <a:p>
+            <a:pPr algn="ctr"/>
+            <a:endParaRPr lang="en-IN"/>
+          </a:p>
+        </p:txBody>
+      </p:sp>
+    </p:spTree>
+    <p:extLst>
+      <p:ext uri="{BB962C8B-B14F-4D97-AF65-F5344CB8AC3E}">
+        <p14:creationId xmlns:p14="http://schemas.microsoft.com/office/powerpoint/2010/main" val="628400241"/>
+      </p:ext>
+    </p:extLst>
+  </p:cSld>
+  <p:clrMapOvr>
+    <a:masterClrMapping/>
+  </p:clrMapOvr>
+</p:sld>
+</file>
+
+<file path=ppt/slides/slide16.xml><?xml version="1.0" encoding="utf-8"?>
+<p:sld xmlns:a="http://schemas.openxmlformats.org/drawingml/2006/main" xmlns:r="http://schemas.openxmlformats.org/officeDocument/2006/relationships" xmlns:p="http://schemas.openxmlformats.org/presentationml/2006/main">
+  <p:cSld>
+    <p:spTree>
+      <p:nvGrpSpPr>
+        <p:cNvPr id="1" name="Shape 173">
+          <a:extLst>
+            <a:ext uri="{FF2B5EF4-FFF2-40B4-BE49-F238E27FC236}">
+              <a16:creationId xmlns:a16="http://schemas.microsoft.com/office/drawing/2014/main" id="{CA6090C0-0478-84F9-6D20-717B6FEB7326}"/>
             </a:ext>
           </a:extLst>
         </p:cNvPr>
@@ -13599,7 +14529,7 @@
           <p:cNvPr id="2" name="TextBox 1">
             <a:extLst>
               <a:ext uri="{FF2B5EF4-FFF2-40B4-BE49-F238E27FC236}">
-                <a16:creationId xmlns:a16="http://schemas.microsoft.com/office/drawing/2014/main" xmlns="" id="{48079FEC-4447-C4FA-64A4-CB532564DAF6}"/>
+                <a16:creationId xmlns:a16="http://schemas.microsoft.com/office/drawing/2014/main" id="{48079FEC-4447-C4FA-64A4-CB532564DAF6}"/>
               </a:ext>
             </a:extLst>
           </p:cNvPr>
@@ -13608,7 +14538,7 @@
         </p:nvSpPr>
         <p:spPr>
           <a:xfrm>
-            <a:off x="838779" y="200739"/>
+            <a:off x="859099" y="74575"/>
             <a:ext cx="4684069" cy="461665"/>
           </a:xfrm>
           <a:prstGeom prst="rect">
@@ -13627,7 +14557,7 @@
           <a:p>
             <a:r>
               <a:rPr lang="en-US" sz="2400" b="1" dirty="0"/>
-              <a:t>Input Screenshot 1 </a:t>
+              <a:t>Workflow of Agent 1 </a:t>
             </a:r>
             <a:endParaRPr lang="en-US" dirty="0"/>
           </a:p>
@@ -13638,7 +14568,7 @@
           <p:cNvPr id="5" name="Picture 4">
             <a:extLst>
               <a:ext uri="{FF2B5EF4-FFF2-40B4-BE49-F238E27FC236}">
-                <a16:creationId xmlns:a16="http://schemas.microsoft.com/office/drawing/2014/main" xmlns="" id="{073ADE60-811A-97E9-24FE-F2F7F61FA469}"/>
+                <a16:creationId xmlns:a16="http://schemas.microsoft.com/office/drawing/2014/main" id="{073ADE60-811A-97E9-24FE-F2F7F61FA469}"/>
               </a:ext>
             </a:extLst>
           </p:cNvPr>
@@ -13668,7 +14598,7 @@
           <p:cNvPr id="6" name="Picture 5">
             <a:extLst>
               <a:ext uri="{FF2B5EF4-FFF2-40B4-BE49-F238E27FC236}">
-                <a16:creationId xmlns:a16="http://schemas.microsoft.com/office/drawing/2014/main" xmlns="" id="{25C8A8E3-6EB6-8E2F-8176-581A6A585BB0}"/>
+                <a16:creationId xmlns:a16="http://schemas.microsoft.com/office/drawing/2014/main" id="{25C8A8E3-6EB6-8E2F-8176-581A6A585BB0}"/>
               </a:ext>
             </a:extLst>
           </p:cNvPr>
@@ -13679,14 +14609,13 @@
         </p:nvPicPr>
         <p:blipFill>
           <a:blip r:embed="rId4"/>
-          <a:stretch>
-            <a:fillRect/>
-          </a:stretch>
+          <a:srcRect/>
+          <a:stretch/>
         </p:blipFill>
         <p:spPr>
           <a:xfrm>
-            <a:off x="838779" y="1073552"/>
-            <a:ext cx="8997388" cy="4748513"/>
+            <a:off x="737179" y="662404"/>
+            <a:ext cx="10929470" cy="5400785"/>
           </a:xfrm>
           <a:prstGeom prst="rect">
             <a:avLst/>
@@ -13706,7 +14635,7 @@
 </p:sld>
 </file>
 
-<file path=ppt/slides/slide14.xml><?xml version="1.0" encoding="utf-8"?>
+<file path=ppt/slides/slide17.xml><?xml version="1.0" encoding="utf-8"?>
 <p:sld xmlns:a="http://schemas.openxmlformats.org/drawingml/2006/main" xmlns:r="http://schemas.openxmlformats.org/officeDocument/2006/relationships" xmlns:p="http://schemas.openxmlformats.org/presentationml/2006/main">
   <p:cSld>
     <p:spTree>
@@ -13714,7 +14643,7 @@
         <p:cNvPr id="1" name="Shape 173">
           <a:extLst>
             <a:ext uri="{FF2B5EF4-FFF2-40B4-BE49-F238E27FC236}">
-              <a16:creationId xmlns:a16="http://schemas.microsoft.com/office/drawing/2014/main" xmlns="" id="{B8C0E09A-1C60-C6C6-C0F0-198A5AF5B8A0}"/>
+              <a16:creationId xmlns:a16="http://schemas.microsoft.com/office/drawing/2014/main" id="{D5A0147F-D891-C4F6-92EF-067931899CAD}"/>
             </a:ext>
           </a:extLst>
         </p:cNvPr>
@@ -13734,7 +14663,7 @@
           <p:cNvPr id="2" name="TextBox 1">
             <a:extLst>
               <a:ext uri="{FF2B5EF4-FFF2-40B4-BE49-F238E27FC236}">
-                <a16:creationId xmlns:a16="http://schemas.microsoft.com/office/drawing/2014/main" xmlns="" id="{F0087FA1-2CB1-3205-92CD-9CC8EBD2C89B}"/>
+                <a16:creationId xmlns:a16="http://schemas.microsoft.com/office/drawing/2014/main" id="{2D058526-C04F-AB09-19D4-0FD14C7F6B52}"/>
               </a:ext>
             </a:extLst>
           </p:cNvPr>
@@ -13743,8 +14672,8 @@
         </p:nvSpPr>
         <p:spPr>
           <a:xfrm>
-            <a:off x="838779" y="200739"/>
-            <a:ext cx="6406973" cy="461665"/>
+            <a:off x="859099" y="74575"/>
+            <a:ext cx="4684069" cy="461665"/>
           </a:xfrm>
           <a:prstGeom prst="rect">
             <a:avLst/>
@@ -13762,9 +14691,9 @@
           <a:p>
             <a:r>
               <a:rPr lang="en-US" sz="2400" b="1" dirty="0"/>
-              <a:t>File Uploading for vector Embeddings</a:t>
+              <a:t>Workflow of Agent 2</a:t>
             </a:r>
-            <a:endParaRPr lang="en-US" dirty="0"/>
+            <a:endParaRPr lang="en-US" sz="2400" dirty="0"/>
           </a:p>
         </p:txBody>
       </p:sp>
@@ -13773,7 +14702,275 @@
           <p:cNvPr id="5" name="Picture 4">
             <a:extLst>
               <a:ext uri="{FF2B5EF4-FFF2-40B4-BE49-F238E27FC236}">
-                <a16:creationId xmlns:a16="http://schemas.microsoft.com/office/drawing/2014/main" xmlns="" id="{8D86E328-2321-B0A4-6F1D-CCB155176C51}"/>
+                <a16:creationId xmlns:a16="http://schemas.microsoft.com/office/drawing/2014/main" id="{3E093216-70F0-022D-E917-57E69FE0AC1E}"/>
+              </a:ext>
+            </a:extLst>
+          </p:cNvPr>
+          <p:cNvPicPr>
+            <a:picLocks noChangeAspect="1"/>
+          </p:cNvPicPr>
+          <p:nvPr/>
+        </p:nvPicPr>
+        <p:blipFill>
+          <a:blip r:embed="rId3"/>
+          <a:stretch>
+            <a:fillRect/>
+          </a:stretch>
+        </p:blipFill>
+        <p:spPr>
+          <a:xfrm>
+            <a:off x="335797" y="6315517"/>
+            <a:ext cx="11520407" cy="310052"/>
+          </a:xfrm>
+          <a:prstGeom prst="rect">
+            <a:avLst/>
+          </a:prstGeom>
+        </p:spPr>
+      </p:pic>
+      <p:pic>
+        <p:nvPicPr>
+          <p:cNvPr id="6" name="Picture 5">
+            <a:extLst>
+              <a:ext uri="{FF2B5EF4-FFF2-40B4-BE49-F238E27FC236}">
+                <a16:creationId xmlns:a16="http://schemas.microsoft.com/office/drawing/2014/main" id="{D330D59B-D1A4-1753-BB1C-225D1F054E75}"/>
+              </a:ext>
+            </a:extLst>
+          </p:cNvPr>
+          <p:cNvPicPr>
+            <a:picLocks noChangeAspect="1"/>
+          </p:cNvPicPr>
+          <p:nvPr/>
+        </p:nvPicPr>
+        <p:blipFill>
+          <a:blip r:embed="rId4"/>
+          <a:srcRect/>
+          <a:stretch/>
+        </p:blipFill>
+        <p:spPr>
+          <a:xfrm>
+            <a:off x="1320535" y="662404"/>
+            <a:ext cx="9762758" cy="5400785"/>
+          </a:xfrm>
+          <a:prstGeom prst="rect">
+            <a:avLst/>
+          </a:prstGeom>
+        </p:spPr>
+      </p:pic>
+    </p:spTree>
+    <p:extLst>
+      <p:ext uri="{BB962C8B-B14F-4D97-AF65-F5344CB8AC3E}">
+        <p14:creationId xmlns:p14="http://schemas.microsoft.com/office/powerpoint/2010/main" val="1507212323"/>
+      </p:ext>
+    </p:extLst>
+  </p:cSld>
+  <p:clrMapOvr>
+    <a:masterClrMapping/>
+  </p:clrMapOvr>
+</p:sld>
+</file>
+
+<file path=ppt/slides/slide18.xml><?xml version="1.0" encoding="utf-8"?>
+<p:sld xmlns:a="http://schemas.openxmlformats.org/drawingml/2006/main" xmlns:r="http://schemas.openxmlformats.org/officeDocument/2006/relationships" xmlns:p="http://schemas.openxmlformats.org/presentationml/2006/main">
+  <p:cSld>
+    <p:spTree>
+      <p:nvGrpSpPr>
+        <p:cNvPr id="1" name="Shape 173">
+          <a:extLst>
+            <a:ext uri="{FF2B5EF4-FFF2-40B4-BE49-F238E27FC236}">
+              <a16:creationId xmlns:a16="http://schemas.microsoft.com/office/drawing/2014/main" id="{38304265-6F47-74A1-68AB-17D75EF89B3F}"/>
+            </a:ext>
+          </a:extLst>
+        </p:cNvPr>
+        <p:cNvGrpSpPr/>
+        <p:nvPr/>
+      </p:nvGrpSpPr>
+      <p:grpSpPr>
+        <a:xfrm>
+          <a:off x="0" y="0"/>
+          <a:ext cx="0" cy="0"/>
+          <a:chOff x="0" y="0"/>
+          <a:chExt cx="0" cy="0"/>
+        </a:xfrm>
+      </p:grpSpPr>
+      <p:sp>
+        <p:nvSpPr>
+          <p:cNvPr id="2" name="TextBox 1">
+            <a:extLst>
+              <a:ext uri="{FF2B5EF4-FFF2-40B4-BE49-F238E27FC236}">
+                <a16:creationId xmlns:a16="http://schemas.microsoft.com/office/drawing/2014/main" id="{AA6389A9-8A75-54CC-CC28-800EAEA94994}"/>
+              </a:ext>
+            </a:extLst>
+          </p:cNvPr>
+          <p:cNvSpPr txBox="1"/>
+          <p:nvPr/>
+        </p:nvSpPr>
+        <p:spPr>
+          <a:xfrm>
+            <a:off x="859099" y="74575"/>
+            <a:ext cx="4684069" cy="461665"/>
+          </a:xfrm>
+          <a:prstGeom prst="rect">
+            <a:avLst/>
+          </a:prstGeom>
+          <a:noFill/>
+        </p:spPr>
+        <p:txBody>
+          <a:bodyPr rot="0" spcFirstLastPara="0" vertOverflow="overflow" horzOverflow="overflow" vert="horz" wrap="square" lIns="91440" tIns="45720" rIns="91440" bIns="45720" numCol="1" spcCol="0" rtlCol="0" fromWordArt="0" anchor="t" anchorCtr="0" forceAA="0" compatLnSpc="1">
+            <a:prstTxWarp prst="textNoShape">
+              <a:avLst/>
+            </a:prstTxWarp>
+            <a:spAutoFit/>
+          </a:bodyPr>
+          <a:lstStyle/>
+          <a:p>
+            <a:r>
+              <a:rPr lang="en-US" sz="2400" b="1" dirty="0"/>
+              <a:t>Workflow of Agent 3 and 4</a:t>
+            </a:r>
+            <a:endParaRPr lang="en-US" sz="2400" dirty="0"/>
+          </a:p>
+        </p:txBody>
+      </p:sp>
+      <p:pic>
+        <p:nvPicPr>
+          <p:cNvPr id="5" name="Picture 4">
+            <a:extLst>
+              <a:ext uri="{FF2B5EF4-FFF2-40B4-BE49-F238E27FC236}">
+                <a16:creationId xmlns:a16="http://schemas.microsoft.com/office/drawing/2014/main" id="{320A6DB5-6070-0F7A-A2B8-400B061C3E2F}"/>
+              </a:ext>
+            </a:extLst>
+          </p:cNvPr>
+          <p:cNvPicPr>
+            <a:picLocks noChangeAspect="1"/>
+          </p:cNvPicPr>
+          <p:nvPr/>
+        </p:nvPicPr>
+        <p:blipFill>
+          <a:blip r:embed="rId3"/>
+          <a:stretch>
+            <a:fillRect/>
+          </a:stretch>
+        </p:blipFill>
+        <p:spPr>
+          <a:xfrm>
+            <a:off x="335797" y="6315517"/>
+            <a:ext cx="11520407" cy="310052"/>
+          </a:xfrm>
+          <a:prstGeom prst="rect">
+            <a:avLst/>
+          </a:prstGeom>
+        </p:spPr>
+      </p:pic>
+      <p:pic>
+        <p:nvPicPr>
+          <p:cNvPr id="6" name="Picture 5">
+            <a:extLst>
+              <a:ext uri="{FF2B5EF4-FFF2-40B4-BE49-F238E27FC236}">
+                <a16:creationId xmlns:a16="http://schemas.microsoft.com/office/drawing/2014/main" id="{2B27A251-2D99-2279-DEAB-03906B7B5346}"/>
+              </a:ext>
+            </a:extLst>
+          </p:cNvPr>
+          <p:cNvPicPr>
+            <a:picLocks noChangeAspect="1"/>
+          </p:cNvPicPr>
+          <p:nvPr/>
+        </p:nvPicPr>
+        <p:blipFill>
+          <a:blip r:embed="rId4"/>
+          <a:srcRect/>
+          <a:stretch/>
+        </p:blipFill>
+        <p:spPr>
+          <a:xfrm>
+            <a:off x="1390812" y="631924"/>
+            <a:ext cx="9622203" cy="5400785"/>
+          </a:xfrm>
+          <a:prstGeom prst="rect">
+            <a:avLst/>
+          </a:prstGeom>
+        </p:spPr>
+      </p:pic>
+    </p:spTree>
+    <p:extLst>
+      <p:ext uri="{BB962C8B-B14F-4D97-AF65-F5344CB8AC3E}">
+        <p14:creationId xmlns:p14="http://schemas.microsoft.com/office/powerpoint/2010/main" val="3416258832"/>
+      </p:ext>
+    </p:extLst>
+  </p:cSld>
+  <p:clrMapOvr>
+    <a:masterClrMapping/>
+  </p:clrMapOvr>
+</p:sld>
+</file>
+
+<file path=ppt/slides/slide19.xml><?xml version="1.0" encoding="utf-8"?>
+<p:sld xmlns:a="http://schemas.openxmlformats.org/drawingml/2006/main" xmlns:r="http://schemas.openxmlformats.org/officeDocument/2006/relationships" xmlns:p="http://schemas.openxmlformats.org/presentationml/2006/main">
+  <p:cSld>
+    <p:spTree>
+      <p:nvGrpSpPr>
+        <p:cNvPr id="1" name="Shape 173">
+          <a:extLst>
+            <a:ext uri="{FF2B5EF4-FFF2-40B4-BE49-F238E27FC236}">
+              <a16:creationId xmlns:a16="http://schemas.microsoft.com/office/drawing/2014/main" id="{B8C0E09A-1C60-C6C6-C0F0-198A5AF5B8A0}"/>
+            </a:ext>
+          </a:extLst>
+        </p:cNvPr>
+        <p:cNvGrpSpPr/>
+        <p:nvPr/>
+      </p:nvGrpSpPr>
+      <p:grpSpPr>
+        <a:xfrm>
+          <a:off x="0" y="0"/>
+          <a:ext cx="0" cy="0"/>
+          <a:chOff x="0" y="0"/>
+          <a:chExt cx="0" cy="0"/>
+        </a:xfrm>
+      </p:grpSpPr>
+      <p:sp>
+        <p:nvSpPr>
+          <p:cNvPr id="2" name="TextBox 1">
+            <a:extLst>
+              <a:ext uri="{FF2B5EF4-FFF2-40B4-BE49-F238E27FC236}">
+                <a16:creationId xmlns:a16="http://schemas.microsoft.com/office/drawing/2014/main" id="{F0087FA1-2CB1-3205-92CD-9CC8EBD2C89B}"/>
+              </a:ext>
+            </a:extLst>
+          </p:cNvPr>
+          <p:cNvSpPr txBox="1"/>
+          <p:nvPr/>
+        </p:nvSpPr>
+        <p:spPr>
+          <a:xfrm>
+            <a:off x="838779" y="200739"/>
+            <a:ext cx="8701461" cy="461665"/>
+          </a:xfrm>
+          <a:prstGeom prst="rect">
+            <a:avLst/>
+          </a:prstGeom>
+          <a:noFill/>
+        </p:spPr>
+        <p:txBody>
+          <a:bodyPr rot="0" spcFirstLastPara="0" vertOverflow="overflow" horzOverflow="overflow" vert="horz" wrap="square" lIns="91440" tIns="45720" rIns="91440" bIns="45720" numCol="1" spcCol="0" rtlCol="0" fromWordArt="0" anchor="t" anchorCtr="0" forceAA="0" compatLnSpc="1">
+            <a:prstTxWarp prst="textNoShape">
+              <a:avLst/>
+            </a:prstTxWarp>
+            <a:spAutoFit/>
+          </a:bodyPr>
+          <a:lstStyle/>
+          <a:p>
+            <a:r>
+              <a:rPr lang="en-US" sz="2400" b="1" dirty="0"/>
+              <a:t>Uploading files to create Vector Embeddings</a:t>
+            </a:r>
+            <a:endParaRPr lang="en-US" dirty="0"/>
+          </a:p>
+        </p:txBody>
+      </p:sp>
+      <p:pic>
+        <p:nvPicPr>
+          <p:cNvPr id="5" name="Picture 4">
+            <a:extLst>
+              <a:ext uri="{FF2B5EF4-FFF2-40B4-BE49-F238E27FC236}">
+                <a16:creationId xmlns:a16="http://schemas.microsoft.com/office/drawing/2014/main" id="{8D86E328-2321-B0A4-6F1D-CCB155176C51}"/>
               </a:ext>
             </a:extLst>
           </p:cNvPr>
@@ -13803,7 +15000,7 @@
           <p:cNvPr id="4" name="Picture 3">
             <a:extLst>
               <a:ext uri="{FF2B5EF4-FFF2-40B4-BE49-F238E27FC236}">
-                <a16:creationId xmlns:a16="http://schemas.microsoft.com/office/drawing/2014/main" xmlns="" id="{CC45D9D0-064E-FF4D-88BC-B3B3111AFBB9}"/>
+                <a16:creationId xmlns:a16="http://schemas.microsoft.com/office/drawing/2014/main" id="{CC45D9D0-064E-FF4D-88BC-B3B3111AFBB9}"/>
               </a:ext>
             </a:extLst>
           </p:cNvPr>
@@ -13814,14 +15011,13 @@
         </p:nvPicPr>
         <p:blipFill>
           <a:blip r:embed="rId4"/>
-          <a:stretch>
-            <a:fillRect/>
-          </a:stretch>
+          <a:srcRect/>
+          <a:stretch/>
         </p:blipFill>
         <p:spPr>
           <a:xfrm>
-            <a:off x="609600" y="810228"/>
-            <a:ext cx="9124710" cy="5289630"/>
+            <a:off x="1483915" y="784185"/>
+            <a:ext cx="8879759" cy="5289630"/>
           </a:xfrm>
           <a:prstGeom prst="rect">
             <a:avLst/>
@@ -13832,2034 +15028,6 @@
     <p:extLst>
       <p:ext uri="{BB962C8B-B14F-4D97-AF65-F5344CB8AC3E}">
         <p14:creationId xmlns:p14="http://schemas.microsoft.com/office/powerpoint/2010/main" val="109787297"/>
-      </p:ext>
-    </p:extLst>
-  </p:cSld>
-  <p:clrMapOvr>
-    <a:masterClrMapping/>
-  </p:clrMapOvr>
-</p:sld>
-</file>
-
-<file path=ppt/slides/slide15.xml><?xml version="1.0" encoding="utf-8"?>
-<p:sld xmlns:a="http://schemas.openxmlformats.org/drawingml/2006/main" xmlns:r="http://schemas.openxmlformats.org/officeDocument/2006/relationships" xmlns:p="http://schemas.openxmlformats.org/presentationml/2006/main">
-  <p:cSld>
-    <p:spTree>
-      <p:nvGrpSpPr>
-        <p:cNvPr id="1" name="Shape 173">
-          <a:extLst>
-            <a:ext uri="{FF2B5EF4-FFF2-40B4-BE49-F238E27FC236}">
-              <a16:creationId xmlns:a16="http://schemas.microsoft.com/office/drawing/2014/main" xmlns="" id="{41ACF88B-2F75-CE59-3114-C1537EDD6599}"/>
-            </a:ext>
-          </a:extLst>
-        </p:cNvPr>
-        <p:cNvGrpSpPr/>
-        <p:nvPr/>
-      </p:nvGrpSpPr>
-      <p:grpSpPr>
-        <a:xfrm>
-          <a:off x="0" y="0"/>
-          <a:ext cx="0" cy="0"/>
-          <a:chOff x="0" y="0"/>
-          <a:chExt cx="0" cy="0"/>
-        </a:xfrm>
-      </p:grpSpPr>
-      <p:sp>
-        <p:nvSpPr>
-          <p:cNvPr id="2" name="TextBox 1">
-            <a:extLst>
-              <a:ext uri="{FF2B5EF4-FFF2-40B4-BE49-F238E27FC236}">
-                <a16:creationId xmlns:a16="http://schemas.microsoft.com/office/drawing/2014/main" xmlns="" id="{6FFE5FD7-2292-570F-1397-1E9287F8CB9D}"/>
-              </a:ext>
-            </a:extLst>
-          </p:cNvPr>
-          <p:cNvSpPr txBox="1"/>
-          <p:nvPr/>
-        </p:nvSpPr>
-        <p:spPr>
-          <a:xfrm>
-            <a:off x="1065320" y="138955"/>
-            <a:ext cx="5260717" cy="461665"/>
-          </a:xfrm>
-          <a:prstGeom prst="rect">
-            <a:avLst/>
-          </a:prstGeom>
-          <a:noFill/>
-        </p:spPr>
-        <p:txBody>
-          <a:bodyPr rot="0" spcFirstLastPara="0" vertOverflow="overflow" horzOverflow="overflow" vert="horz" wrap="square" lIns="91440" tIns="45720" rIns="91440" bIns="45720" numCol="1" spcCol="0" rtlCol="0" fromWordArt="0" anchor="t" anchorCtr="0" forceAA="0" compatLnSpc="1">
-            <a:prstTxWarp prst="textNoShape">
-              <a:avLst/>
-            </a:prstTxWarp>
-            <a:spAutoFit/>
-          </a:bodyPr>
-          <a:lstStyle/>
-          <a:p>
-            <a:r>
-              <a:rPr lang="en-US" sz="2400" b="1" dirty="0"/>
-              <a:t>Output Screenshot 1</a:t>
-            </a:r>
-            <a:endParaRPr lang="en-US" dirty="0"/>
-          </a:p>
-        </p:txBody>
-      </p:sp>
-      <p:pic>
-        <p:nvPicPr>
-          <p:cNvPr id="5" name="Picture 4">
-            <a:extLst>
-              <a:ext uri="{FF2B5EF4-FFF2-40B4-BE49-F238E27FC236}">
-                <a16:creationId xmlns:a16="http://schemas.microsoft.com/office/drawing/2014/main" xmlns="" id="{A9872FD1-7A0B-E5B9-638C-B95C4CCFE94C}"/>
-              </a:ext>
-            </a:extLst>
-          </p:cNvPr>
-          <p:cNvPicPr>
-            <a:picLocks noChangeAspect="1"/>
-          </p:cNvPicPr>
-          <p:nvPr/>
-        </p:nvPicPr>
-        <p:blipFill>
-          <a:blip r:embed="rId3"/>
-          <a:stretch>
-            <a:fillRect/>
-          </a:stretch>
-        </p:blipFill>
-        <p:spPr>
-          <a:xfrm>
-            <a:off x="335797" y="6315517"/>
-            <a:ext cx="11520407" cy="310052"/>
-          </a:xfrm>
-          <a:prstGeom prst="rect">
-            <a:avLst/>
-          </a:prstGeom>
-        </p:spPr>
-      </p:pic>
-      <p:pic>
-        <p:nvPicPr>
-          <p:cNvPr id="6" name="Picture 5">
-            <a:extLst>
-              <a:ext uri="{FF2B5EF4-FFF2-40B4-BE49-F238E27FC236}">
-                <a16:creationId xmlns:a16="http://schemas.microsoft.com/office/drawing/2014/main" xmlns="" id="{D2F59242-F74B-460E-408F-CDF943C077A1}"/>
-              </a:ext>
-            </a:extLst>
-          </p:cNvPr>
-          <p:cNvPicPr>
-            <a:picLocks noChangeAspect="1"/>
-          </p:cNvPicPr>
-          <p:nvPr/>
-        </p:nvPicPr>
-        <p:blipFill>
-          <a:blip r:embed="rId4"/>
-          <a:stretch>
-            <a:fillRect/>
-          </a:stretch>
-        </p:blipFill>
-        <p:spPr>
-          <a:xfrm>
-            <a:off x="1176760" y="882569"/>
-            <a:ext cx="9020538" cy="5092862"/>
-          </a:xfrm>
-          <a:prstGeom prst="rect">
-            <a:avLst/>
-          </a:prstGeom>
-        </p:spPr>
-      </p:pic>
-    </p:spTree>
-    <p:extLst>
-      <p:ext uri="{BB962C8B-B14F-4D97-AF65-F5344CB8AC3E}">
-        <p14:creationId xmlns:p14="http://schemas.microsoft.com/office/powerpoint/2010/main" val="1135684311"/>
-      </p:ext>
-    </p:extLst>
-  </p:cSld>
-  <p:clrMapOvr>
-    <a:masterClrMapping/>
-  </p:clrMapOvr>
-</p:sld>
-</file>
-
-<file path=ppt/slides/slide16.xml><?xml version="1.0" encoding="utf-8"?>
-<p:sld xmlns:a="http://schemas.openxmlformats.org/drawingml/2006/main" xmlns:r="http://schemas.openxmlformats.org/officeDocument/2006/relationships" xmlns:p="http://schemas.openxmlformats.org/presentationml/2006/main">
-  <p:cSld>
-    <p:spTree>
-      <p:nvGrpSpPr>
-        <p:cNvPr id="1" name="Shape 173">
-          <a:extLst>
-            <a:ext uri="{FF2B5EF4-FFF2-40B4-BE49-F238E27FC236}">
-              <a16:creationId xmlns:a16="http://schemas.microsoft.com/office/drawing/2014/main" xmlns="" id="{5838F091-0014-6AB2-D2EE-81C735D1BEE2}"/>
-            </a:ext>
-          </a:extLst>
-        </p:cNvPr>
-        <p:cNvGrpSpPr/>
-        <p:nvPr/>
-      </p:nvGrpSpPr>
-      <p:grpSpPr>
-        <a:xfrm>
-          <a:off x="0" y="0"/>
-          <a:ext cx="0" cy="0"/>
-          <a:chOff x="0" y="0"/>
-          <a:chExt cx="0" cy="0"/>
-        </a:xfrm>
-      </p:grpSpPr>
-      <p:sp>
-        <p:nvSpPr>
-          <p:cNvPr id="2" name="TextBox 1">
-            <a:extLst>
-              <a:ext uri="{FF2B5EF4-FFF2-40B4-BE49-F238E27FC236}">
-                <a16:creationId xmlns:a16="http://schemas.microsoft.com/office/drawing/2014/main" xmlns="" id="{CF9D04B6-7646-B3BF-9A84-684A467FADAB}"/>
-              </a:ext>
-            </a:extLst>
-          </p:cNvPr>
-          <p:cNvSpPr txBox="1"/>
-          <p:nvPr/>
-        </p:nvSpPr>
-        <p:spPr>
-          <a:xfrm>
-            <a:off x="1219779" y="200739"/>
-            <a:ext cx="4622285" cy="461665"/>
-          </a:xfrm>
-          <a:prstGeom prst="rect">
-            <a:avLst/>
-          </a:prstGeom>
-          <a:noFill/>
-        </p:spPr>
-        <p:txBody>
-          <a:bodyPr rot="0" spcFirstLastPara="0" vertOverflow="overflow" horzOverflow="overflow" vert="horz" wrap="square" lIns="91440" tIns="45720" rIns="91440" bIns="45720" numCol="1" spcCol="0" rtlCol="0" fromWordArt="0" anchor="t" anchorCtr="0" forceAA="0" compatLnSpc="1">
-            <a:prstTxWarp prst="textNoShape">
-              <a:avLst/>
-            </a:prstTxWarp>
-            <a:spAutoFit/>
-          </a:bodyPr>
-          <a:lstStyle/>
-          <a:p>
-            <a:r>
-              <a:rPr lang="en-US" sz="2400" b="1" dirty="0"/>
-              <a:t>Output Screenshot 2</a:t>
-            </a:r>
-            <a:endParaRPr lang="en-US" dirty="0"/>
-          </a:p>
-        </p:txBody>
-      </p:sp>
-      <p:pic>
-        <p:nvPicPr>
-          <p:cNvPr id="5" name="Picture 4">
-            <a:extLst>
-              <a:ext uri="{FF2B5EF4-FFF2-40B4-BE49-F238E27FC236}">
-                <a16:creationId xmlns:a16="http://schemas.microsoft.com/office/drawing/2014/main" xmlns="" id="{BF314CEB-36A0-2FF5-7F53-C10C910CAB03}"/>
-              </a:ext>
-            </a:extLst>
-          </p:cNvPr>
-          <p:cNvPicPr>
-            <a:picLocks noChangeAspect="1"/>
-          </p:cNvPicPr>
-          <p:nvPr/>
-        </p:nvPicPr>
-        <p:blipFill>
-          <a:blip r:embed="rId3"/>
-          <a:stretch>
-            <a:fillRect/>
-          </a:stretch>
-        </p:blipFill>
-        <p:spPr>
-          <a:xfrm>
-            <a:off x="335797" y="6315517"/>
-            <a:ext cx="11520407" cy="310052"/>
-          </a:xfrm>
-          <a:prstGeom prst="rect">
-            <a:avLst/>
-          </a:prstGeom>
-        </p:spPr>
-      </p:pic>
-      <p:pic>
-        <p:nvPicPr>
-          <p:cNvPr id="6" name="Picture 5">
-            <a:extLst>
-              <a:ext uri="{FF2B5EF4-FFF2-40B4-BE49-F238E27FC236}">
-                <a16:creationId xmlns:a16="http://schemas.microsoft.com/office/drawing/2014/main" xmlns="" id="{65067CD6-C384-CD62-481B-FEEE3B15E633}"/>
-              </a:ext>
-            </a:extLst>
-          </p:cNvPr>
-          <p:cNvPicPr>
-            <a:picLocks noChangeAspect="1"/>
-          </p:cNvPicPr>
-          <p:nvPr/>
-        </p:nvPicPr>
-        <p:blipFill>
-          <a:blip r:embed="rId4"/>
-          <a:stretch>
-            <a:fillRect/>
-          </a:stretch>
-        </p:blipFill>
-        <p:spPr>
-          <a:xfrm>
-            <a:off x="1219779" y="876782"/>
-            <a:ext cx="8569125" cy="5104436"/>
-          </a:xfrm>
-          <a:prstGeom prst="rect">
-            <a:avLst/>
-          </a:prstGeom>
-        </p:spPr>
-      </p:pic>
-    </p:spTree>
-    <p:extLst>
-      <p:ext uri="{BB962C8B-B14F-4D97-AF65-F5344CB8AC3E}">
-        <p14:creationId xmlns:p14="http://schemas.microsoft.com/office/powerpoint/2010/main" val="1138841112"/>
-      </p:ext>
-    </p:extLst>
-  </p:cSld>
-  <p:clrMapOvr>
-    <a:masterClrMapping/>
-  </p:clrMapOvr>
-</p:sld>
-</file>
-
-<file path=ppt/slides/slide17.xml><?xml version="1.0" encoding="utf-8"?>
-<p:sld xmlns:a="http://schemas.openxmlformats.org/drawingml/2006/main" xmlns:r="http://schemas.openxmlformats.org/officeDocument/2006/relationships" xmlns:p="http://schemas.openxmlformats.org/presentationml/2006/main">
-  <p:cSld>
-    <p:spTree>
-      <p:nvGrpSpPr>
-        <p:cNvPr id="1" name=""/>
-        <p:cNvGrpSpPr/>
-        <p:nvPr/>
-      </p:nvGrpSpPr>
-      <p:grpSpPr>
-        <a:xfrm>
-          <a:off x="0" y="0"/>
-          <a:ext cx="0" cy="0"/>
-          <a:chOff x="0" y="0"/>
-          <a:chExt cx="0" cy="0"/>
-        </a:xfrm>
-      </p:grpSpPr>
-      <p:sp>
-        <p:nvSpPr>
-          <p:cNvPr id="2" name="Title 1">
-            <a:extLst>
-              <a:ext uri="{FF2B5EF4-FFF2-40B4-BE49-F238E27FC236}">
-                <a16:creationId xmlns:a16="http://schemas.microsoft.com/office/drawing/2014/main" xmlns="" id="{7CC5EBB4-C181-831A-CBFF-DF0F9C98C1CA}"/>
-              </a:ext>
-            </a:extLst>
-          </p:cNvPr>
-          <p:cNvSpPr>
-            <a:spLocks noGrp="1"/>
-          </p:cNvSpPr>
-          <p:nvPr>
-            <p:ph type="title"/>
-          </p:nvPr>
-        </p:nvSpPr>
-        <p:spPr>
-          <a:xfrm>
-            <a:off x="576809" y="469298"/>
-            <a:ext cx="10515600" cy="699745"/>
-          </a:xfrm>
-        </p:spPr>
-        <p:txBody>
-          <a:bodyPr>
-            <a:normAutofit fontScale="90000"/>
-          </a:bodyPr>
-          <a:lstStyle/>
-          <a:p>
-            <a:r>
-              <a:rPr lang="en-IN" dirty="0"/>
-              <a:t>Core pillars of Innovation and Research Grounding</a:t>
-            </a:r>
-          </a:p>
-        </p:txBody>
-      </p:sp>
-      <p:sp>
-        <p:nvSpPr>
-          <p:cNvPr id="8" name="Rectangle 4">
-            <a:extLst>
-              <a:ext uri="{FF2B5EF4-FFF2-40B4-BE49-F238E27FC236}">
-                <a16:creationId xmlns:a16="http://schemas.microsoft.com/office/drawing/2014/main" xmlns="" id="{6551B772-ED74-9F79-951A-D0238115EA78}"/>
-              </a:ext>
-            </a:extLst>
-          </p:cNvPr>
-          <p:cNvSpPr>
-            <a:spLocks noChangeArrowheads="1"/>
-          </p:cNvSpPr>
-          <p:nvPr/>
-        </p:nvSpPr>
-        <p:spPr bwMode="auto">
-          <a:xfrm>
-            <a:off x="576809" y="1455709"/>
-            <a:ext cx="11038382" cy="5274970"/>
-          </a:xfrm>
-          <a:prstGeom prst="rect">
-            <a:avLst/>
-          </a:prstGeom>
-          <a:noFill/>
-          <a:ln>
-            <a:noFill/>
-          </a:ln>
-          <a:effectLst/>
-          <a:extLst>
-            <a:ext uri="{909E8E84-426E-40DD-AFC4-6F175D3DCCD1}">
-              <a14:hiddenFill xmlns:a14="http://schemas.microsoft.com/office/drawing/2010/main">
-                <a:solidFill>
-                  <a:schemeClr val="accent1"/>
-                </a:solidFill>
-              </a14:hiddenFill>
-            </a:ext>
-            <a:ext uri="{91240B29-F687-4F45-9708-019B960494DF}">
-              <a14:hiddenLine xmlns:a14="http://schemas.microsoft.com/office/drawing/2010/main" w="9525">
-                <a:solidFill>
-                  <a:schemeClr val="tx1"/>
-                </a:solidFill>
-                <a:miter lim="800000"/>
-                <a:headEnd/>
-                <a:tailEnd/>
-              </a14:hiddenLine>
-            </a:ext>
-            <a:ext uri="{AF507438-7753-43E0-B8FC-AC1667EBCBE1}">
-              <a14:hiddenEffects xmlns:a14="http://schemas.microsoft.com/office/drawing/2010/main">
-                <a:effectLst>
-                  <a:outerShdw dist="35921" dir="2700000" algn="ctr" rotWithShape="0">
-                    <a:schemeClr val="bg2"/>
-                  </a:outerShdw>
-                </a:effectLst>
-              </a14:hiddenEffects>
-            </a:ext>
-          </a:extLst>
-        </p:spPr>
-        <p:txBody>
-          <a:bodyPr vert="horz" wrap="square" lIns="91440" tIns="0" rIns="91440" bIns="45720" numCol="1" anchor="ctr" anchorCtr="0" compatLnSpc="1">
-            <a:prstTxWarp prst="textNoShape">
-              <a:avLst/>
-            </a:prstTxWarp>
-            <a:spAutoFit/>
-          </a:bodyPr>
-          <a:lstStyle/>
-          <a:p>
-            <a:pPr marL="0" marR="0" lvl="0" indent="0" algn="just" defTabSz="914400" rtl="0" eaLnBrk="0" fontAlgn="base" latinLnBrk="0" hangingPunct="0">
-              <a:lnSpc>
-                <a:spcPct val="150000"/>
-              </a:lnSpc>
-              <a:spcBef>
-                <a:spcPct val="0"/>
-              </a:spcBef>
-              <a:spcAft>
-                <a:spcPct val="0"/>
-              </a:spcAft>
-              <a:buClrTx/>
-              <a:buSzTx/>
-              <a:buFontTx/>
-              <a:buNone/>
-              <a:tabLst/>
-            </a:pPr>
-            <a:r>
-              <a:rPr kumimoji="0" lang="en-US" altLang="en-US" sz="1200" b="1" i="0" u="none" strike="noStrike" cap="none" normalizeH="0" baseline="0" dirty="0">
-                <a:ln>
-                  <a:noFill/>
-                </a:ln>
-                <a:solidFill>
-                  <a:schemeClr val="tx1"/>
-                </a:solidFill>
-                <a:effectLst/>
-                <a:latin typeface="Google Sans Text"/>
-              </a:rPr>
-              <a:t>1. Group-Based Trajectory Modeling (GBTM) Logic</a:t>
-            </a:r>
-            <a:endParaRPr kumimoji="0" lang="en-US" altLang="en-US" sz="1200" b="0" i="0" u="none" strike="noStrike" cap="none" normalizeH="0" baseline="0" dirty="0">
-              <a:ln>
-                <a:noFill/>
-              </a:ln>
-              <a:solidFill>
-                <a:schemeClr val="tx1"/>
-              </a:solidFill>
-              <a:effectLst/>
-            </a:endParaRPr>
-          </a:p>
-          <a:p>
-            <a:pPr marL="0" marR="0" lvl="0" indent="0" algn="just" defTabSz="914400" rtl="0" eaLnBrk="0" fontAlgn="base" latinLnBrk="0" hangingPunct="0">
-              <a:lnSpc>
-                <a:spcPct val="150000"/>
-              </a:lnSpc>
-              <a:spcBef>
-                <a:spcPct val="0"/>
-              </a:spcBef>
-              <a:spcAft>
-                <a:spcPct val="0"/>
-              </a:spcAft>
-              <a:buClrTx/>
-              <a:buSzTx/>
-              <a:buFontTx/>
-              <a:buChar char="•"/>
-              <a:tabLst/>
-            </a:pPr>
-            <a:r>
-              <a:rPr kumimoji="0" lang="en-US" altLang="en-US" sz="1200" b="1" i="0" u="none" strike="noStrike" cap="none" normalizeH="0" baseline="0" dirty="0">
-                <a:ln>
-                  <a:noFill/>
-                </a:ln>
-                <a:solidFill>
-                  <a:schemeClr val="tx1"/>
-                </a:solidFill>
-                <a:effectLst/>
-                <a:latin typeface="Google Sans Text"/>
-              </a:rPr>
-              <a:t>The Science:</a:t>
-            </a:r>
-            <a:r>
-              <a:rPr kumimoji="0" lang="en-US" altLang="en-US" sz="1200" b="0" i="0" u="none" strike="noStrike" cap="none" normalizeH="0" baseline="0" dirty="0">
-                <a:ln>
-                  <a:noFill/>
-                </a:ln>
-                <a:solidFill>
-                  <a:schemeClr val="tx1"/>
-                </a:solidFill>
-                <a:effectLst/>
-                <a:latin typeface="Google Sans Text"/>
-              </a:rPr>
-              <a:t> Grounded in the landmark </a:t>
-            </a:r>
-            <a:r>
-              <a:rPr kumimoji="0" lang="en-US" altLang="en-US" sz="1200" b="0" i="1" u="none" strike="noStrike" cap="none" normalizeH="0" baseline="0" dirty="0">
-                <a:ln>
-                  <a:noFill/>
-                </a:ln>
-                <a:solidFill>
-                  <a:schemeClr val="tx1"/>
-                </a:solidFill>
-                <a:effectLst/>
-                <a:latin typeface="Google Sans Text"/>
-              </a:rPr>
-              <a:t>Nagin &amp; Odgers (2010)</a:t>
-            </a:r>
-            <a:r>
-              <a:rPr kumimoji="0" lang="en-US" altLang="en-US" sz="1200" b="0" i="0" u="none" strike="noStrike" cap="none" normalizeH="0" baseline="0" dirty="0">
-                <a:ln>
-                  <a:noFill/>
-                </a:ln>
-                <a:solidFill>
-                  <a:schemeClr val="tx1"/>
-                </a:solidFill>
-                <a:effectLst/>
-                <a:latin typeface="Google Sans Text"/>
-              </a:rPr>
-              <a:t> and </a:t>
-            </a:r>
-            <a:r>
-              <a:rPr kumimoji="0" lang="en-US" altLang="en-US" sz="1200" b="0" i="1" u="none" strike="noStrike" cap="none" normalizeH="0" baseline="0" dirty="0">
-                <a:ln>
-                  <a:noFill/>
-                </a:ln>
-                <a:solidFill>
-                  <a:schemeClr val="tx1"/>
-                </a:solidFill>
-                <a:effectLst/>
-                <a:latin typeface="Google Sans Text"/>
-              </a:rPr>
-              <a:t>Franklin (2013)</a:t>
-            </a:r>
-            <a:r>
-              <a:rPr kumimoji="0" lang="en-US" altLang="en-US" sz="1200" b="0" i="0" u="none" strike="noStrike" cap="none" normalizeH="0" baseline="0" dirty="0">
-                <a:ln>
-                  <a:noFill/>
-                </a:ln>
-                <a:solidFill>
-                  <a:schemeClr val="tx1"/>
-                </a:solidFill>
-                <a:effectLst/>
-                <a:latin typeface="Google Sans Text"/>
-              </a:rPr>
-              <a:t> research.</a:t>
-            </a:r>
-          </a:p>
-          <a:p>
-            <a:pPr marL="0" marR="0" lvl="0" indent="0" algn="just" defTabSz="914400" rtl="0" eaLnBrk="0" fontAlgn="base" latinLnBrk="0" hangingPunct="0">
-              <a:lnSpc>
-                <a:spcPct val="150000"/>
-              </a:lnSpc>
-              <a:spcBef>
-                <a:spcPct val="0"/>
-              </a:spcBef>
-              <a:spcAft>
-                <a:spcPct val="0"/>
-              </a:spcAft>
-              <a:buClrTx/>
-              <a:buSzTx/>
-              <a:buFontTx/>
-              <a:buChar char="•"/>
-              <a:tabLst/>
-            </a:pPr>
-            <a:r>
-              <a:rPr kumimoji="0" lang="en-US" altLang="en-US" sz="1200" b="1" i="0" u="none" strike="noStrike" cap="none" normalizeH="0" baseline="0" dirty="0">
-                <a:ln>
-                  <a:noFill/>
-                </a:ln>
-                <a:solidFill>
-                  <a:schemeClr val="tx1"/>
-                </a:solidFill>
-                <a:effectLst/>
-                <a:latin typeface="Google Sans Text"/>
-              </a:rPr>
-              <a:t>The Application:</a:t>
-            </a:r>
-            <a:r>
-              <a:rPr kumimoji="0" lang="en-US" altLang="en-US" sz="1200" b="0" i="0" u="none" strike="noStrike" cap="none" normalizeH="0" baseline="0" dirty="0">
-                <a:ln>
-                  <a:noFill/>
-                </a:ln>
-                <a:solidFill>
-                  <a:schemeClr val="tx1"/>
-                </a:solidFill>
-                <a:effectLst/>
-                <a:latin typeface="Google Sans Text"/>
-              </a:rPr>
-              <a:t> Our </a:t>
-            </a:r>
-            <a:r>
-              <a:rPr kumimoji="0" lang="en-US" altLang="en-US" sz="1200" b="1" i="0" u="none" strike="noStrike" cap="none" normalizeH="0" baseline="0" dirty="0">
-                <a:ln>
-                  <a:noFill/>
-                </a:ln>
-                <a:solidFill>
-                  <a:schemeClr val="tx1"/>
-                </a:solidFill>
-                <a:effectLst/>
-                <a:latin typeface="Google Sans Text"/>
-              </a:rPr>
-              <a:t>Risk Detection Agent</a:t>
-            </a:r>
-            <a:r>
-              <a:rPr kumimoji="0" lang="en-US" altLang="en-US" sz="1200" b="0" i="0" u="none" strike="noStrike" cap="none" normalizeH="0" baseline="0" dirty="0">
-                <a:ln>
-                  <a:noFill/>
-                </a:ln>
-                <a:solidFill>
-                  <a:schemeClr val="tx1"/>
-                </a:solidFill>
-                <a:effectLst/>
-                <a:latin typeface="Google Sans Text"/>
-              </a:rPr>
-              <a:t> identifies transition points where a patient moves from "Consistently Adherent" to "Slow Decline" groups, allowing for intervention </a:t>
-            </a:r>
-            <a:r>
-              <a:rPr kumimoji="0" lang="en-US" altLang="en-US" sz="1200" b="0" i="1" u="none" strike="noStrike" cap="none" normalizeH="0" baseline="0" dirty="0">
-                <a:ln>
-                  <a:noFill/>
-                </a:ln>
-                <a:solidFill>
-                  <a:schemeClr val="tx1"/>
-                </a:solidFill>
-                <a:effectLst/>
-                <a:latin typeface="Google Sans Text"/>
-              </a:rPr>
-              <a:t>before</a:t>
-            </a:r>
-            <a:r>
-              <a:rPr kumimoji="0" lang="en-US" altLang="en-US" sz="1200" b="0" i="0" u="none" strike="noStrike" cap="none" normalizeH="0" baseline="0" dirty="0">
-                <a:ln>
-                  <a:noFill/>
-                </a:ln>
-                <a:solidFill>
-                  <a:schemeClr val="tx1"/>
-                </a:solidFill>
-                <a:effectLst/>
-                <a:latin typeface="Google Sans Text"/>
-              </a:rPr>
-              <a:t> a dose is missed.</a:t>
-            </a:r>
-          </a:p>
-          <a:p>
-            <a:pPr marL="0" marR="0" lvl="0" indent="0" algn="just" defTabSz="914400" rtl="0" eaLnBrk="0" fontAlgn="base" latinLnBrk="0" hangingPunct="0">
-              <a:lnSpc>
-                <a:spcPct val="150000"/>
-              </a:lnSpc>
-              <a:spcBef>
-                <a:spcPct val="0"/>
-              </a:spcBef>
-              <a:spcAft>
-                <a:spcPct val="0"/>
-              </a:spcAft>
-              <a:buClrTx/>
-              <a:buSzTx/>
-              <a:buFontTx/>
-              <a:buNone/>
-              <a:tabLst/>
-            </a:pPr>
-            <a:r>
-              <a:rPr kumimoji="0" lang="en-US" altLang="en-US" sz="1200" b="1" i="0" u="none" strike="noStrike" cap="none" normalizeH="0" baseline="0" dirty="0">
-                <a:ln>
-                  <a:noFill/>
-                </a:ln>
-                <a:solidFill>
-                  <a:schemeClr val="tx1"/>
-                </a:solidFill>
-                <a:effectLst/>
-                <a:latin typeface="Google Sans Text"/>
-              </a:rPr>
-              <a:t>2. Mathematical Rigor: PDC &amp; MPR Metrics</a:t>
-            </a:r>
-            <a:endParaRPr kumimoji="0" lang="en-US" altLang="en-US" sz="1200" b="0" i="0" u="none" strike="noStrike" cap="none" normalizeH="0" baseline="0" dirty="0">
-              <a:ln>
-                <a:noFill/>
-              </a:ln>
-              <a:solidFill>
-                <a:schemeClr val="tx1"/>
-              </a:solidFill>
-              <a:effectLst/>
-            </a:endParaRPr>
-          </a:p>
-          <a:p>
-            <a:pPr lvl="6" algn="just" eaLnBrk="0" fontAlgn="base" hangingPunct="0">
-              <a:lnSpc>
-                <a:spcPct val="150000"/>
-              </a:lnSpc>
-              <a:spcBef>
-                <a:spcPct val="0"/>
-              </a:spcBef>
-              <a:spcAft>
-                <a:spcPct val="0"/>
-              </a:spcAft>
-              <a:buClrTx/>
-              <a:buFontTx/>
-              <a:buChar char="•"/>
-            </a:pPr>
-            <a:r>
-              <a:rPr kumimoji="0" lang="en-US" altLang="en-US" sz="1200" b="1" i="0" u="none" strike="noStrike" cap="none" normalizeH="0" baseline="0" dirty="0">
-                <a:ln>
-                  <a:noFill/>
-                </a:ln>
-                <a:solidFill>
-                  <a:schemeClr val="tx1"/>
-                </a:solidFill>
-                <a:effectLst/>
-                <a:latin typeface="Google Sans Text"/>
-              </a:rPr>
-              <a:t>Standardized Analysis:</a:t>
-            </a:r>
-            <a:r>
-              <a:rPr kumimoji="0" lang="en-US" altLang="en-US" sz="1200" b="0" i="0" u="none" strike="noStrike" cap="none" normalizeH="0" baseline="0" dirty="0">
-                <a:ln>
-                  <a:noFill/>
-                </a:ln>
-                <a:solidFill>
-                  <a:schemeClr val="tx1"/>
-                </a:solidFill>
-                <a:effectLst/>
-                <a:latin typeface="Google Sans Text"/>
-              </a:rPr>
-              <a:t> The </a:t>
-            </a:r>
-            <a:r>
-              <a:rPr kumimoji="0" lang="en-US" altLang="en-US" sz="1200" b="1" i="0" u="none" strike="noStrike" cap="none" normalizeH="0" baseline="0" dirty="0">
-                <a:ln>
-                  <a:noFill/>
-                </a:ln>
-                <a:solidFill>
-                  <a:schemeClr val="tx1"/>
-                </a:solidFill>
-                <a:effectLst/>
-                <a:latin typeface="Google Sans Text"/>
-              </a:rPr>
-              <a:t>Data Analysis Agent</a:t>
-            </a:r>
-            <a:r>
-              <a:rPr kumimoji="0" lang="en-US" altLang="en-US" sz="1200" b="0" i="0" u="none" strike="noStrike" cap="none" normalizeH="0" baseline="0" dirty="0">
-                <a:ln>
-                  <a:noFill/>
-                </a:ln>
-                <a:solidFill>
-                  <a:schemeClr val="tx1"/>
-                </a:solidFill>
-                <a:effectLst/>
-                <a:latin typeface="Google Sans Text"/>
-              </a:rPr>
-              <a:t> uses the clinical standard </a:t>
-            </a:r>
-            <a:r>
-              <a:rPr kumimoji="0" lang="en-US" altLang="en-US" sz="1200" b="1" i="0" u="none" strike="noStrike" cap="none" normalizeH="0" baseline="0" dirty="0">
-                <a:ln>
-                  <a:noFill/>
-                </a:ln>
-                <a:solidFill>
-                  <a:schemeClr val="tx1"/>
-                </a:solidFill>
-                <a:effectLst/>
-                <a:latin typeface="Google Sans Text"/>
-              </a:rPr>
-              <a:t>Proportion of Days Covered (PDC)</a:t>
-            </a:r>
-            <a:r>
-              <a:rPr kumimoji="0" lang="en-US" altLang="en-US" sz="1200" b="0" i="0" u="none" strike="noStrike" cap="none" normalizeH="0" baseline="0" dirty="0">
-                <a:ln>
-                  <a:noFill/>
-                </a:ln>
-                <a:solidFill>
-                  <a:schemeClr val="tx1"/>
-                </a:solidFill>
-                <a:effectLst/>
-                <a:latin typeface="Google Sans Text"/>
-              </a:rPr>
-              <a:t> formula to provide quantitative validity to the adherence scores.</a:t>
-            </a:r>
-          </a:p>
-          <a:p>
-            <a:pPr lvl="8" algn="just" eaLnBrk="0" fontAlgn="base" hangingPunct="0">
-              <a:lnSpc>
-                <a:spcPct val="150000"/>
-              </a:lnSpc>
-              <a:spcBef>
-                <a:spcPct val="0"/>
-              </a:spcBef>
-              <a:spcAft>
-                <a:spcPct val="0"/>
-              </a:spcAft>
-              <a:buClrTx/>
-              <a:buFontTx/>
-              <a:buChar char="•"/>
-            </a:pPr>
-            <a:r>
-              <a:rPr kumimoji="0" lang="en-US" altLang="en-US" sz="1200" b="0" i="0" u="none" strike="noStrike" cap="none" normalizeH="0" baseline="0" dirty="0">
-                <a:ln>
-                  <a:noFill/>
-                </a:ln>
-                <a:solidFill>
-                  <a:schemeClr val="tx1"/>
-                </a:solidFill>
-                <a:effectLst/>
-                <a:latin typeface="Google Sans Text"/>
-              </a:rPr>
-              <a:t>PDC = Total days medication was on hand / Total days in the period</a:t>
-            </a:r>
-          </a:p>
-          <a:p>
-            <a:pPr marL="0" marR="0" lvl="0" indent="0" algn="just" defTabSz="914400" rtl="0" eaLnBrk="0" fontAlgn="base" latinLnBrk="0" hangingPunct="0">
-              <a:lnSpc>
-                <a:spcPct val="150000"/>
-              </a:lnSpc>
-              <a:spcBef>
-                <a:spcPct val="0"/>
-              </a:spcBef>
-              <a:spcAft>
-                <a:spcPct val="0"/>
-              </a:spcAft>
-              <a:buClrTx/>
-              <a:buSzTx/>
-              <a:buFontTx/>
-              <a:buNone/>
-              <a:tabLst/>
-            </a:pPr>
-            <a:r>
-              <a:rPr kumimoji="0" lang="en-US" altLang="en-US" sz="1200" b="1" i="0" u="none" strike="noStrike" cap="none" normalizeH="0" baseline="0" dirty="0">
-                <a:ln>
-                  <a:noFill/>
-                </a:ln>
-                <a:solidFill>
-                  <a:schemeClr val="tx1"/>
-                </a:solidFill>
-                <a:effectLst/>
-                <a:latin typeface="Google Sans Text"/>
-              </a:rPr>
-              <a:t>3. Safety &amp; Ethics via Granite Guardian 3.0</a:t>
-            </a:r>
-            <a:endParaRPr kumimoji="0" lang="en-US" altLang="en-US" sz="1200" b="0" i="0" u="none" strike="noStrike" cap="none" normalizeH="0" baseline="0" dirty="0">
-              <a:ln>
-                <a:noFill/>
-              </a:ln>
-              <a:solidFill>
-                <a:schemeClr val="tx1"/>
-              </a:solidFill>
-              <a:effectLst/>
-            </a:endParaRPr>
-          </a:p>
-          <a:p>
-            <a:pPr marL="0" marR="0" lvl="0" indent="0" algn="just" defTabSz="914400" rtl="0" eaLnBrk="0" fontAlgn="base" latinLnBrk="0" hangingPunct="0">
-              <a:lnSpc>
-                <a:spcPct val="150000"/>
-              </a:lnSpc>
-              <a:spcBef>
-                <a:spcPct val="0"/>
-              </a:spcBef>
-              <a:spcAft>
-                <a:spcPct val="0"/>
-              </a:spcAft>
-              <a:buClrTx/>
-              <a:buSzTx/>
-              <a:buFontTx/>
-              <a:buChar char="•"/>
-              <a:tabLst/>
-            </a:pPr>
-            <a:r>
-              <a:rPr kumimoji="0" lang="en-US" altLang="en-US" sz="1200" b="1" i="0" u="none" strike="noStrike" cap="none" normalizeH="0" baseline="0" dirty="0">
-                <a:ln>
-                  <a:noFill/>
-                </a:ln>
-                <a:solidFill>
-                  <a:schemeClr val="tx1"/>
-                </a:solidFill>
-                <a:effectLst/>
-                <a:latin typeface="Google Sans Text"/>
-              </a:rPr>
-              <a:t>Hallucination Protection:</a:t>
-            </a:r>
-            <a:r>
-              <a:rPr kumimoji="0" lang="en-US" altLang="en-US" sz="1200" b="0" i="0" u="none" strike="noStrike" cap="none" normalizeH="0" baseline="0" dirty="0">
-                <a:ln>
-                  <a:noFill/>
-                </a:ln>
-                <a:solidFill>
-                  <a:schemeClr val="tx1"/>
-                </a:solidFill>
-                <a:effectLst/>
-                <a:latin typeface="Google Sans Text"/>
-              </a:rPr>
-              <a:t> Every generated email and advisory is passed through </a:t>
-            </a:r>
-            <a:r>
-              <a:rPr kumimoji="0" lang="en-US" altLang="en-US" sz="1200" b="1" i="0" u="none" strike="noStrike" cap="none" normalizeH="0" baseline="0" dirty="0">
-                <a:ln>
-                  <a:noFill/>
-                </a:ln>
-                <a:solidFill>
-                  <a:schemeClr val="tx1"/>
-                </a:solidFill>
-                <a:effectLst/>
-                <a:latin typeface="Google Sans Text"/>
-              </a:rPr>
-              <a:t>Granite Guardian 3.0</a:t>
-            </a:r>
-            <a:r>
-              <a:rPr kumimoji="0" lang="en-US" altLang="en-US" sz="1200" b="0" i="0" u="none" strike="noStrike" cap="none" normalizeH="0" baseline="0" dirty="0">
-                <a:ln>
-                  <a:noFill/>
-                </a:ln>
-                <a:solidFill>
-                  <a:schemeClr val="tx1"/>
-                </a:solidFill>
-                <a:effectLst/>
-                <a:latin typeface="Google Sans Text"/>
-              </a:rPr>
-              <a:t> to ensure 100% "Answer Faithfulness" against the medical knowledge base. </a:t>
-            </a:r>
-          </a:p>
-          <a:p>
-            <a:pPr marL="0" marR="0" lvl="0" indent="0" algn="just" defTabSz="914400" rtl="0" eaLnBrk="0" fontAlgn="base" latinLnBrk="0" hangingPunct="0">
-              <a:lnSpc>
-                <a:spcPct val="150000"/>
-              </a:lnSpc>
-              <a:spcBef>
-                <a:spcPct val="0"/>
-              </a:spcBef>
-              <a:spcAft>
-                <a:spcPct val="0"/>
-              </a:spcAft>
-              <a:buClrTx/>
-              <a:buSzTx/>
-              <a:buFontTx/>
-              <a:buChar char="•"/>
-              <a:tabLst/>
-            </a:pPr>
-            <a:r>
-              <a:rPr kumimoji="0" lang="en-US" altLang="en-US" sz="1200" b="1" i="0" u="none" strike="noStrike" cap="none" normalizeH="0" baseline="0" dirty="0">
-                <a:ln>
-                  <a:noFill/>
-                </a:ln>
-                <a:solidFill>
-                  <a:schemeClr val="tx1"/>
-                </a:solidFill>
-                <a:effectLst/>
-                <a:latin typeface="Google Sans Text"/>
-              </a:rPr>
-              <a:t>Regulatory Compliance:</a:t>
-            </a:r>
-            <a:r>
-              <a:rPr kumimoji="0" lang="en-US" altLang="en-US" sz="1200" b="0" i="0" u="none" strike="noStrike" cap="none" normalizeH="0" baseline="0" dirty="0">
-                <a:ln>
-                  <a:noFill/>
-                </a:ln>
-                <a:solidFill>
-                  <a:schemeClr val="tx1"/>
-                </a:solidFill>
-                <a:effectLst/>
-                <a:latin typeface="Google Sans Text"/>
-              </a:rPr>
-              <a:t> Built with </a:t>
-            </a:r>
-            <a:r>
-              <a:rPr kumimoji="0" lang="en-US" altLang="en-US" sz="1200" b="1" i="0" u="none" strike="noStrike" cap="none" normalizeH="0" baseline="0" dirty="0">
-                <a:ln>
-                  <a:noFill/>
-                </a:ln>
-                <a:solidFill>
-                  <a:schemeClr val="tx1"/>
-                </a:solidFill>
-                <a:effectLst/>
-                <a:latin typeface="Google Sans Text"/>
-              </a:rPr>
-              <a:t>Privacy-by-Design</a:t>
-            </a:r>
-            <a:r>
-              <a:rPr kumimoji="0" lang="en-US" altLang="en-US" sz="1200" b="0" i="0" u="none" strike="noStrike" cap="none" normalizeH="0" baseline="0" dirty="0">
-                <a:ln>
-                  <a:noFill/>
-                </a:ln>
-                <a:solidFill>
-                  <a:schemeClr val="tx1"/>
-                </a:solidFill>
-                <a:effectLst/>
-                <a:latin typeface="Google Sans Text"/>
-              </a:rPr>
-              <a:t> to ensure patient health data is handled safely, following non-diagnostic, "assistive-only" healthcare standards.</a:t>
-            </a:r>
-          </a:p>
-          <a:p>
-            <a:pPr marL="0" marR="0" lvl="0" indent="0" algn="just" defTabSz="914400" rtl="0" eaLnBrk="0" fontAlgn="base" latinLnBrk="0" hangingPunct="0">
-              <a:lnSpc>
-                <a:spcPct val="150000"/>
-              </a:lnSpc>
-              <a:spcBef>
-                <a:spcPct val="0"/>
-              </a:spcBef>
-              <a:spcAft>
-                <a:spcPct val="0"/>
-              </a:spcAft>
-              <a:buClrTx/>
-              <a:buSzTx/>
-              <a:buFontTx/>
-              <a:buNone/>
-              <a:tabLst/>
-            </a:pPr>
-            <a:r>
-              <a:rPr kumimoji="0" lang="en-US" altLang="en-US" sz="1200" b="1" i="0" u="none" strike="noStrike" cap="none" normalizeH="0" baseline="0" dirty="0">
-                <a:ln>
-                  <a:noFill/>
-                </a:ln>
-                <a:solidFill>
-                  <a:schemeClr val="tx1"/>
-                </a:solidFill>
-                <a:effectLst/>
-                <a:latin typeface="Google Sans Text"/>
-              </a:rPr>
-              <a:t>4. Behavioral Science: Nudge Theory &amp; Habit Linking</a:t>
-            </a:r>
-            <a:endParaRPr kumimoji="0" lang="en-US" altLang="en-US" sz="1200" b="0" i="0" u="none" strike="noStrike" cap="none" normalizeH="0" baseline="0" dirty="0">
-              <a:ln>
-                <a:noFill/>
-              </a:ln>
-              <a:solidFill>
-                <a:schemeClr val="tx1"/>
-              </a:solidFill>
-              <a:effectLst/>
-            </a:endParaRPr>
-          </a:p>
-          <a:p>
-            <a:pPr marL="0" marR="0" lvl="0" indent="0" algn="just" defTabSz="914400" rtl="0" eaLnBrk="0" fontAlgn="base" latinLnBrk="0" hangingPunct="0">
-              <a:lnSpc>
-                <a:spcPct val="150000"/>
-              </a:lnSpc>
-              <a:spcBef>
-                <a:spcPct val="0"/>
-              </a:spcBef>
-              <a:spcAft>
-                <a:spcPct val="0"/>
-              </a:spcAft>
-              <a:buClrTx/>
-              <a:buSzTx/>
-              <a:buFontTx/>
-              <a:buChar char="•"/>
-              <a:tabLst/>
-            </a:pPr>
-            <a:r>
-              <a:rPr kumimoji="0" lang="en-US" altLang="en-US" sz="1200" b="1" i="0" u="none" strike="noStrike" cap="none" normalizeH="0" baseline="0" dirty="0">
-                <a:ln>
-                  <a:noFill/>
-                </a:ln>
-                <a:solidFill>
-                  <a:schemeClr val="tx1"/>
-                </a:solidFill>
-                <a:effectLst/>
-                <a:latin typeface="Google Sans Text"/>
-              </a:rPr>
-              <a:t>Personalized Psychology:</a:t>
-            </a:r>
-            <a:r>
-              <a:rPr kumimoji="0" lang="en-US" altLang="en-US" sz="1200" b="0" i="0" u="none" strike="noStrike" cap="none" normalizeH="0" baseline="0" dirty="0">
-                <a:ln>
-                  <a:noFill/>
-                </a:ln>
-                <a:solidFill>
-                  <a:schemeClr val="tx1"/>
-                </a:solidFill>
-                <a:effectLst/>
-                <a:latin typeface="Google Sans Text"/>
-              </a:rPr>
-              <a:t> Grounded in </a:t>
-            </a:r>
-            <a:r>
-              <a:rPr kumimoji="0" lang="en-US" altLang="en-US" sz="1200" b="1" i="0" u="none" strike="noStrike" cap="none" normalizeH="0" baseline="0" dirty="0">
-                <a:ln>
-                  <a:noFill/>
-                </a:ln>
-                <a:solidFill>
-                  <a:schemeClr val="tx1"/>
-                </a:solidFill>
-                <a:effectLst/>
-                <a:latin typeface="Google Sans Text"/>
-              </a:rPr>
-              <a:t>Behavioral Tailoring</a:t>
-            </a:r>
-            <a:r>
-              <a:rPr kumimoji="0" lang="en-US" altLang="en-US" sz="1200" b="0" i="0" u="none" strike="noStrike" cap="none" normalizeH="0" baseline="0" dirty="0">
-                <a:ln>
-                  <a:noFill/>
-                </a:ln>
-                <a:solidFill>
-                  <a:schemeClr val="tx1"/>
-                </a:solidFill>
-                <a:effectLst/>
-                <a:latin typeface="Google Sans Text"/>
-              </a:rPr>
-              <a:t> research, the </a:t>
-            </a:r>
-            <a:r>
-              <a:rPr kumimoji="0" lang="en-US" altLang="en-US" sz="1200" b="1" i="0" u="none" strike="noStrike" cap="none" normalizeH="0" baseline="0" dirty="0">
-                <a:ln>
-                  <a:noFill/>
-                </a:ln>
-                <a:solidFill>
-                  <a:schemeClr val="tx1"/>
-                </a:solidFill>
-                <a:effectLst/>
-                <a:latin typeface="Google Sans Text"/>
-              </a:rPr>
-              <a:t>Advisory Assistant</a:t>
-            </a:r>
-            <a:r>
-              <a:rPr kumimoji="0" lang="en-US" altLang="en-US" sz="1200" b="0" i="0" u="none" strike="noStrike" cap="none" normalizeH="0" baseline="0" dirty="0">
-                <a:ln>
-                  <a:noFill/>
-                </a:ln>
-                <a:solidFill>
-                  <a:schemeClr val="tx1"/>
-                </a:solidFill>
-                <a:effectLst/>
-                <a:latin typeface="Google Sans Text"/>
-              </a:rPr>
-              <a:t> doesn't send generic alerts; it suggests "habit-linking" techniques (e.g., "Take your dose with your morning tea") proven to form long-term adherence.</a:t>
-            </a:r>
-          </a:p>
-          <a:p>
-            <a:pPr marL="0" marR="0" lvl="0" indent="0" algn="just" defTabSz="914400" rtl="0" eaLnBrk="0" fontAlgn="base" latinLnBrk="0" hangingPunct="0">
-              <a:lnSpc>
-                <a:spcPct val="150000"/>
-              </a:lnSpc>
-              <a:spcBef>
-                <a:spcPct val="0"/>
-              </a:spcBef>
-              <a:spcAft>
-                <a:spcPct val="0"/>
-              </a:spcAft>
-              <a:buClrTx/>
-              <a:buSzTx/>
-              <a:buFontTx/>
-              <a:buNone/>
-              <a:tabLst/>
-            </a:pPr>
-            <a:r>
-              <a:rPr kumimoji="0" lang="en-US" altLang="en-US" sz="1200" b="1" i="0" u="none" strike="noStrike" cap="none" normalizeH="0" baseline="0" dirty="0">
-                <a:ln>
-                  <a:noFill/>
-                </a:ln>
-                <a:solidFill>
-                  <a:schemeClr val="tx1"/>
-                </a:solidFill>
-                <a:effectLst/>
-                <a:latin typeface="Google Sans Text"/>
-              </a:rPr>
-              <a:t>5. Multi-Agent Orchestration Synergy</a:t>
-            </a:r>
-            <a:endParaRPr kumimoji="0" lang="en-US" altLang="en-US" sz="1200" b="0" i="0" u="none" strike="noStrike" cap="none" normalizeH="0" baseline="0" dirty="0">
-              <a:ln>
-                <a:noFill/>
-              </a:ln>
-              <a:solidFill>
-                <a:schemeClr val="tx1"/>
-              </a:solidFill>
-              <a:effectLst/>
-            </a:endParaRPr>
-          </a:p>
-          <a:p>
-            <a:pPr marL="0" marR="0" lvl="0" indent="0" algn="just" defTabSz="914400" rtl="0" eaLnBrk="0" fontAlgn="base" latinLnBrk="0" hangingPunct="0">
-              <a:lnSpc>
-                <a:spcPct val="150000"/>
-              </a:lnSpc>
-              <a:spcBef>
-                <a:spcPct val="0"/>
-              </a:spcBef>
-              <a:spcAft>
-                <a:spcPct val="0"/>
-              </a:spcAft>
-              <a:buClrTx/>
-              <a:buSzTx/>
-              <a:buFontTx/>
-              <a:buChar char="•"/>
-              <a:tabLst/>
-            </a:pPr>
-            <a:r>
-              <a:rPr kumimoji="0" lang="en-US" altLang="en-US" sz="1200" b="1" i="0" u="none" strike="noStrike" cap="none" normalizeH="0" baseline="0" dirty="0">
-                <a:ln>
-                  <a:noFill/>
-                </a:ln>
-                <a:solidFill>
-                  <a:schemeClr val="tx1"/>
-                </a:solidFill>
-                <a:effectLst/>
-                <a:latin typeface="Google Sans Text"/>
-              </a:rPr>
-              <a:t>Beyond Linear RAG:</a:t>
-            </a:r>
-            <a:r>
-              <a:rPr kumimoji="0" lang="en-US" altLang="en-US" sz="1200" b="0" i="0" u="none" strike="noStrike" cap="none" normalizeH="0" baseline="0" dirty="0">
-                <a:ln>
-                  <a:noFill/>
-                </a:ln>
-                <a:solidFill>
-                  <a:schemeClr val="tx1"/>
-                </a:solidFill>
-                <a:effectLst/>
-                <a:latin typeface="Google Sans Text"/>
-              </a:rPr>
-              <a:t> Unlike traditional RAG, our </a:t>
-            </a:r>
-            <a:r>
-              <a:rPr kumimoji="0" lang="en-US" altLang="en-US" sz="1200" b="0" i="0" u="none" strike="noStrike" cap="none" normalizeH="0" baseline="0" dirty="0" err="1">
-                <a:ln>
-                  <a:noFill/>
-                </a:ln>
-                <a:solidFill>
-                  <a:schemeClr val="tx1"/>
-                </a:solidFill>
-                <a:effectLst/>
-                <a:latin typeface="Google Sans Text"/>
-              </a:rPr>
-              <a:t>Langflow</a:t>
-            </a:r>
-            <a:r>
-              <a:rPr kumimoji="0" lang="en-US" altLang="en-US" sz="1200" b="0" i="0" u="none" strike="noStrike" cap="none" normalizeH="0" baseline="0" dirty="0">
-                <a:ln>
-                  <a:noFill/>
-                </a:ln>
-                <a:solidFill>
-                  <a:schemeClr val="tx1"/>
-                </a:solidFill>
-                <a:effectLst/>
-                <a:latin typeface="Google Sans Text"/>
-              </a:rPr>
-              <a:t> architecture uses </a:t>
-            </a:r>
-            <a:r>
-              <a:rPr kumimoji="0" lang="en-US" altLang="en-US" sz="1200" b="1" i="0" u="none" strike="noStrike" cap="none" normalizeH="0" baseline="0" dirty="0">
-                <a:ln>
-                  <a:noFill/>
-                </a:ln>
-                <a:solidFill>
-                  <a:schemeClr val="tx1"/>
-                </a:solidFill>
-                <a:effectLst/>
-                <a:latin typeface="Google Sans Text"/>
-              </a:rPr>
-              <a:t>Agentic Reasoning (</a:t>
-            </a:r>
-            <a:r>
-              <a:rPr kumimoji="0" lang="en-US" altLang="en-US" sz="1200" b="1" i="0" u="none" strike="noStrike" cap="none" normalizeH="0" baseline="0" dirty="0" err="1">
-                <a:ln>
-                  <a:noFill/>
-                </a:ln>
-                <a:solidFill>
-                  <a:schemeClr val="tx1"/>
-                </a:solidFill>
-                <a:effectLst/>
-                <a:latin typeface="Google Sans Text"/>
-              </a:rPr>
-              <a:t>ReACT</a:t>
-            </a:r>
-            <a:r>
-              <a:rPr kumimoji="0" lang="en-US" altLang="en-US" sz="1200" b="1" i="0" u="none" strike="noStrike" cap="none" normalizeH="0" baseline="0" dirty="0">
-                <a:ln>
-                  <a:noFill/>
-                </a:ln>
-                <a:solidFill>
-                  <a:schemeClr val="tx1"/>
-                </a:solidFill>
-                <a:effectLst/>
-                <a:latin typeface="Google Sans Text"/>
-              </a:rPr>
-              <a:t> Prompting)</a:t>
-            </a:r>
-            <a:r>
-              <a:rPr kumimoji="0" lang="en-US" altLang="en-US" sz="1200" b="0" i="0" u="none" strike="noStrike" cap="none" normalizeH="0" baseline="0" dirty="0">
-                <a:ln>
-                  <a:noFill/>
-                </a:ln>
-                <a:solidFill>
-                  <a:schemeClr val="tx1"/>
-                </a:solidFill>
-                <a:effectLst/>
-                <a:latin typeface="Google Sans Text"/>
-              </a:rPr>
-              <a:t>, where agents collaboratively decide when to use specific tools (Calculators vs. Search vs. Email) to solve the patient's goal.</a:t>
-            </a:r>
-          </a:p>
-          <a:p>
-            <a:pPr marL="0" marR="0" lvl="0" indent="0" algn="just" defTabSz="914400" rtl="0" eaLnBrk="0" fontAlgn="base" latinLnBrk="0" hangingPunct="0">
-              <a:lnSpc>
-                <a:spcPct val="150000"/>
-              </a:lnSpc>
-              <a:spcBef>
-                <a:spcPct val="0"/>
-              </a:spcBef>
-              <a:spcAft>
-                <a:spcPct val="0"/>
-              </a:spcAft>
-              <a:buClrTx/>
-              <a:buSzTx/>
-              <a:buFontTx/>
-              <a:buNone/>
-              <a:tabLst/>
-            </a:pPr>
-            <a:endParaRPr kumimoji="0" lang="en-US" altLang="en-US" sz="1200" b="0" i="0" u="none" strike="noStrike" cap="none" normalizeH="0" baseline="0" dirty="0">
-              <a:ln>
-                <a:noFill/>
-              </a:ln>
-              <a:solidFill>
-                <a:schemeClr val="tx1"/>
-              </a:solidFill>
-              <a:effectLst/>
-              <a:latin typeface="Arial" panose="020B0604020202020204" pitchFamily="34" charset="0"/>
-            </a:endParaRPr>
-          </a:p>
-        </p:txBody>
-      </p:sp>
-    </p:spTree>
-    <p:extLst>
-      <p:ext uri="{BB962C8B-B14F-4D97-AF65-F5344CB8AC3E}">
-        <p14:creationId xmlns:p14="http://schemas.microsoft.com/office/powerpoint/2010/main" val="2621488764"/>
-      </p:ext>
-    </p:extLst>
-  </p:cSld>
-  <p:clrMapOvr>
-    <a:masterClrMapping/>
-  </p:clrMapOvr>
-</p:sld>
-</file>
-
-<file path=ppt/slides/slide18.xml><?xml version="1.0" encoding="utf-8"?>
-<p:sld xmlns:a="http://schemas.openxmlformats.org/drawingml/2006/main" xmlns:r="http://schemas.openxmlformats.org/officeDocument/2006/relationships" xmlns:p="http://schemas.openxmlformats.org/presentationml/2006/main">
-  <p:cSld>
-    <p:spTree>
-      <p:nvGrpSpPr>
-        <p:cNvPr id="1" name="Shape 274">
-          <a:extLst>
-            <a:ext uri="{FF2B5EF4-FFF2-40B4-BE49-F238E27FC236}">
-              <a16:creationId xmlns:a16="http://schemas.microsoft.com/office/drawing/2014/main" xmlns="" id="{6FA0F82B-7EE5-EAB0-F470-130BDAC8254B}"/>
-            </a:ext>
-          </a:extLst>
-        </p:cNvPr>
-        <p:cNvGrpSpPr/>
-        <p:nvPr/>
-      </p:nvGrpSpPr>
-      <p:grpSpPr>
-        <a:xfrm>
-          <a:off x="0" y="0"/>
-          <a:ext cx="0" cy="0"/>
-          <a:chOff x="0" y="0"/>
-          <a:chExt cx="0" cy="0"/>
-        </a:xfrm>
-      </p:grpSpPr>
-      <p:sp>
-        <p:nvSpPr>
-          <p:cNvPr id="278" name="Google Shape;278;p18">
-            <a:extLst>
-              <a:ext uri="{FF2B5EF4-FFF2-40B4-BE49-F238E27FC236}">
-                <a16:creationId xmlns:a16="http://schemas.microsoft.com/office/drawing/2014/main" xmlns="" id="{0668C6FD-577A-7288-5642-1AFC22BD04F2}"/>
-              </a:ext>
-            </a:extLst>
-          </p:cNvPr>
-          <p:cNvSpPr/>
-          <p:nvPr/>
-        </p:nvSpPr>
-        <p:spPr>
-          <a:xfrm>
-            <a:off x="1218724" y="420729"/>
-            <a:ext cx="6444496" cy="704017"/>
-          </a:xfrm>
-          <a:prstGeom prst="rect">
-            <a:avLst/>
-          </a:prstGeom>
-          <a:noFill/>
-          <a:ln>
-            <a:noFill/>
-          </a:ln>
-        </p:spPr>
-        <p:txBody>
-          <a:bodyPr spcFirstLastPara="1" wrap="square" lIns="0" tIns="0" rIns="0" bIns="0" anchor="t" anchorCtr="0">
-            <a:noAutofit/>
-          </a:bodyPr>
-          <a:lstStyle/>
-          <a:p>
-            <a:pPr marL="0" marR="0" lvl="0" indent="0" algn="l" rtl="0">
-              <a:lnSpc>
-                <a:spcPct val="157142"/>
-              </a:lnSpc>
-              <a:spcBef>
-                <a:spcPts val="0"/>
-              </a:spcBef>
-              <a:spcAft>
-                <a:spcPts val="0"/>
-              </a:spcAft>
-              <a:buClr>
-                <a:srgbClr val="051D3A"/>
-              </a:buClr>
-              <a:buSzPts val="3500"/>
-              <a:buFont typeface="Times New Roman"/>
-              <a:buNone/>
-            </a:pPr>
-            <a:r>
-              <a:rPr lang="en-US" sz="3500" b="1" i="0" u="none" strike="noStrike" cap="none" dirty="0">
-                <a:solidFill>
-                  <a:srgbClr val="051D3A"/>
-                </a:solidFill>
-                <a:latin typeface="Times New Roman"/>
-                <a:ea typeface="Times New Roman"/>
-                <a:cs typeface="Times New Roman"/>
-                <a:sym typeface="Times New Roman"/>
-              </a:rPr>
-              <a:t>Future Scope </a:t>
-            </a:r>
-            <a:endParaRPr sz="3500" b="1" i="0" u="none" strike="noStrike" cap="none" dirty="0">
-              <a:solidFill>
-                <a:srgbClr val="000000"/>
-              </a:solidFill>
-              <a:latin typeface="Times New Roman"/>
-              <a:ea typeface="Times New Roman"/>
-              <a:cs typeface="Times New Roman"/>
-              <a:sym typeface="Times New Roman"/>
-            </a:endParaRPr>
-          </a:p>
-        </p:txBody>
-      </p:sp>
-      <p:sp>
-        <p:nvSpPr>
-          <p:cNvPr id="279" name="Google Shape;279;p18">
-            <a:extLst>
-              <a:ext uri="{FF2B5EF4-FFF2-40B4-BE49-F238E27FC236}">
-                <a16:creationId xmlns:a16="http://schemas.microsoft.com/office/drawing/2014/main" xmlns="" id="{EAFA16CB-0A72-5AC5-69A0-ABF4A752B43F}"/>
-              </a:ext>
-            </a:extLst>
-          </p:cNvPr>
-          <p:cNvSpPr/>
-          <p:nvPr/>
-        </p:nvSpPr>
-        <p:spPr>
-          <a:xfrm>
-            <a:off x="1282732" y="1393947"/>
-            <a:ext cx="9214580" cy="4277001"/>
-          </a:xfrm>
-          <a:prstGeom prst="rect">
-            <a:avLst/>
-          </a:prstGeom>
-          <a:noFill/>
-          <a:ln>
-            <a:noFill/>
-          </a:ln>
-        </p:spPr>
-        <p:txBody>
-          <a:bodyPr spcFirstLastPara="1" wrap="square" lIns="0" tIns="0" rIns="0" bIns="0" anchor="t" anchorCtr="0">
-            <a:noAutofit/>
-          </a:bodyPr>
-          <a:lstStyle/>
-          <a:p>
-            <a:pPr marL="342900" lvl="0" indent="-342900">
-              <a:lnSpc>
-                <a:spcPct val="150000"/>
-              </a:lnSpc>
-              <a:buClr>
-                <a:srgbClr val="2B3541"/>
-              </a:buClr>
-              <a:buSzPts val="1850"/>
-              <a:buFont typeface="Arial" panose="020B0604020202020204" pitchFamily="34" charset="0"/>
-              <a:buChar char="•"/>
-            </a:pPr>
-            <a:r>
-              <a:rPr lang="en-US" sz="1850" dirty="0">
-                <a:solidFill>
-                  <a:srgbClr val="2B3541"/>
-                </a:solidFill>
-                <a:latin typeface="Times New Roman"/>
-                <a:ea typeface="Times New Roman"/>
-                <a:cs typeface="Times New Roman"/>
-                <a:sym typeface="Times New Roman"/>
-              </a:rPr>
-              <a:t>SMS / WhatsApp notifications</a:t>
-            </a:r>
-          </a:p>
-          <a:p>
-            <a:pPr marL="342900" lvl="0" indent="-342900">
-              <a:lnSpc>
-                <a:spcPct val="150000"/>
-              </a:lnSpc>
-              <a:buClr>
-                <a:srgbClr val="2B3541"/>
-              </a:buClr>
-              <a:buSzPts val="1850"/>
-              <a:buFont typeface="Arial" panose="020B0604020202020204" pitchFamily="34" charset="0"/>
-              <a:buChar char="•"/>
-            </a:pPr>
-            <a:endParaRPr lang="en-US" sz="1850" dirty="0">
-              <a:solidFill>
-                <a:srgbClr val="2B3541"/>
-              </a:solidFill>
-              <a:latin typeface="Times New Roman"/>
-              <a:ea typeface="Times New Roman"/>
-              <a:cs typeface="Times New Roman"/>
-              <a:sym typeface="Times New Roman"/>
-            </a:endParaRPr>
-          </a:p>
-          <a:p>
-            <a:pPr marL="342900" lvl="0" indent="-342900">
-              <a:lnSpc>
-                <a:spcPct val="150000"/>
-              </a:lnSpc>
-              <a:buClr>
-                <a:srgbClr val="2B3541"/>
-              </a:buClr>
-              <a:buSzPts val="1850"/>
-              <a:buFont typeface="Arial" panose="020B0604020202020204" pitchFamily="34" charset="0"/>
-              <a:buChar char="•"/>
-            </a:pPr>
-            <a:r>
-              <a:rPr lang="en-US" sz="1850" dirty="0">
-                <a:solidFill>
-                  <a:srgbClr val="2B3541"/>
-                </a:solidFill>
-                <a:latin typeface="Times New Roman"/>
-                <a:ea typeface="Times New Roman"/>
-                <a:cs typeface="Times New Roman"/>
-                <a:sym typeface="Times New Roman"/>
-              </a:rPr>
-              <a:t>Doctor &amp; caregiver alerts</a:t>
-            </a:r>
-          </a:p>
-          <a:p>
-            <a:pPr marL="342900" lvl="0" indent="-342900">
-              <a:lnSpc>
-                <a:spcPct val="150000"/>
-              </a:lnSpc>
-              <a:buClr>
-                <a:srgbClr val="2B3541"/>
-              </a:buClr>
-              <a:buSzPts val="1850"/>
-              <a:buFont typeface="Arial" panose="020B0604020202020204" pitchFamily="34" charset="0"/>
-              <a:buChar char="•"/>
-            </a:pPr>
-            <a:endParaRPr lang="en-US" sz="1850" dirty="0">
-              <a:solidFill>
-                <a:srgbClr val="2B3541"/>
-              </a:solidFill>
-              <a:latin typeface="Times New Roman"/>
-              <a:ea typeface="Times New Roman"/>
-              <a:cs typeface="Times New Roman"/>
-              <a:sym typeface="Times New Roman"/>
-            </a:endParaRPr>
-          </a:p>
-          <a:p>
-            <a:pPr marL="342900" lvl="0" indent="-342900">
-              <a:lnSpc>
-                <a:spcPct val="150000"/>
-              </a:lnSpc>
-              <a:buClr>
-                <a:srgbClr val="2B3541"/>
-              </a:buClr>
-              <a:buSzPts val="1850"/>
-              <a:buFont typeface="Arial" panose="020B0604020202020204" pitchFamily="34" charset="0"/>
-              <a:buChar char="•"/>
-            </a:pPr>
-            <a:r>
-              <a:rPr lang="en-US" sz="1850" dirty="0">
-                <a:solidFill>
-                  <a:srgbClr val="2B3541"/>
-                </a:solidFill>
-                <a:latin typeface="Times New Roman"/>
-                <a:ea typeface="Times New Roman"/>
-                <a:cs typeface="Times New Roman"/>
-                <a:sym typeface="Times New Roman"/>
-              </a:rPr>
-              <a:t>Adaptive reminder scheduling</a:t>
-            </a:r>
-          </a:p>
-          <a:p>
-            <a:pPr marL="342900" lvl="0" indent="-342900">
-              <a:lnSpc>
-                <a:spcPct val="150000"/>
-              </a:lnSpc>
-              <a:buClr>
-                <a:srgbClr val="2B3541"/>
-              </a:buClr>
-              <a:buSzPts val="1850"/>
-              <a:buFont typeface="Arial" panose="020B0604020202020204" pitchFamily="34" charset="0"/>
-              <a:buChar char="•"/>
-            </a:pPr>
-            <a:endParaRPr lang="en-US" sz="1850" dirty="0">
-              <a:solidFill>
-                <a:srgbClr val="2B3541"/>
-              </a:solidFill>
-              <a:latin typeface="Times New Roman"/>
-              <a:ea typeface="Times New Roman"/>
-              <a:cs typeface="Times New Roman"/>
-              <a:sym typeface="Times New Roman"/>
-            </a:endParaRPr>
-          </a:p>
-          <a:p>
-            <a:pPr marL="342900" lvl="0" indent="-342900">
-              <a:lnSpc>
-                <a:spcPct val="150000"/>
-              </a:lnSpc>
-              <a:buClr>
-                <a:srgbClr val="2B3541"/>
-              </a:buClr>
-              <a:buSzPts val="1850"/>
-              <a:buFont typeface="Arial" panose="020B0604020202020204" pitchFamily="34" charset="0"/>
-              <a:buChar char="•"/>
-            </a:pPr>
-            <a:r>
-              <a:rPr lang="en-US" sz="1850" dirty="0">
-                <a:solidFill>
-                  <a:srgbClr val="2B3541"/>
-                </a:solidFill>
-                <a:latin typeface="Times New Roman"/>
-                <a:ea typeface="Times New Roman"/>
-                <a:cs typeface="Times New Roman"/>
-                <a:sym typeface="Times New Roman"/>
-              </a:rPr>
-              <a:t>Integration with hospital EMR systems</a:t>
-            </a:r>
-          </a:p>
-          <a:p>
-            <a:pPr marL="342900" lvl="0" indent="-342900">
-              <a:lnSpc>
-                <a:spcPct val="150000"/>
-              </a:lnSpc>
-              <a:buClr>
-                <a:srgbClr val="2B3541"/>
-              </a:buClr>
-              <a:buSzPts val="1850"/>
-              <a:buFont typeface="Arial" panose="020B0604020202020204" pitchFamily="34" charset="0"/>
-              <a:buChar char="•"/>
-            </a:pPr>
-            <a:endParaRPr lang="en-US" sz="1850" dirty="0">
-              <a:solidFill>
-                <a:srgbClr val="2B3541"/>
-              </a:solidFill>
-              <a:latin typeface="Times New Roman"/>
-              <a:ea typeface="Times New Roman"/>
-              <a:cs typeface="Times New Roman"/>
-              <a:sym typeface="Times New Roman"/>
-            </a:endParaRPr>
-          </a:p>
-          <a:p>
-            <a:pPr marL="342900" lvl="0" indent="-342900">
-              <a:lnSpc>
-                <a:spcPct val="150000"/>
-              </a:lnSpc>
-              <a:buClr>
-                <a:srgbClr val="2B3541"/>
-              </a:buClr>
-              <a:buSzPts val="1850"/>
-              <a:buFont typeface="Arial" panose="020B0604020202020204" pitchFamily="34" charset="0"/>
-              <a:buChar char="•"/>
-            </a:pPr>
-            <a:r>
-              <a:rPr lang="en-US" sz="1850" dirty="0">
-                <a:solidFill>
-                  <a:srgbClr val="2B3541"/>
-                </a:solidFill>
-                <a:latin typeface="Times New Roman"/>
-                <a:ea typeface="Times New Roman"/>
-                <a:cs typeface="Times New Roman"/>
-                <a:sym typeface="Times New Roman"/>
-              </a:rPr>
-              <a:t>Feedback-based reminder optimization</a:t>
-            </a:r>
-            <a:r>
-              <a:rPr lang="en-US" sz="1850" b="0" i="0" u="none" strike="noStrike" cap="none" dirty="0">
-                <a:solidFill>
-                  <a:srgbClr val="2B3541"/>
-                </a:solidFill>
-                <a:latin typeface="Times New Roman"/>
-                <a:ea typeface="Times New Roman"/>
-                <a:cs typeface="Times New Roman"/>
-                <a:sym typeface="Times New Roman"/>
-              </a:rPr>
-              <a:t> </a:t>
-            </a:r>
-            <a:endParaRPr lang="en-US" sz="1850" dirty="0">
-              <a:solidFill>
-                <a:srgbClr val="2B3541"/>
-              </a:solidFill>
-              <a:latin typeface="Times New Roman"/>
-              <a:ea typeface="Times New Roman"/>
-              <a:cs typeface="Times New Roman"/>
-              <a:sym typeface="Times New Roman"/>
-            </a:endParaRPr>
-          </a:p>
-          <a:p>
-            <a:pPr marL="0" marR="0" lvl="0" indent="0" algn="l" rtl="0">
-              <a:lnSpc>
-                <a:spcPct val="150000"/>
-              </a:lnSpc>
-              <a:spcBef>
-                <a:spcPts val="0"/>
-              </a:spcBef>
-              <a:spcAft>
-                <a:spcPts val="0"/>
-              </a:spcAft>
-              <a:buClr>
-                <a:srgbClr val="2B3541"/>
-              </a:buClr>
-              <a:buSzPts val="1850"/>
-              <a:buFont typeface="Times New Roman"/>
-              <a:buNone/>
-            </a:pPr>
-            <a:endParaRPr lang="en-US" sz="1850" dirty="0">
-              <a:solidFill>
-                <a:srgbClr val="2B3541"/>
-              </a:solidFill>
-              <a:latin typeface="Times New Roman"/>
-              <a:ea typeface="Times New Roman"/>
-              <a:cs typeface="Times New Roman"/>
-              <a:sym typeface="Times New Roman"/>
-            </a:endParaRPr>
-          </a:p>
-          <a:p>
-            <a:pPr marL="0" marR="0" lvl="0" indent="0" algn="l" rtl="0">
-              <a:lnSpc>
-                <a:spcPct val="150000"/>
-              </a:lnSpc>
-              <a:spcBef>
-                <a:spcPts val="0"/>
-              </a:spcBef>
-              <a:spcAft>
-                <a:spcPts val="0"/>
-              </a:spcAft>
-              <a:buClr>
-                <a:srgbClr val="2B3541"/>
-              </a:buClr>
-              <a:buSzPts val="1850"/>
-              <a:buFont typeface="Times New Roman"/>
-              <a:buNone/>
-            </a:pPr>
-            <a:r>
-              <a:rPr lang="en-US" sz="1850" b="0" i="0" u="none" strike="noStrike" cap="none" dirty="0">
-                <a:solidFill>
-                  <a:srgbClr val="2B3541"/>
-                </a:solidFill>
-                <a:latin typeface="Times New Roman"/>
-                <a:ea typeface="Times New Roman"/>
-                <a:cs typeface="Times New Roman"/>
-                <a:sym typeface="Times New Roman"/>
-              </a:rPr>
-              <a:t> </a:t>
-            </a:r>
-            <a:endParaRPr sz="1850" b="0" i="0" u="none" strike="noStrike" cap="none" dirty="0">
-              <a:solidFill>
-                <a:srgbClr val="000000"/>
-              </a:solidFill>
-              <a:latin typeface="Times New Roman"/>
-              <a:ea typeface="Times New Roman"/>
-              <a:cs typeface="Times New Roman"/>
-              <a:sym typeface="Times New Roman"/>
-            </a:endParaRPr>
-          </a:p>
-        </p:txBody>
-      </p:sp>
-      <p:pic>
-        <p:nvPicPr>
-          <p:cNvPr id="3" name="Picture 2">
-            <a:extLst>
-              <a:ext uri="{FF2B5EF4-FFF2-40B4-BE49-F238E27FC236}">
-                <a16:creationId xmlns:a16="http://schemas.microsoft.com/office/drawing/2014/main" xmlns="" id="{B96DCFED-2C83-7A17-CDB2-A4F4D4BBD1D5}"/>
-              </a:ext>
-            </a:extLst>
-          </p:cNvPr>
-          <p:cNvPicPr>
-            <a:picLocks noChangeAspect="1"/>
-          </p:cNvPicPr>
-          <p:nvPr/>
-        </p:nvPicPr>
-        <p:blipFill>
-          <a:blip r:embed="rId3"/>
-          <a:stretch>
-            <a:fillRect/>
-          </a:stretch>
-        </p:blipFill>
-        <p:spPr>
-          <a:xfrm>
-            <a:off x="335797" y="6315517"/>
-            <a:ext cx="11520407" cy="310052"/>
-          </a:xfrm>
-          <a:prstGeom prst="rect">
-            <a:avLst/>
-          </a:prstGeom>
-        </p:spPr>
-      </p:pic>
-    </p:spTree>
-    <p:extLst>
-      <p:ext uri="{BB962C8B-B14F-4D97-AF65-F5344CB8AC3E}">
-        <p14:creationId xmlns:p14="http://schemas.microsoft.com/office/powerpoint/2010/main" val="2136706720"/>
-      </p:ext>
-    </p:extLst>
-  </p:cSld>
-  <p:clrMapOvr>
-    <a:masterClrMapping/>
-  </p:clrMapOvr>
-</p:sld>
-</file>
-
-<file path=ppt/slides/slide19.xml><?xml version="1.0" encoding="utf-8"?>
-<p:sld xmlns:a="http://schemas.openxmlformats.org/drawingml/2006/main" xmlns:r="http://schemas.openxmlformats.org/officeDocument/2006/relationships" xmlns:p="http://schemas.openxmlformats.org/presentationml/2006/main">
-  <p:cSld>
-    <p:spTree>
-      <p:nvGrpSpPr>
-        <p:cNvPr id="1" name="Shape 274">
-          <a:extLst>
-            <a:ext uri="{FF2B5EF4-FFF2-40B4-BE49-F238E27FC236}">
-              <a16:creationId xmlns:a16="http://schemas.microsoft.com/office/drawing/2014/main" xmlns="" id="{55016524-E738-3D8C-3BB2-B0BE7C665318}"/>
-            </a:ext>
-          </a:extLst>
-        </p:cNvPr>
-        <p:cNvGrpSpPr/>
-        <p:nvPr/>
-      </p:nvGrpSpPr>
-      <p:grpSpPr>
-        <a:xfrm>
-          <a:off x="0" y="0"/>
-          <a:ext cx="0" cy="0"/>
-          <a:chOff x="0" y="0"/>
-          <a:chExt cx="0" cy="0"/>
-        </a:xfrm>
-      </p:grpSpPr>
-      <p:sp>
-        <p:nvSpPr>
-          <p:cNvPr id="278" name="Google Shape;278;p18">
-            <a:extLst>
-              <a:ext uri="{FF2B5EF4-FFF2-40B4-BE49-F238E27FC236}">
-                <a16:creationId xmlns:a16="http://schemas.microsoft.com/office/drawing/2014/main" xmlns="" id="{D62F03A8-A8A8-CB93-006E-7173DC866F6F}"/>
-              </a:ext>
-            </a:extLst>
-          </p:cNvPr>
-          <p:cNvSpPr/>
-          <p:nvPr/>
-        </p:nvSpPr>
-        <p:spPr>
-          <a:xfrm>
-            <a:off x="1218724" y="420729"/>
-            <a:ext cx="6444496" cy="704017"/>
-          </a:xfrm>
-          <a:prstGeom prst="rect">
-            <a:avLst/>
-          </a:prstGeom>
-          <a:noFill/>
-          <a:ln>
-            <a:noFill/>
-          </a:ln>
-        </p:spPr>
-        <p:txBody>
-          <a:bodyPr spcFirstLastPara="1" wrap="square" lIns="0" tIns="0" rIns="0" bIns="0" anchor="t" anchorCtr="0">
-            <a:noAutofit/>
-          </a:bodyPr>
-          <a:lstStyle/>
-          <a:p>
-            <a:pPr marL="0" marR="0" lvl="0" indent="0" algn="l" rtl="0">
-              <a:lnSpc>
-                <a:spcPct val="157142"/>
-              </a:lnSpc>
-              <a:spcBef>
-                <a:spcPts val="0"/>
-              </a:spcBef>
-              <a:spcAft>
-                <a:spcPts val="0"/>
-              </a:spcAft>
-              <a:buClr>
-                <a:srgbClr val="051D3A"/>
-              </a:buClr>
-              <a:buSzPts val="3500"/>
-              <a:buFont typeface="Times New Roman"/>
-              <a:buNone/>
-            </a:pPr>
-            <a:r>
-              <a:rPr lang="en-US" sz="3500" b="1" i="0" u="none" strike="noStrike" cap="none" dirty="0">
-                <a:solidFill>
-                  <a:srgbClr val="051D3A"/>
-                </a:solidFill>
-                <a:latin typeface="Times New Roman"/>
-                <a:ea typeface="Times New Roman"/>
-                <a:cs typeface="Times New Roman"/>
-                <a:sym typeface="Times New Roman"/>
-              </a:rPr>
-              <a:t>Git Hub Link</a:t>
-            </a:r>
-            <a:endParaRPr sz="3500" b="1" i="0" u="none" strike="noStrike" cap="none" dirty="0">
-              <a:solidFill>
-                <a:srgbClr val="000000"/>
-              </a:solidFill>
-              <a:latin typeface="Times New Roman"/>
-              <a:ea typeface="Times New Roman"/>
-              <a:cs typeface="Times New Roman"/>
-              <a:sym typeface="Times New Roman"/>
-            </a:endParaRPr>
-          </a:p>
-        </p:txBody>
-      </p:sp>
-      <p:sp>
-        <p:nvSpPr>
-          <p:cNvPr id="279" name="Google Shape;279;p18">
-            <a:extLst>
-              <a:ext uri="{FF2B5EF4-FFF2-40B4-BE49-F238E27FC236}">
-                <a16:creationId xmlns:a16="http://schemas.microsoft.com/office/drawing/2014/main" xmlns="" id="{15507A2F-9304-7475-5C74-2BAA93879CFE}"/>
-              </a:ext>
-            </a:extLst>
-          </p:cNvPr>
-          <p:cNvSpPr/>
-          <p:nvPr/>
-        </p:nvSpPr>
-        <p:spPr>
-          <a:xfrm>
-            <a:off x="1282732" y="1393947"/>
-            <a:ext cx="9214580" cy="4277001"/>
-          </a:xfrm>
-          <a:prstGeom prst="rect">
-            <a:avLst/>
-          </a:prstGeom>
-          <a:noFill/>
-          <a:ln>
-            <a:noFill/>
-          </a:ln>
-        </p:spPr>
-        <p:txBody>
-          <a:bodyPr spcFirstLastPara="1" wrap="square" lIns="0" tIns="0" rIns="0" bIns="0" anchor="t" anchorCtr="0">
-            <a:noAutofit/>
-          </a:bodyPr>
-          <a:lstStyle/>
-          <a:p>
-            <a:pPr lvl="0">
-              <a:lnSpc>
-                <a:spcPct val="162162"/>
-              </a:lnSpc>
-              <a:buClr>
-                <a:srgbClr val="2B3541"/>
-              </a:buClr>
-              <a:buSzPts val="1850"/>
-            </a:pPr>
-            <a:r>
-              <a:rPr lang="en-US" sz="1850" dirty="0">
-                <a:solidFill>
-                  <a:srgbClr val="2B3541"/>
-                </a:solidFill>
-                <a:latin typeface="Times New Roman"/>
-                <a:ea typeface="Times New Roman"/>
-                <a:cs typeface="Times New Roman"/>
-                <a:sym typeface="Times New Roman"/>
-              </a:rPr>
-              <a:t>https://</a:t>
-            </a:r>
-            <a:r>
-              <a:rPr lang="en-US" sz="1850" dirty="0" smtClean="0">
-                <a:solidFill>
-                  <a:srgbClr val="2B3541"/>
-                </a:solidFill>
-                <a:latin typeface="Times New Roman"/>
-                <a:ea typeface="Times New Roman"/>
-                <a:cs typeface="Times New Roman"/>
-                <a:sym typeface="Times New Roman"/>
-              </a:rPr>
-              <a:t>github.com/sandeep5shetty/langflow-medication-agent</a:t>
-            </a:r>
-            <a:endParaRPr lang="en-US" sz="1850" dirty="0">
-              <a:solidFill>
-                <a:srgbClr val="2B3541"/>
-              </a:solidFill>
-              <a:latin typeface="Times New Roman"/>
-              <a:ea typeface="Times New Roman"/>
-              <a:cs typeface="Times New Roman"/>
-              <a:sym typeface="Times New Roman"/>
-            </a:endParaRPr>
-          </a:p>
-          <a:p>
-            <a:pPr marL="0" marR="0" lvl="0" indent="0" algn="l" rtl="0">
-              <a:lnSpc>
-                <a:spcPct val="162162"/>
-              </a:lnSpc>
-              <a:spcBef>
-                <a:spcPts val="0"/>
-              </a:spcBef>
-              <a:spcAft>
-                <a:spcPts val="0"/>
-              </a:spcAft>
-              <a:buClr>
-                <a:srgbClr val="2B3541"/>
-              </a:buClr>
-              <a:buSzPts val="1850"/>
-              <a:buFont typeface="Times New Roman"/>
-              <a:buNone/>
-            </a:pPr>
-            <a:r>
-              <a:rPr lang="en-US" sz="1850" b="0" i="0" u="none" strike="noStrike" cap="none" dirty="0">
-                <a:solidFill>
-                  <a:srgbClr val="2B3541"/>
-                </a:solidFill>
-                <a:latin typeface="Times New Roman"/>
-                <a:ea typeface="Times New Roman"/>
-                <a:cs typeface="Times New Roman"/>
-                <a:sym typeface="Times New Roman"/>
-              </a:rPr>
-              <a:t> </a:t>
-            </a:r>
-            <a:endParaRPr sz="1850" b="0" i="0" u="none" strike="noStrike" cap="none" dirty="0">
-              <a:solidFill>
-                <a:srgbClr val="000000"/>
-              </a:solidFill>
-              <a:latin typeface="Times New Roman"/>
-              <a:ea typeface="Times New Roman"/>
-              <a:cs typeface="Times New Roman"/>
-              <a:sym typeface="Times New Roman"/>
-            </a:endParaRPr>
-          </a:p>
-        </p:txBody>
-      </p:sp>
-      <p:pic>
-        <p:nvPicPr>
-          <p:cNvPr id="3" name="Picture 2">
-            <a:extLst>
-              <a:ext uri="{FF2B5EF4-FFF2-40B4-BE49-F238E27FC236}">
-                <a16:creationId xmlns:a16="http://schemas.microsoft.com/office/drawing/2014/main" xmlns="" id="{B8925A06-F7F9-F25E-EBB3-1891B33446BF}"/>
-              </a:ext>
-            </a:extLst>
-          </p:cNvPr>
-          <p:cNvPicPr>
-            <a:picLocks noChangeAspect="1"/>
-          </p:cNvPicPr>
-          <p:nvPr/>
-        </p:nvPicPr>
-        <p:blipFill>
-          <a:blip r:embed="rId3"/>
-          <a:stretch>
-            <a:fillRect/>
-          </a:stretch>
-        </p:blipFill>
-        <p:spPr>
-          <a:xfrm>
-            <a:off x="335797" y="6315517"/>
-            <a:ext cx="11520407" cy="310052"/>
-          </a:xfrm>
-          <a:prstGeom prst="rect">
-            <a:avLst/>
-          </a:prstGeom>
-        </p:spPr>
-      </p:pic>
-    </p:spTree>
-    <p:extLst>
-      <p:ext uri="{BB962C8B-B14F-4D97-AF65-F5344CB8AC3E}">
-        <p14:creationId xmlns:p14="http://schemas.microsoft.com/office/powerpoint/2010/main" val="2115484872"/>
       </p:ext>
     </p:extLst>
   </p:cSld>
@@ -16004,7 +15172,7 @@
                 <a:cs typeface="Times New Roman"/>
                 <a:sym typeface="Times New Roman"/>
               </a:rPr>
-              <a:t>CARE3AI</a:t>
+              <a:t>Care3 AI</a:t>
             </a:r>
             <a:r>
               <a:rPr lang="en-US" sz="3500" b="1" i="0" u="none" strike="noStrike" cap="none" dirty="0">
@@ -16086,7 +15254,31 @@
                 <a:cs typeface="Times New Roman"/>
                 <a:sym typeface="Times New Roman"/>
               </a:rPr>
-              <a:t>Details of Team members</a:t>
+              <a:t>Details of Team </a:t>
+            </a:r>
+            <a:r>
+              <a:rPr lang="en-US" sz="3200" b="1" dirty="0">
+                <a:solidFill>
+                  <a:srgbClr val="002060"/>
+                </a:solidFill>
+                <a:latin typeface="Times New Roman"/>
+                <a:ea typeface="Times New Roman"/>
+                <a:cs typeface="Times New Roman"/>
+                <a:sym typeface="Times New Roman"/>
+              </a:rPr>
+              <a:t>M</a:t>
+            </a:r>
+            <a:r>
+              <a:rPr lang="en-US" sz="3200" b="1" i="0" u="none" strike="noStrike" cap="none" dirty="0">
+                <a:solidFill>
+                  <a:srgbClr val="002060"/>
+                </a:solidFill>
+                <a:latin typeface="Times New Roman"/>
+                <a:ea typeface="Times New Roman"/>
+                <a:cs typeface="Times New Roman"/>
+                <a:sym typeface="Times New Roman"/>
+              </a:rPr>
+              <a:t>embers</a:t>
             </a:r>
             <a:endParaRPr sz="3200" b="1" i="0" u="none" strike="noStrike" cap="none" dirty="0">
               <a:solidFill>
@@ -16107,14 +15299,14 @@
           <p:nvPr>
             <p:extLst>
               <p:ext uri="{D42A27DB-BD31-4B8C-83A1-F6EECF244321}">
-                <p14:modId xmlns:p14="http://schemas.microsoft.com/office/powerpoint/2010/main" val="3714487790"/>
+                <p14:modId xmlns:p14="http://schemas.microsoft.com/office/powerpoint/2010/main" val="1601382084"/>
               </p:ext>
             </p:extLst>
           </p:nvPr>
         </p:nvGraphicFramePr>
         <p:xfrm>
           <a:off x="2474995" y="1720972"/>
-          <a:ext cx="7227052" cy="4118535"/>
+          <a:ext cx="7227052" cy="4475242"/>
         </p:xfrm>
         <a:graphic>
           <a:graphicData uri="http://schemas.openxmlformats.org/drawingml/2006/table">
@@ -16124,36 +15316,36 @@
                 <a:tableStyleId>{0AAD8F4D-43EB-41E5-8A38-28AB6DFB1B60}</a:tableStyleId>
               </a:tblPr>
               <a:tblGrid>
-                <a:gridCol w="1585777">
+                <a:gridCol w="1806763">
                   <a:extLst>
                     <a:ext uri="{9D8B030D-6E8A-4147-A177-3AD203B41FA5}">
-                      <a16:colId xmlns:a16="http://schemas.microsoft.com/office/drawing/2014/main" xmlns="" val="20000"/>
+                      <a16:colId xmlns:a16="http://schemas.microsoft.com/office/drawing/2014/main" val="20000"/>
                     </a:ext>
                   </a:extLst>
                 </a:gridCol>
-                <a:gridCol w="1880425">
+                <a:gridCol w="1806763">
                   <a:extLst>
                     <a:ext uri="{9D8B030D-6E8A-4147-A177-3AD203B41FA5}">
-                      <a16:colId xmlns:a16="http://schemas.microsoft.com/office/drawing/2014/main" xmlns="" val="20002"/>
+                      <a16:colId xmlns:a16="http://schemas.microsoft.com/office/drawing/2014/main" val="20002"/>
                     </a:ext>
                   </a:extLst>
                 </a:gridCol>
-                <a:gridCol w="1880425">
+                <a:gridCol w="1806763">
                   <a:extLst>
                     <a:ext uri="{9D8B030D-6E8A-4147-A177-3AD203B41FA5}">
-                      <a16:colId xmlns:a16="http://schemas.microsoft.com/office/drawing/2014/main" xmlns="" val="20003"/>
+                      <a16:colId xmlns:a16="http://schemas.microsoft.com/office/drawing/2014/main" val="20003"/>
                     </a:ext>
                   </a:extLst>
                 </a:gridCol>
-                <a:gridCol w="1880425">
+                <a:gridCol w="1806763">
                   <a:extLst>
                     <a:ext uri="{9D8B030D-6E8A-4147-A177-3AD203B41FA5}">
-                      <a16:colId xmlns:a16="http://schemas.microsoft.com/office/drawing/2014/main" xmlns="" val="20004"/>
+                      <a16:colId xmlns:a16="http://schemas.microsoft.com/office/drawing/2014/main" val="20004"/>
                     </a:ext>
                   </a:extLst>
                 </a:gridCol>
               </a:tblGrid>
-              <a:tr h="791500">
+              <a:tr h="1119883">
                 <a:tc>
                   <a:txBody>
                     <a:bodyPr/>
@@ -16382,7 +15574,7 @@
                         <a:buNone/>
                       </a:pPr>
                       <a:r>
-                        <a:rPr lang="en-US" sz="1800" b="1" u="none" strike="noStrike" cap="none">
+                        <a:rPr lang="en-US" sz="1800" b="1" u="none" strike="noStrike" cap="none" dirty="0">
                           <a:solidFill>
                             <a:schemeClr val="lt1"/>
                           </a:solidFill>
@@ -16393,7 +15585,7 @@
                         </a:rPr>
                         <a:t>Phone number</a:t>
                       </a:r>
-                      <a:endParaRPr/>
+                      <a:endParaRPr sz="1400" dirty="0"/>
                     </a:p>
                     <a:p>
                       <a:pPr marL="0" marR="0" lvl="0" indent="0" algn="ctr" rtl="0">
@@ -16414,7 +15606,7 @@
                         <a:buNone/>
                       </a:pPr>
                       <a:r>
-                        <a:rPr lang="en-US" sz="1800" b="1" u="none" strike="noStrike" cap="none">
+                        <a:rPr lang="en-US" sz="1800" b="1" u="none" strike="noStrike" cap="none" dirty="0">
                           <a:solidFill>
                             <a:schemeClr val="lt1"/>
                           </a:solidFill>
@@ -16425,7 +15617,7 @@
                         </a:rPr>
                         <a:t>[WhatsApp] </a:t>
                       </a:r>
-                      <a:endParaRPr sz="1800" u="none" strike="noStrike" cap="none"/>
+                      <a:endParaRPr sz="1800" u="none" strike="noStrike" cap="none" dirty="0"/>
                     </a:p>
                   </a:txBody>
                   <a:tcPr marL="91450" marR="91450" marT="45725" marB="45725" anchor="ctr">
@@ -16472,11 +15664,11 @@
                 </a:tc>
                 <a:extLst>
                   <a:ext uri="{0D108BD9-81ED-4DB2-BD59-A6C34878D82A}">
-                    <a16:rowId xmlns:a16="http://schemas.microsoft.com/office/drawing/2014/main" xmlns="" val="10000"/>
+                    <a16:rowId xmlns:a16="http://schemas.microsoft.com/office/drawing/2014/main" val="10000"/>
                   </a:ext>
                 </a:extLst>
               </a:tr>
-              <a:tr h="970950">
+              <a:tr h="1189129">
                 <a:tc>
                   <a:txBody>
                     <a:bodyPr/>
@@ -16492,16 +15684,12 @@
                         <a:buNone/>
                       </a:pPr>
                       <a:r>
-                        <a:rPr lang="en-IN" dirty="0" err="1"/>
-                        <a:t>Sandeepa</a:t>
-                      </a:r>
-                      <a:r>
-                        <a:rPr lang="en-IN" dirty="0"/>
-                        <a:t> N R</a:t>
+                        <a:rPr lang="en-IN" sz="1400" dirty="0"/>
+                        <a:t>Sandeepa N R</a:t>
                       </a:r>
                     </a:p>
                   </a:txBody>
-                  <a:tcPr marL="91450" marR="91450" marT="45725" marB="45725">
+                  <a:tcPr marL="91450" marR="91450" marT="45725" marB="45725" anchor="ctr">
                     <a:lnL w="12700" cap="flat" cmpd="sng">
                       <a:solidFill>
                         <a:srgbClr val="FFFFFF"/>
@@ -16548,7 +15736,7 @@
                     <a:bodyPr/>
                     <a:lstStyle/>
                     <a:p>
-                      <a:pPr marL="0" marR="0" lvl="0" indent="0" algn="l" rtl="0">
+                      <a:pPr marL="0" marR="0" lvl="0" indent="0" algn="ctr" rtl="0">
                         <a:spcBef>
                           <a:spcPts val="0"/>
                         </a:spcBef>
@@ -16560,7 +15748,7 @@
                       <a:endParaRPr sz="1800" dirty="0"/>
                     </a:p>
                   </a:txBody>
-                  <a:tcPr marL="91450" marR="91450" marT="45725" marB="45725">
+                  <a:tcPr marL="91450" marR="91450" marT="45725" marB="45725" anchor="ctr">
                     <a:lnL w="12700" cap="flat" cmpd="sng" algn="ctr">
                       <a:solidFill>
                         <a:srgbClr val="FFFFFF"/>
@@ -16617,13 +15805,13 @@
                         <a:buNone/>
                       </a:pPr>
                       <a:r>
-                        <a:rPr lang="en-IN" dirty="0"/>
-                        <a:t>Sandeepanr.mca25@bmsce.ac.in</a:t>
+                        <a:rPr lang="en-IN" sz="1400" dirty="0"/>
+                        <a:t>sandeepanr.mca25@bmsce.ac.in</a:t>
                       </a:r>
-                      <a:endParaRPr dirty="0"/>
+                      <a:endParaRPr sz="1400" dirty="0"/>
                     </a:p>
                   </a:txBody>
-                  <a:tcPr marL="91450" marR="91450" marT="45725" marB="45725">
+                  <a:tcPr marL="91450" marR="91450" marT="45725" marB="45725" anchor="ctr">
                     <a:lnL w="12700" cap="flat" cmpd="sng">
                       <a:solidFill>
                         <a:srgbClr val="FFFFFF"/>
@@ -16680,13 +15868,13 @@
                         <a:buNone/>
                       </a:pPr>
                       <a:r>
-                        <a:rPr lang="en-IN" dirty="0"/>
+                        <a:rPr lang="en-IN" sz="1400" dirty="0"/>
                         <a:t>6362030415</a:t>
                       </a:r>
-                      <a:endParaRPr dirty="0"/>
+                      <a:endParaRPr sz="1400" dirty="0"/>
                     </a:p>
                   </a:txBody>
-                  <a:tcPr marL="91450" marR="91450" marT="45725" marB="45725">
+                  <a:tcPr marL="91450" marR="91450" marT="45725" marB="45725" anchor="ctr">
                     <a:lnL w="12700" cap="flat" cmpd="sng">
                       <a:solidFill>
                         <a:srgbClr val="FFFFFF"/>
@@ -16730,11 +15918,11 @@
                 </a:tc>
                 <a:extLst>
                   <a:ext uri="{0D108BD9-81ED-4DB2-BD59-A6C34878D82A}">
-                    <a16:rowId xmlns:a16="http://schemas.microsoft.com/office/drawing/2014/main" xmlns="" val="10001"/>
+                    <a16:rowId xmlns:a16="http://schemas.microsoft.com/office/drawing/2014/main" val="10001"/>
                   </a:ext>
                 </a:extLst>
               </a:tr>
-              <a:tr h="1262225">
+              <a:tr h="1083115">
                 <a:tc>
                   <a:txBody>
                     <a:bodyPr/>
@@ -16750,12 +15938,12 @@
                         <a:buNone/>
                       </a:pPr>
                       <a:r>
-                        <a:rPr lang="en-IN" dirty="0"/>
+                        <a:rPr lang="en-IN" sz="1400" dirty="0"/>
                         <a:t>Shrilaxmi H</a:t>
                       </a:r>
                     </a:p>
                   </a:txBody>
-                  <a:tcPr marL="91450" marR="91450" marT="45725" marB="45725">
+                  <a:tcPr marL="91450" marR="91450" marT="45725" marB="45725" anchor="ctr">
                     <a:lnL w="12700" cap="flat" cmpd="sng">
                       <a:solidFill>
                         <a:srgbClr val="FFFFFF"/>
@@ -16783,7 +15971,7 @@
                       <a:headEnd type="none" w="sm" len="sm"/>
                       <a:tailEnd type="none" w="sm" len="sm"/>
                     </a:lnT>
-                    <a:lnB w="12700" cap="flat" cmpd="sng">
+                    <a:lnB w="12700" cap="flat" cmpd="sng" algn="ctr">
                       <a:solidFill>
                         <a:srgbClr val="FFFFFF"/>
                       </a:solidFill>
@@ -16802,7 +15990,7 @@
                     <a:bodyPr/>
                     <a:lstStyle/>
                     <a:p>
-                      <a:pPr marL="0" marR="0" lvl="0" indent="0" algn="l" rtl="0">
+                      <a:pPr marL="0" marR="0" lvl="0" indent="0" algn="ctr" rtl="0">
                         <a:spcBef>
                           <a:spcPts val="0"/>
                         </a:spcBef>
@@ -16811,10 +15999,10 @@
                         </a:spcAft>
                         <a:buNone/>
                       </a:pPr>
-                      <a:endParaRPr sz="1800"/>
+                      <a:endParaRPr sz="1800" dirty="0"/>
                     </a:p>
                   </a:txBody>
-                  <a:tcPr marL="91450" marR="91450" marT="45725" marB="45725">
+                  <a:tcPr marL="91450" marR="91450" marT="45725" marB="45725" anchor="ctr">
                     <a:lnL w="12700" cap="flat" cmpd="sng" algn="ctr">
                       <a:solidFill>
                         <a:srgbClr val="FFFFFF"/>
@@ -16871,13 +16059,13 @@
                         <a:buNone/>
                       </a:pPr>
                       <a:r>
-                        <a:rPr lang="en-IN" dirty="0"/>
-                        <a:t>Srilaxmi.mca25@bmsce.ac.in</a:t>
+                        <a:rPr lang="en-IN" sz="1400" dirty="0"/>
+                        <a:t>shrilaxmi.mca25@bmsce.ac.in</a:t>
                       </a:r>
-                      <a:endParaRPr dirty="0"/>
+                      <a:endParaRPr sz="1400" dirty="0"/>
                     </a:p>
                   </a:txBody>
-                  <a:tcPr marL="91450" marR="91450" marT="45725" marB="45725">
+                  <a:tcPr marL="91450" marR="91450" marT="45725" marB="45725" anchor="ctr">
                     <a:lnL w="12700" cap="flat" cmpd="sng">
                       <a:solidFill>
                         <a:srgbClr val="FFFFFF"/>
@@ -16888,6 +16076,290 @@
                       <a:tailEnd type="none" w="sm" len="sm"/>
                     </a:lnL>
                     <a:lnR w="12700" cap="flat" cmpd="sng">
+                      <a:solidFill>
+                        <a:srgbClr val="FFFFFF"/>
+                      </a:solidFill>
+                      <a:prstDash val="solid"/>
+                      <a:round/>
+                      <a:headEnd type="none" w="sm" len="sm"/>
+                      <a:tailEnd type="none" w="sm" len="sm"/>
+                    </a:lnR>
+                    <a:lnT w="12700" cap="flat" cmpd="sng">
+                      <a:solidFill>
+                        <a:srgbClr val="FFFFFF"/>
+                      </a:solidFill>
+                      <a:prstDash val="solid"/>
+                      <a:round/>
+                      <a:headEnd type="none" w="sm" len="sm"/>
+                      <a:tailEnd type="none" w="sm" len="sm"/>
+                    </a:lnT>
+                    <a:lnB w="12700" cap="flat" cmpd="sng" algn="ctr">
+                      <a:solidFill>
+                        <a:srgbClr val="FFFFFF"/>
+                      </a:solidFill>
+                      <a:prstDash val="solid"/>
+                      <a:round/>
+                      <a:headEnd type="none" w="sm" len="sm"/>
+                      <a:tailEnd type="none" w="sm" len="sm"/>
+                    </a:lnB>
+                    <a:solidFill>
+                      <a:srgbClr val="E9EFF7"/>
+                    </a:solidFill>
+                  </a:tcPr>
+                </a:tc>
+                <a:tc>
+                  <a:txBody>
+                    <a:bodyPr/>
+                    <a:lstStyle/>
+                    <a:p>
+                      <a:pPr marL="0" marR="0" lvl="0" indent="0" algn="ctr" rtl="0">
+                        <a:spcBef>
+                          <a:spcPts val="0"/>
+                        </a:spcBef>
+                        <a:spcAft>
+                          <a:spcPts val="0"/>
+                        </a:spcAft>
+                        <a:buNone/>
+                      </a:pPr>
+                      <a:r>
+                        <a:rPr lang="en-IN" sz="1400" dirty="0"/>
+                        <a:t>9945411015</a:t>
+                      </a:r>
+                      <a:endParaRPr sz="1400" dirty="0"/>
+                    </a:p>
+                  </a:txBody>
+                  <a:tcPr marL="91450" marR="91450" marT="45725" marB="45725" anchor="ctr">
+                    <a:lnL w="12700" cap="flat" cmpd="sng">
+                      <a:solidFill>
+                        <a:srgbClr val="FFFFFF"/>
+                      </a:solidFill>
+                      <a:prstDash val="solid"/>
+                      <a:round/>
+                      <a:headEnd type="none" w="sm" len="sm"/>
+                      <a:tailEnd type="none" w="sm" len="sm"/>
+                    </a:lnL>
+                    <a:lnR w="12700" cap="flat" cmpd="sng">
+                      <a:solidFill>
+                        <a:srgbClr val="FFFFFF"/>
+                      </a:solidFill>
+                      <a:prstDash val="solid"/>
+                      <a:round/>
+                      <a:headEnd type="none" w="sm" len="sm"/>
+                      <a:tailEnd type="none" w="sm" len="sm"/>
+                    </a:lnR>
+                    <a:lnT w="12700" cap="flat" cmpd="sng">
+                      <a:solidFill>
+                        <a:srgbClr val="FFFFFF"/>
+                      </a:solidFill>
+                      <a:prstDash val="solid"/>
+                      <a:round/>
+                      <a:headEnd type="none" w="sm" len="sm"/>
+                      <a:tailEnd type="none" w="sm" len="sm"/>
+                    </a:lnT>
+                    <a:lnB w="12700" cap="flat" cmpd="sng" algn="ctr">
+                      <a:solidFill>
+                        <a:srgbClr val="FFFFFF"/>
+                      </a:solidFill>
+                      <a:prstDash val="solid"/>
+                      <a:round/>
+                      <a:headEnd type="none" w="sm" len="sm"/>
+                      <a:tailEnd type="none" w="sm" len="sm"/>
+                    </a:lnB>
+                    <a:solidFill>
+                      <a:srgbClr val="E9EFF7"/>
+                    </a:solidFill>
+                  </a:tcPr>
+                </a:tc>
+                <a:extLst>
+                  <a:ext uri="{0D108BD9-81ED-4DB2-BD59-A6C34878D82A}">
+                    <a16:rowId xmlns:a16="http://schemas.microsoft.com/office/drawing/2014/main" val="10002"/>
+                  </a:ext>
+                </a:extLst>
+              </a:tr>
+              <a:tr h="1083115">
+                <a:tc>
+                  <a:txBody>
+                    <a:bodyPr/>
+                    <a:lstStyle/>
+                    <a:p>
+                      <a:pPr marL="0" marR="0" lvl="0" indent="0" algn="ctr" rtl="0">
+                        <a:spcBef>
+                          <a:spcPts val="0"/>
+                        </a:spcBef>
+                        <a:spcAft>
+                          <a:spcPts val="0"/>
+                        </a:spcAft>
+                        <a:buNone/>
+                      </a:pPr>
+                      <a:r>
+                        <a:rPr lang="en-IN" sz="1400" dirty="0"/>
+                        <a:t>Tanish G</a:t>
+                      </a:r>
+                    </a:p>
+                  </a:txBody>
+                  <a:tcPr marL="91450" marR="91450" marT="45725" marB="45725" anchor="ctr">
+                    <a:lnL w="12700" cap="flat" cmpd="sng">
+                      <a:solidFill>
+                        <a:srgbClr val="FFFFFF"/>
+                      </a:solidFill>
+                      <a:prstDash val="solid"/>
+                      <a:round/>
+                      <a:headEnd type="none" w="sm" len="sm"/>
+                      <a:tailEnd type="none" w="sm" len="sm"/>
+                    </a:lnL>
+                    <a:lnR w="12700" cap="flat" cmpd="sng" algn="ctr">
+                      <a:solidFill>
+                        <a:srgbClr val="FFFFFF"/>
+                      </a:solidFill>
+                      <a:prstDash val="solid"/>
+                      <a:round/>
+                      <a:headEnd type="none" w="sm" len="sm"/>
+                      <a:tailEnd type="none" w="sm" len="sm"/>
+                    </a:lnR>
+                    <a:lnT w="12700" cap="flat" cmpd="sng">
+                      <a:solidFill>
+                        <a:srgbClr val="FFFFFF"/>
+                      </a:solidFill>
+                      <a:prstDash val="solid"/>
+                      <a:round/>
+                      <a:headEnd type="none" w="sm" len="sm"/>
+                      <a:tailEnd type="none" w="sm" len="sm"/>
+                    </a:lnT>
+                    <a:lnB w="12700" cap="flat" cmpd="sng">
+                      <a:solidFill>
+                        <a:srgbClr val="FFFFFF"/>
+                      </a:solidFill>
+                      <a:prstDash val="solid"/>
+                      <a:round/>
+                      <a:headEnd type="none" w="sm" len="sm"/>
+                      <a:tailEnd type="none" w="sm" len="sm"/>
+                    </a:lnB>
+                    <a:solidFill>
+                      <a:srgbClr val="E9EFF7"/>
+                    </a:solidFill>
+                  </a:tcPr>
+                </a:tc>
+                <a:tc>
+                  <a:txBody>
+                    <a:bodyPr/>
+                    <a:lstStyle/>
+                    <a:p>
+                      <a:pPr marL="0" marR="0" lvl="0" indent="0" algn="ctr" rtl="0">
+                        <a:spcBef>
+                          <a:spcPts val="0"/>
+                        </a:spcBef>
+                        <a:spcAft>
+                          <a:spcPts val="0"/>
+                        </a:spcAft>
+                        <a:buNone/>
+                      </a:pPr>
+                      <a:endParaRPr sz="1800" dirty="0"/>
+                    </a:p>
+                  </a:txBody>
+                  <a:tcPr marL="91450" marR="91450" marT="45725" marB="45725" anchor="ctr">
+                    <a:lnL w="12700" cap="flat" cmpd="sng" algn="ctr">
+                      <a:solidFill>
+                        <a:srgbClr val="FFFFFF"/>
+                      </a:solidFill>
+                      <a:prstDash val="solid"/>
+                      <a:round/>
+                      <a:headEnd type="none" w="sm" len="sm"/>
+                      <a:tailEnd type="none" w="sm" len="sm"/>
+                    </a:lnL>
+                    <a:lnR w="12700" cap="flat" cmpd="sng" algn="ctr">
+                      <a:solidFill>
+                        <a:srgbClr val="FFFFFF"/>
+                      </a:solidFill>
+                      <a:prstDash val="solid"/>
+                      <a:round/>
+                      <a:headEnd type="none" w="sm" len="sm"/>
+                      <a:tailEnd type="none" w="sm" len="sm"/>
+                    </a:lnR>
+                    <a:lnT w="12700" cap="flat" cmpd="sng" algn="ctr">
+                      <a:solidFill>
+                        <a:srgbClr val="FFFFFF"/>
+                      </a:solidFill>
+                      <a:prstDash val="solid"/>
+                      <a:round/>
+                      <a:headEnd type="none" w="sm" len="sm"/>
+                      <a:tailEnd type="none" w="sm" len="sm"/>
+                    </a:lnT>
+                    <a:lnB w="12700" cap="flat" cmpd="sng" algn="ctr">
+                      <a:solidFill>
+                        <a:srgbClr val="FFFFFF"/>
+                      </a:solidFill>
+                      <a:prstDash val="solid"/>
+                      <a:round/>
+                      <a:headEnd type="none" w="sm" len="sm"/>
+                      <a:tailEnd type="none" w="sm" len="sm"/>
+                    </a:lnB>
+                    <a:solidFill>
+                      <a:srgbClr val="E9EFF7"/>
+                    </a:solidFill>
+                  </a:tcPr>
+                </a:tc>
+                <a:tc>
+                  <a:txBody>
+                    <a:bodyPr/>
+                    <a:lstStyle/>
+                    <a:p>
+                      <a:pPr marL="0" marR="0" lvl="0" indent="0" algn="ctr" defTabSz="914400" rtl="0" eaLnBrk="1" fontAlgn="auto" latinLnBrk="0" hangingPunct="1">
+                        <a:lnSpc>
+                          <a:spcPct val="100000"/>
+                        </a:lnSpc>
+                        <a:spcBef>
+                          <a:spcPts val="0"/>
+                        </a:spcBef>
+                        <a:spcAft>
+                          <a:spcPts val="0"/>
+                        </a:spcAft>
+                        <a:buClr>
+                          <a:srgbClr val="000000"/>
+                        </a:buClr>
+                        <a:buSzTx/>
+                        <a:buFont typeface="Arial"/>
+                        <a:buNone/>
+                        <a:tabLst/>
+                        <a:defRPr/>
+                      </a:pPr>
+                      <a:r>
+                        <a:rPr lang="en-IN" sz="1400" b="0" i="0" u="none" strike="noStrike" cap="none" dirty="0">
+                          <a:solidFill>
+                            <a:srgbClr val="000000"/>
+                          </a:solidFill>
+                          <a:effectLst/>
+                          <a:latin typeface="Arial"/>
+                          <a:ea typeface="Arial"/>
+                          <a:cs typeface="Arial"/>
+                          <a:sym typeface="Arial"/>
+                        </a:rPr>
+                        <a:t>tanishg.mca25@bmsce.ac.in</a:t>
+                      </a:r>
+                    </a:p>
+                    <a:p>
+                      <a:pPr marL="0" marR="0" lvl="0" indent="0" algn="ctr" rtl="0">
+                        <a:spcBef>
+                          <a:spcPts val="0"/>
+                        </a:spcBef>
+                        <a:spcAft>
+                          <a:spcPts val="0"/>
+                        </a:spcAft>
+                        <a:buNone/>
+                      </a:pPr>
+                      <a:endParaRPr sz="1400" dirty="0"/>
+                    </a:p>
+                  </a:txBody>
+                  <a:tcPr marL="91450" marR="91450" marT="45725" marB="45725" anchor="b">
+                    <a:lnL w="12700" cap="flat" cmpd="sng" algn="ctr">
+                      <a:solidFill>
+                        <a:srgbClr val="FFFFFF"/>
+                      </a:solidFill>
+                      <a:prstDash val="solid"/>
+                      <a:round/>
+                      <a:headEnd type="none" w="sm" len="sm"/>
+                      <a:tailEnd type="none" w="sm" len="sm"/>
+                    </a:lnL>
+                    <a:lnR w="12700" cap="flat" cmpd="sng" algn="ctr">
                       <a:solidFill>
                         <a:srgbClr val="FFFFFF"/>
                       </a:solidFill>
@@ -16934,14 +16406,23 @@
                         <a:buNone/>
                       </a:pPr>
                       <a:r>
-                        <a:rPr lang="en-IN" dirty="0"/>
-                        <a:t>9945411015</a:t>
+                        <a:rPr lang="en-IN" sz="1400" b="0" i="0" u="none" strike="noStrike" cap="none" dirty="0">
+                          <a:solidFill>
+                            <a:srgbClr val="000000"/>
+                          </a:solidFill>
+                          <a:effectLst/>
+                          <a:latin typeface="Arial"/>
+                          <a:ea typeface="Arial"/>
+                          <a:cs typeface="Arial"/>
+                          <a:sym typeface="Arial"/>
+                        </a:rPr>
+                        <a:t>7019173230</a:t>
                       </a:r>
-                      <a:endParaRPr dirty="0"/>
+                      <a:endParaRPr sz="1400" dirty="0"/>
                     </a:p>
                   </a:txBody>
-                  <a:tcPr marL="91450" marR="91450" marT="45725" marB="45725">
-                    <a:lnL w="12700" cap="flat" cmpd="sng">
+                  <a:tcPr marL="91450" marR="91450" marT="45725" marB="45725" anchor="ctr">
+                    <a:lnL w="12700" cap="flat" cmpd="sng" algn="ctr">
                       <a:solidFill>
                         <a:srgbClr val="FFFFFF"/>
                       </a:solidFill>
@@ -16984,262 +16465,7 @@
                 </a:tc>
                 <a:extLst>
                   <a:ext uri="{0D108BD9-81ED-4DB2-BD59-A6C34878D82A}">
-                    <a16:rowId xmlns:a16="http://schemas.microsoft.com/office/drawing/2014/main" xmlns="" val="10002"/>
-                  </a:ext>
-                </a:extLst>
-              </a:tr>
-              <a:tr h="970950">
-                <a:tc>
-                  <a:txBody>
-                    <a:bodyPr/>
-                    <a:lstStyle/>
-                    <a:p>
-                      <a:pPr marL="0" marR="0" lvl="0" indent="0" algn="ctr" rtl="0">
-                        <a:spcBef>
-                          <a:spcPts val="0"/>
-                        </a:spcBef>
-                        <a:spcAft>
-                          <a:spcPts val="0"/>
-                        </a:spcAft>
-                        <a:buNone/>
-                      </a:pPr>
-                      <a:r>
-                        <a:rPr lang="en-IN" sz="1800" dirty="0"/>
-                        <a:t>Tanish g</a:t>
-                      </a:r>
-                      <a:endParaRPr sz="1800" dirty="0"/>
-                    </a:p>
-                  </a:txBody>
-                  <a:tcPr marL="91450" marR="91450" marT="45725" marB="45725">
-                    <a:lnL w="12700" cap="flat" cmpd="sng">
-                      <a:solidFill>
-                        <a:srgbClr val="FFFFFF"/>
-                      </a:solidFill>
-                      <a:prstDash val="solid"/>
-                      <a:round/>
-                      <a:headEnd type="none" w="sm" len="sm"/>
-                      <a:tailEnd type="none" w="sm" len="sm"/>
-                    </a:lnL>
-                    <a:lnR w="12700" cap="flat" cmpd="sng">
-                      <a:solidFill>
-                        <a:srgbClr val="FFFFFF"/>
-                      </a:solidFill>
-                      <a:prstDash val="solid"/>
-                      <a:round/>
-                      <a:headEnd type="none" w="sm" len="sm"/>
-                      <a:tailEnd type="none" w="sm" len="sm"/>
-                    </a:lnR>
-                    <a:lnT w="12700" cap="flat" cmpd="sng">
-                      <a:solidFill>
-                        <a:srgbClr val="FFFFFF"/>
-                      </a:solidFill>
-                      <a:prstDash val="solid"/>
-                      <a:round/>
-                      <a:headEnd type="none" w="sm" len="sm"/>
-                      <a:tailEnd type="none" w="sm" len="sm"/>
-                    </a:lnT>
-                    <a:lnB w="12700" cap="flat" cmpd="sng">
-                      <a:solidFill>
-                        <a:srgbClr val="FFFFFF"/>
-                      </a:solidFill>
-                      <a:prstDash val="solid"/>
-                      <a:round/>
-                      <a:headEnd type="none" w="sm" len="sm"/>
-                      <a:tailEnd type="none" w="sm" len="sm"/>
-                    </a:lnB>
-                    <a:solidFill>
-                      <a:srgbClr val="D0DEEF"/>
-                    </a:solidFill>
-                  </a:tcPr>
-                </a:tc>
-                <a:tc>
-                  <a:txBody>
-                    <a:bodyPr/>
-                    <a:lstStyle/>
-                    <a:p>
-                      <a:pPr marL="0" marR="0" lvl="0" indent="0" algn="l" rtl="0">
-                        <a:spcBef>
-                          <a:spcPts val="0"/>
-                        </a:spcBef>
-                        <a:spcAft>
-                          <a:spcPts val="0"/>
-                        </a:spcAft>
-                        <a:buNone/>
-                      </a:pPr>
-                      <a:endParaRPr sz="1800" dirty="0"/>
-                    </a:p>
-                  </a:txBody>
-                  <a:tcPr marL="91450" marR="91450" marT="45725" marB="45725">
-                    <a:lnL w="12700" cap="flat" cmpd="sng" algn="ctr">
-                      <a:solidFill>
-                        <a:srgbClr val="FFFFFF"/>
-                      </a:solidFill>
-                      <a:prstDash val="solid"/>
-                      <a:round/>
-                      <a:headEnd type="none" w="sm" len="sm"/>
-                      <a:tailEnd type="none" w="sm" len="sm"/>
-                    </a:lnL>
-                    <a:lnR w="12700" cap="flat" cmpd="sng">
-                      <a:solidFill>
-                        <a:srgbClr val="FFFFFF"/>
-                      </a:solidFill>
-                      <a:prstDash val="solid"/>
-                      <a:round/>
-                      <a:headEnd type="none" w="sm" len="sm"/>
-                      <a:tailEnd type="none" w="sm" len="sm"/>
-                    </a:lnR>
-                    <a:lnT w="12700" cap="flat" cmpd="sng" algn="ctr">
-                      <a:solidFill>
-                        <a:srgbClr val="FFFFFF"/>
-                      </a:solidFill>
-                      <a:prstDash val="solid"/>
-                      <a:round/>
-                      <a:headEnd type="none" w="sm" len="sm"/>
-                      <a:tailEnd type="none" w="sm" len="sm"/>
-                    </a:lnT>
-                    <a:lnB w="12700" cap="flat" cmpd="sng">
-                      <a:solidFill>
-                        <a:srgbClr val="FFFFFF"/>
-                      </a:solidFill>
-                      <a:prstDash val="solid"/>
-                      <a:round/>
-                      <a:headEnd type="none" w="sm" len="sm"/>
-                      <a:tailEnd type="none" w="sm" len="sm"/>
-                    </a:lnB>
-                    <a:solidFill>
-                      <a:srgbClr val="D0DEEF"/>
-                    </a:solidFill>
-                  </a:tcPr>
-                </a:tc>
-                <a:tc>
-                  <a:txBody>
-                    <a:bodyPr/>
-                    <a:lstStyle/>
-                    <a:p>
-                      <a:pPr marL="0" marR="0" lvl="0" indent="0" algn="ctr" rtl="0">
-                        <a:spcBef>
-                          <a:spcPts val="0"/>
-                        </a:spcBef>
-                        <a:spcAft>
-                          <a:spcPts val="0"/>
-                        </a:spcAft>
-                        <a:buNone/>
-                      </a:pPr>
-                      <a:r>
-                        <a:rPr lang="en-IN" sz="1800" dirty="0"/>
-                        <a:t>tanishg.mca25@bmsce.ac.in</a:t>
-                      </a:r>
-                      <a:endParaRPr sz="1800" dirty="0"/>
-                    </a:p>
-                  </a:txBody>
-                  <a:tcPr marL="91450" marR="91450" marT="45725" marB="45725">
-                    <a:lnL w="12700" cap="flat" cmpd="sng">
-                      <a:solidFill>
-                        <a:srgbClr val="FFFFFF"/>
-                      </a:solidFill>
-                      <a:prstDash val="solid"/>
-                      <a:round/>
-                      <a:headEnd type="none" w="sm" len="sm"/>
-                      <a:tailEnd type="none" w="sm" len="sm"/>
-                    </a:lnL>
-                    <a:lnR w="12700" cap="flat" cmpd="sng">
-                      <a:solidFill>
-                        <a:srgbClr val="FFFFFF"/>
-                      </a:solidFill>
-                      <a:prstDash val="solid"/>
-                      <a:round/>
-                      <a:headEnd type="none" w="sm" len="sm"/>
-                      <a:tailEnd type="none" w="sm" len="sm"/>
-                    </a:lnR>
-                    <a:lnT w="12700" cap="flat" cmpd="sng">
-                      <a:solidFill>
-                        <a:srgbClr val="FFFFFF"/>
-                      </a:solidFill>
-                      <a:prstDash val="solid"/>
-                      <a:round/>
-                      <a:headEnd type="none" w="sm" len="sm"/>
-                      <a:tailEnd type="none" w="sm" len="sm"/>
-                    </a:lnT>
-                    <a:lnB w="12700" cap="flat" cmpd="sng">
-                      <a:solidFill>
-                        <a:srgbClr val="FFFFFF"/>
-                      </a:solidFill>
-                      <a:prstDash val="solid"/>
-                      <a:round/>
-                      <a:headEnd type="none" w="sm" len="sm"/>
-                      <a:tailEnd type="none" w="sm" len="sm"/>
-                    </a:lnB>
-                    <a:solidFill>
-                      <a:srgbClr val="D0DEEF"/>
-                    </a:solidFill>
-                  </a:tcPr>
-                </a:tc>
-                <a:tc>
-                  <a:txBody>
-                    <a:bodyPr/>
-                    <a:lstStyle/>
-                    <a:p>
-                      <a:pPr marL="0" marR="0" lvl="0" indent="0" algn="ctr" rtl="0">
-                        <a:spcBef>
-                          <a:spcPts val="0"/>
-                        </a:spcBef>
-                        <a:spcAft>
-                          <a:spcPts val="0"/>
-                        </a:spcAft>
-                        <a:buNone/>
-                      </a:pPr>
-                      <a:r>
-                        <a:rPr lang="en-IN" sz="1800" dirty="0"/>
-                        <a:t>7019173230</a:t>
-                      </a:r>
-                      <a:endParaRPr sz="1800" dirty="0"/>
-                    </a:p>
-                  </a:txBody>
-                  <a:tcPr marL="91450" marR="91450" marT="45725" marB="45725">
-                    <a:lnL w="12700" cap="flat" cmpd="sng">
-                      <a:solidFill>
-                        <a:srgbClr val="FFFFFF"/>
-                      </a:solidFill>
-                      <a:prstDash val="solid"/>
-                      <a:round/>
-                      <a:headEnd type="none" w="sm" len="sm"/>
-                      <a:tailEnd type="none" w="sm" len="sm"/>
-                    </a:lnL>
-                    <a:lnR w="12700" cap="flat" cmpd="sng">
-                      <a:solidFill>
-                        <a:srgbClr val="FFFFFF"/>
-                      </a:solidFill>
-                      <a:prstDash val="solid"/>
-                      <a:round/>
-                      <a:headEnd type="none" w="sm" len="sm"/>
-                      <a:tailEnd type="none" w="sm" len="sm"/>
-                    </a:lnR>
-                    <a:lnT w="12700" cap="flat" cmpd="sng">
-                      <a:solidFill>
-                        <a:srgbClr val="FFFFFF"/>
-                      </a:solidFill>
-                      <a:prstDash val="solid"/>
-                      <a:round/>
-                      <a:headEnd type="none" w="sm" len="sm"/>
-                      <a:tailEnd type="none" w="sm" len="sm"/>
-                    </a:lnT>
-                    <a:lnB w="12700" cap="flat" cmpd="sng">
-                      <a:solidFill>
-                        <a:srgbClr val="FFFFFF"/>
-                      </a:solidFill>
-                      <a:prstDash val="solid"/>
-                      <a:round/>
-                      <a:headEnd type="none" w="sm" len="sm"/>
-                      <a:tailEnd type="none" w="sm" len="sm"/>
-                    </a:lnB>
-                    <a:solidFill>
-                      <a:srgbClr val="D0DEEF"/>
-                    </a:solidFill>
-                  </a:tcPr>
-                </a:tc>
-                <a:extLst>
-                  <a:ext uri="{0D108BD9-81ED-4DB2-BD59-A6C34878D82A}">
-                    <a16:rowId xmlns:a16="http://schemas.microsoft.com/office/drawing/2014/main" xmlns="" val="10003"/>
+                    <a16:rowId xmlns:a16="http://schemas.microsoft.com/office/drawing/2014/main" val="2926045765"/>
                   </a:ext>
                 </a:extLst>
               </a:tr>
@@ -17252,7 +16478,7 @@
           <p:cNvPr id="4" name="Picture 3">
             <a:extLst>
               <a:ext uri="{FF2B5EF4-FFF2-40B4-BE49-F238E27FC236}">
-                <a16:creationId xmlns:a16="http://schemas.microsoft.com/office/drawing/2014/main" xmlns="" id="{93071BE8-5070-42BA-3450-6F0039B8532C}"/>
+                <a16:creationId xmlns:a16="http://schemas.microsoft.com/office/drawing/2014/main" id="{93071BE8-5070-42BA-3450-6F0039B8532C}"/>
               </a:ext>
             </a:extLst>
           </p:cNvPr>
@@ -17290,10 +16516,1017 @@
   <p:cSld>
     <p:spTree>
       <p:nvGrpSpPr>
+        <p:cNvPr id="1" name=""/>
+        <p:cNvGrpSpPr/>
+        <p:nvPr/>
+      </p:nvGrpSpPr>
+      <p:grpSpPr>
+        <a:xfrm>
+          <a:off x="0" y="0"/>
+          <a:ext cx="0" cy="0"/>
+          <a:chOff x="0" y="0"/>
+          <a:chExt cx="0" cy="0"/>
+        </a:xfrm>
+      </p:grpSpPr>
+      <p:sp>
+        <p:nvSpPr>
+          <p:cNvPr id="2" name="Title 1">
+            <a:extLst>
+              <a:ext uri="{FF2B5EF4-FFF2-40B4-BE49-F238E27FC236}">
+                <a16:creationId xmlns:a16="http://schemas.microsoft.com/office/drawing/2014/main" id="{7CC5EBB4-C181-831A-CBFF-DF0F9C98C1CA}"/>
+              </a:ext>
+            </a:extLst>
+          </p:cNvPr>
+          <p:cNvSpPr>
+            <a:spLocks noGrp="1"/>
+          </p:cNvSpPr>
+          <p:nvPr>
+            <p:ph type="title"/>
+          </p:nvPr>
+        </p:nvSpPr>
+        <p:spPr>
+          <a:xfrm>
+            <a:off x="576809" y="198364"/>
+            <a:ext cx="11038381" cy="699745"/>
+          </a:xfrm>
+        </p:spPr>
+        <p:txBody>
+          <a:bodyPr>
+            <a:normAutofit fontScale="90000"/>
+          </a:bodyPr>
+          <a:lstStyle/>
+          <a:p>
+            <a:r>
+              <a:rPr lang="en-IN" dirty="0"/>
+              <a:t>Core pillars of Innovation and Research Grounding</a:t>
+            </a:r>
+          </a:p>
+        </p:txBody>
+      </p:sp>
+      <p:sp>
+        <p:nvSpPr>
+          <p:cNvPr id="8" name="Rectangle 4">
+            <a:extLst>
+              <a:ext uri="{FF2B5EF4-FFF2-40B4-BE49-F238E27FC236}">
+                <a16:creationId xmlns:a16="http://schemas.microsoft.com/office/drawing/2014/main" id="{6551B772-ED74-9F79-951A-D0238115EA78}"/>
+              </a:ext>
+            </a:extLst>
+          </p:cNvPr>
+          <p:cNvSpPr>
+            <a:spLocks noChangeArrowheads="1"/>
+          </p:cNvSpPr>
+          <p:nvPr/>
+        </p:nvSpPr>
+        <p:spPr bwMode="auto">
+          <a:xfrm>
+            <a:off x="576809" y="844366"/>
+            <a:ext cx="11038382" cy="6013634"/>
+          </a:xfrm>
+          <a:prstGeom prst="rect">
+            <a:avLst/>
+          </a:prstGeom>
+          <a:noFill/>
+          <a:ln>
+            <a:noFill/>
+          </a:ln>
+          <a:effectLst/>
+          <a:extLst>
+            <a:ext uri="{909E8E84-426E-40DD-AFC4-6F175D3DCCD1}">
+              <a14:hiddenFill xmlns:a14="http://schemas.microsoft.com/office/drawing/2010/main">
+                <a:solidFill>
+                  <a:schemeClr val="accent1"/>
+                </a:solidFill>
+              </a14:hiddenFill>
+            </a:ext>
+            <a:ext uri="{91240B29-F687-4F45-9708-019B960494DF}">
+              <a14:hiddenLine xmlns:a14="http://schemas.microsoft.com/office/drawing/2010/main" w="9525">
+                <a:solidFill>
+                  <a:schemeClr val="tx1"/>
+                </a:solidFill>
+                <a:miter lim="800000"/>
+                <a:headEnd/>
+                <a:tailEnd/>
+              </a14:hiddenLine>
+            </a:ext>
+            <a:ext uri="{AF507438-7753-43E0-B8FC-AC1667EBCBE1}">
+              <a14:hiddenEffects xmlns:a14="http://schemas.microsoft.com/office/drawing/2010/main">
+                <a:effectLst>
+                  <a:outerShdw dist="35921" dir="2700000" algn="ctr" rotWithShape="0">
+                    <a:schemeClr val="bg2"/>
+                  </a:outerShdw>
+                </a:effectLst>
+              </a14:hiddenEffects>
+            </a:ext>
+          </a:extLst>
+        </p:spPr>
+        <p:txBody>
+          <a:bodyPr vert="horz" wrap="square" lIns="91440" tIns="0" rIns="91440" bIns="45720" numCol="1" anchor="ctr" anchorCtr="0" compatLnSpc="1">
+            <a:prstTxWarp prst="textNoShape">
+              <a:avLst/>
+            </a:prstTxWarp>
+            <a:spAutoFit/>
+          </a:bodyPr>
+          <a:lstStyle/>
+          <a:p>
+            <a:pPr marL="0" marR="0" lvl="0" indent="0" algn="just" defTabSz="914400" rtl="0" eaLnBrk="0" fontAlgn="base" latinLnBrk="0" hangingPunct="0">
+              <a:lnSpc>
+                <a:spcPct val="150000"/>
+              </a:lnSpc>
+              <a:spcBef>
+                <a:spcPct val="0"/>
+              </a:spcBef>
+              <a:spcAft>
+                <a:spcPct val="0"/>
+              </a:spcAft>
+              <a:buClrTx/>
+              <a:buSzTx/>
+              <a:buFontTx/>
+              <a:buNone/>
+              <a:tabLst/>
+            </a:pPr>
+            <a:r>
+              <a:rPr kumimoji="0" lang="en-US" altLang="en-US" sz="1600" b="1" i="0" u="none" strike="noStrike" cap="none" normalizeH="0" baseline="0" dirty="0">
+                <a:ln>
+                  <a:noFill/>
+                </a:ln>
+                <a:solidFill>
+                  <a:schemeClr val="tx1"/>
+                </a:solidFill>
+                <a:effectLst/>
+                <a:latin typeface="+mn-lt"/>
+              </a:rPr>
+              <a:t>1. Group-Based Trajectory Modeling (GBTM) Logic</a:t>
+            </a:r>
+            <a:endParaRPr kumimoji="0" lang="en-US" altLang="en-US" sz="1600" b="0" i="0" u="none" strike="noStrike" cap="none" normalizeH="0" baseline="0" dirty="0">
+              <a:ln>
+                <a:noFill/>
+              </a:ln>
+              <a:solidFill>
+                <a:schemeClr val="tx1"/>
+              </a:solidFill>
+              <a:effectLst/>
+              <a:latin typeface="+mn-lt"/>
+            </a:endParaRPr>
+          </a:p>
+          <a:p>
+            <a:pPr marL="171450" lvl="2" indent="-171450" algn="just" eaLnBrk="0" fontAlgn="base" hangingPunct="0">
+              <a:lnSpc>
+                <a:spcPct val="150000"/>
+              </a:lnSpc>
+              <a:spcBef>
+                <a:spcPct val="0"/>
+              </a:spcBef>
+              <a:spcAft>
+                <a:spcPct val="0"/>
+              </a:spcAft>
+              <a:buClrTx/>
+              <a:buFont typeface="Wingdings" panose="05000000000000000000" pitchFamily="2" charset="2"/>
+              <a:buChar char="Ø"/>
+            </a:pPr>
+            <a:r>
+              <a:rPr kumimoji="0" lang="en-US" altLang="en-US" sz="1200" b="1" i="0" u="none" strike="noStrike" cap="none" normalizeH="0" baseline="0" dirty="0">
+                <a:ln>
+                  <a:noFill/>
+                </a:ln>
+                <a:solidFill>
+                  <a:schemeClr val="tx1"/>
+                </a:solidFill>
+                <a:effectLst/>
+                <a:latin typeface="+mn-lt"/>
+              </a:rPr>
+              <a:t>The Science:</a:t>
+            </a:r>
+            <a:r>
+              <a:rPr kumimoji="0" lang="en-US" altLang="en-US" sz="1200" b="0" i="0" u="none" strike="noStrike" cap="none" normalizeH="0" baseline="0" dirty="0">
+                <a:ln>
+                  <a:noFill/>
+                </a:ln>
+                <a:solidFill>
+                  <a:schemeClr val="tx1"/>
+                </a:solidFill>
+                <a:effectLst/>
+                <a:latin typeface="+mn-lt"/>
+              </a:rPr>
+              <a:t> Grounded in the landmark </a:t>
+            </a:r>
+            <a:r>
+              <a:rPr kumimoji="0" lang="en-US" altLang="en-US" sz="1200" b="0" i="1" u="none" strike="noStrike" cap="none" normalizeH="0" baseline="0" dirty="0">
+                <a:ln>
+                  <a:noFill/>
+                </a:ln>
+                <a:solidFill>
+                  <a:schemeClr val="tx1"/>
+                </a:solidFill>
+                <a:effectLst/>
+                <a:latin typeface="+mn-lt"/>
+              </a:rPr>
+              <a:t>Nagin &amp; Odgers (2010)</a:t>
+            </a:r>
+            <a:r>
+              <a:rPr kumimoji="0" lang="en-US" altLang="en-US" sz="1200" b="0" i="0" u="none" strike="noStrike" cap="none" normalizeH="0" baseline="0" dirty="0">
+                <a:ln>
+                  <a:noFill/>
+                </a:ln>
+                <a:solidFill>
+                  <a:schemeClr val="tx1"/>
+                </a:solidFill>
+                <a:effectLst/>
+                <a:latin typeface="+mn-lt"/>
+              </a:rPr>
+              <a:t> and </a:t>
+            </a:r>
+            <a:r>
+              <a:rPr kumimoji="0" lang="en-US" altLang="en-US" sz="1200" b="0" i="1" u="none" strike="noStrike" cap="none" normalizeH="0" baseline="0" dirty="0">
+                <a:ln>
+                  <a:noFill/>
+                </a:ln>
+                <a:solidFill>
+                  <a:schemeClr val="tx1"/>
+                </a:solidFill>
+                <a:effectLst/>
+                <a:latin typeface="+mn-lt"/>
+              </a:rPr>
+              <a:t>Franklin (2013)</a:t>
+            </a:r>
+            <a:r>
+              <a:rPr kumimoji="0" lang="en-US" altLang="en-US" sz="1200" b="0" i="0" u="none" strike="noStrike" cap="none" normalizeH="0" baseline="0" dirty="0">
+                <a:ln>
+                  <a:noFill/>
+                </a:ln>
+                <a:solidFill>
+                  <a:schemeClr val="tx1"/>
+                </a:solidFill>
+                <a:effectLst/>
+                <a:latin typeface="+mn-lt"/>
+              </a:rPr>
+              <a:t> research.</a:t>
+            </a:r>
+          </a:p>
+          <a:p>
+            <a:pPr marL="171450" lvl="2" indent="-171450" algn="just" eaLnBrk="0" fontAlgn="base" hangingPunct="0">
+              <a:lnSpc>
+                <a:spcPct val="150000"/>
+              </a:lnSpc>
+              <a:spcBef>
+                <a:spcPct val="0"/>
+              </a:spcBef>
+              <a:spcAft>
+                <a:spcPct val="0"/>
+              </a:spcAft>
+              <a:buClrTx/>
+              <a:buFont typeface="Wingdings" panose="05000000000000000000" pitchFamily="2" charset="2"/>
+              <a:buChar char="Ø"/>
+            </a:pPr>
+            <a:r>
+              <a:rPr kumimoji="0" lang="en-US" altLang="en-US" sz="1200" b="1" i="0" u="none" strike="noStrike" cap="none" normalizeH="0" baseline="0" dirty="0">
+                <a:ln>
+                  <a:noFill/>
+                </a:ln>
+                <a:solidFill>
+                  <a:schemeClr val="tx1"/>
+                </a:solidFill>
+                <a:effectLst/>
+                <a:latin typeface="+mn-lt"/>
+              </a:rPr>
+              <a:t>The Application:</a:t>
+            </a:r>
+            <a:r>
+              <a:rPr kumimoji="0" lang="en-US" altLang="en-US" sz="1200" b="0" i="0" u="none" strike="noStrike" cap="none" normalizeH="0" baseline="0" dirty="0">
+                <a:ln>
+                  <a:noFill/>
+                </a:ln>
+                <a:solidFill>
+                  <a:schemeClr val="tx1"/>
+                </a:solidFill>
+                <a:effectLst/>
+                <a:latin typeface="+mn-lt"/>
+              </a:rPr>
+              <a:t> Our </a:t>
+            </a:r>
+            <a:r>
+              <a:rPr kumimoji="0" lang="en-US" altLang="en-US" sz="1200" b="1" i="0" u="none" strike="noStrike" cap="none" normalizeH="0" baseline="0" dirty="0">
+                <a:ln>
+                  <a:noFill/>
+                </a:ln>
+                <a:solidFill>
+                  <a:schemeClr val="tx1"/>
+                </a:solidFill>
+                <a:effectLst/>
+                <a:latin typeface="+mn-lt"/>
+              </a:rPr>
+              <a:t>Risk Detection Agent</a:t>
+            </a:r>
+            <a:r>
+              <a:rPr kumimoji="0" lang="en-US" altLang="en-US" sz="1200" b="0" i="0" u="none" strike="noStrike" cap="none" normalizeH="0" baseline="0" dirty="0">
+                <a:ln>
+                  <a:noFill/>
+                </a:ln>
+                <a:solidFill>
+                  <a:schemeClr val="tx1"/>
+                </a:solidFill>
+                <a:effectLst/>
+                <a:latin typeface="+mn-lt"/>
+              </a:rPr>
+              <a:t> identifies transition points where a patient moves from "Consistently Adherent" to "Slow Decline" groups, allowing for intervention </a:t>
+            </a:r>
+            <a:r>
+              <a:rPr kumimoji="0" lang="en-US" altLang="en-US" sz="1200" b="0" i="1" u="none" strike="noStrike" cap="none" normalizeH="0" baseline="0" dirty="0">
+                <a:ln>
+                  <a:noFill/>
+                </a:ln>
+                <a:solidFill>
+                  <a:schemeClr val="tx1"/>
+                </a:solidFill>
+                <a:effectLst/>
+                <a:latin typeface="+mn-lt"/>
+              </a:rPr>
+              <a:t>before</a:t>
+            </a:r>
+            <a:r>
+              <a:rPr kumimoji="0" lang="en-US" altLang="en-US" sz="1200" b="0" i="0" u="none" strike="noStrike" cap="none" normalizeH="0" baseline="0" dirty="0">
+                <a:ln>
+                  <a:noFill/>
+                </a:ln>
+                <a:solidFill>
+                  <a:schemeClr val="tx1"/>
+                </a:solidFill>
+                <a:effectLst/>
+                <a:latin typeface="+mn-lt"/>
+              </a:rPr>
+              <a:t> a dose is missed.</a:t>
+            </a:r>
+          </a:p>
+          <a:p>
+            <a:pPr marL="0" marR="0" lvl="0" indent="0" algn="just" defTabSz="914400" rtl="0" eaLnBrk="0" fontAlgn="base" latinLnBrk="0" hangingPunct="0">
+              <a:lnSpc>
+                <a:spcPct val="150000"/>
+              </a:lnSpc>
+              <a:spcBef>
+                <a:spcPct val="0"/>
+              </a:spcBef>
+              <a:spcAft>
+                <a:spcPct val="0"/>
+              </a:spcAft>
+              <a:buClrTx/>
+              <a:buSzTx/>
+              <a:buFontTx/>
+              <a:buNone/>
+              <a:tabLst/>
+            </a:pPr>
+            <a:r>
+              <a:rPr kumimoji="0" lang="en-US" altLang="en-US" sz="1600" b="1" i="0" u="none" strike="noStrike" cap="none" normalizeH="0" baseline="0" dirty="0">
+                <a:ln>
+                  <a:noFill/>
+                </a:ln>
+                <a:solidFill>
+                  <a:schemeClr val="tx1"/>
+                </a:solidFill>
+                <a:effectLst/>
+                <a:latin typeface="+mn-lt"/>
+              </a:rPr>
+              <a:t>2. Mathematical Rigor: PDC &amp; MPR Metrics</a:t>
+            </a:r>
+            <a:endParaRPr kumimoji="0" lang="en-US" altLang="en-US" sz="1600" b="0" i="0" u="none" strike="noStrike" cap="none" normalizeH="0" baseline="0" dirty="0">
+              <a:ln>
+                <a:noFill/>
+              </a:ln>
+              <a:solidFill>
+                <a:schemeClr val="tx1"/>
+              </a:solidFill>
+              <a:effectLst/>
+              <a:latin typeface="+mn-lt"/>
+            </a:endParaRPr>
+          </a:p>
+          <a:p>
+            <a:pPr marL="171450" lvl="6" indent="-171450" algn="just" eaLnBrk="0" fontAlgn="base" hangingPunct="0">
+              <a:lnSpc>
+                <a:spcPct val="150000"/>
+              </a:lnSpc>
+              <a:spcBef>
+                <a:spcPct val="0"/>
+              </a:spcBef>
+              <a:spcAft>
+                <a:spcPct val="0"/>
+              </a:spcAft>
+              <a:buClrTx/>
+              <a:buFont typeface="Wingdings" panose="05000000000000000000" pitchFamily="2" charset="2"/>
+              <a:buChar char="Ø"/>
+            </a:pPr>
+            <a:r>
+              <a:rPr kumimoji="0" lang="en-US" altLang="en-US" sz="1200" b="1" i="0" u="none" strike="noStrike" cap="none" normalizeH="0" baseline="0" dirty="0">
+                <a:ln>
+                  <a:noFill/>
+                </a:ln>
+                <a:solidFill>
+                  <a:schemeClr val="tx1"/>
+                </a:solidFill>
+                <a:effectLst/>
+                <a:latin typeface="+mn-lt"/>
+              </a:rPr>
+              <a:t>Standardized Analysis:</a:t>
+            </a:r>
+            <a:r>
+              <a:rPr kumimoji="0" lang="en-US" altLang="en-US" sz="1200" b="0" i="0" u="none" strike="noStrike" cap="none" normalizeH="0" baseline="0" dirty="0">
+                <a:ln>
+                  <a:noFill/>
+                </a:ln>
+                <a:solidFill>
+                  <a:schemeClr val="tx1"/>
+                </a:solidFill>
+                <a:effectLst/>
+                <a:latin typeface="+mn-lt"/>
+              </a:rPr>
+              <a:t> The </a:t>
+            </a:r>
+            <a:r>
+              <a:rPr kumimoji="0" lang="en-US" altLang="en-US" sz="1200" b="1" i="0" u="none" strike="noStrike" cap="none" normalizeH="0" baseline="0" dirty="0">
+                <a:ln>
+                  <a:noFill/>
+                </a:ln>
+                <a:solidFill>
+                  <a:schemeClr val="tx1"/>
+                </a:solidFill>
+                <a:effectLst/>
+                <a:latin typeface="+mn-lt"/>
+              </a:rPr>
+              <a:t>Data Analysis Agent</a:t>
+            </a:r>
+            <a:r>
+              <a:rPr kumimoji="0" lang="en-US" altLang="en-US" sz="1200" b="0" i="0" u="none" strike="noStrike" cap="none" normalizeH="0" baseline="0" dirty="0">
+                <a:ln>
+                  <a:noFill/>
+                </a:ln>
+                <a:solidFill>
+                  <a:schemeClr val="tx1"/>
+                </a:solidFill>
+                <a:effectLst/>
+                <a:latin typeface="+mn-lt"/>
+              </a:rPr>
+              <a:t> uses the clinical standard </a:t>
+            </a:r>
+            <a:r>
+              <a:rPr kumimoji="0" lang="en-US" altLang="en-US" sz="1200" b="1" i="0" u="none" strike="noStrike" cap="none" normalizeH="0" baseline="0" dirty="0">
+                <a:ln>
+                  <a:noFill/>
+                </a:ln>
+                <a:solidFill>
+                  <a:schemeClr val="tx1"/>
+                </a:solidFill>
+                <a:effectLst/>
+                <a:latin typeface="+mn-lt"/>
+              </a:rPr>
+              <a:t>Proportion of Days Covered (PDC)</a:t>
+            </a:r>
+            <a:r>
+              <a:rPr kumimoji="0" lang="en-US" altLang="en-US" sz="1200" b="0" i="0" u="none" strike="noStrike" cap="none" normalizeH="0" baseline="0" dirty="0">
+                <a:ln>
+                  <a:noFill/>
+                </a:ln>
+                <a:solidFill>
+                  <a:schemeClr val="tx1"/>
+                </a:solidFill>
+                <a:effectLst/>
+                <a:latin typeface="+mn-lt"/>
+              </a:rPr>
+              <a:t> formula to provide quantitative validity to the adherence scores.</a:t>
+            </a:r>
+          </a:p>
+          <a:p>
+            <a:pPr marL="171450" lvl="8" indent="-171450" algn="just" eaLnBrk="0" fontAlgn="base" hangingPunct="0">
+              <a:lnSpc>
+                <a:spcPct val="150000"/>
+              </a:lnSpc>
+              <a:spcBef>
+                <a:spcPct val="0"/>
+              </a:spcBef>
+              <a:spcAft>
+                <a:spcPct val="0"/>
+              </a:spcAft>
+              <a:buClrTx/>
+              <a:buFont typeface="Wingdings" panose="05000000000000000000" pitchFamily="2" charset="2"/>
+              <a:buChar char="Ø"/>
+            </a:pPr>
+            <a:r>
+              <a:rPr kumimoji="0" lang="en-US" altLang="en-US" sz="1200" b="0" i="0" u="none" strike="noStrike" cap="none" normalizeH="0" baseline="0" dirty="0">
+                <a:ln>
+                  <a:noFill/>
+                </a:ln>
+                <a:solidFill>
+                  <a:schemeClr val="tx1"/>
+                </a:solidFill>
+                <a:effectLst/>
+                <a:latin typeface="+mn-lt"/>
+              </a:rPr>
+              <a:t>PDC = Total days medication was on hand / Total days in the period</a:t>
+            </a:r>
+          </a:p>
+          <a:p>
+            <a:pPr marL="0" marR="0" lvl="0" indent="0" algn="just" defTabSz="914400" rtl="0" eaLnBrk="0" fontAlgn="base" latinLnBrk="0" hangingPunct="0">
+              <a:lnSpc>
+                <a:spcPct val="150000"/>
+              </a:lnSpc>
+              <a:spcBef>
+                <a:spcPct val="0"/>
+              </a:spcBef>
+              <a:spcAft>
+                <a:spcPct val="0"/>
+              </a:spcAft>
+              <a:buClrTx/>
+              <a:buSzTx/>
+              <a:buFontTx/>
+              <a:buNone/>
+              <a:tabLst/>
+            </a:pPr>
+            <a:r>
+              <a:rPr kumimoji="0" lang="en-US" altLang="en-US" sz="1600" b="1" i="0" u="none" strike="noStrike" cap="none" normalizeH="0" baseline="0" dirty="0">
+                <a:ln>
+                  <a:noFill/>
+                </a:ln>
+                <a:solidFill>
+                  <a:schemeClr val="tx1"/>
+                </a:solidFill>
+                <a:effectLst/>
+                <a:latin typeface="+mn-lt"/>
+              </a:rPr>
+              <a:t>3. Safety &amp; Ethics via Granite Guardian 3.0</a:t>
+            </a:r>
+            <a:endParaRPr kumimoji="0" lang="en-US" altLang="en-US" sz="1600" b="0" i="0" u="none" strike="noStrike" cap="none" normalizeH="0" baseline="0" dirty="0">
+              <a:ln>
+                <a:noFill/>
+              </a:ln>
+              <a:solidFill>
+                <a:schemeClr val="tx1"/>
+              </a:solidFill>
+              <a:effectLst/>
+              <a:latin typeface="+mn-lt"/>
+            </a:endParaRPr>
+          </a:p>
+          <a:p>
+            <a:pPr marL="171450" marR="0" lvl="0" indent="-171450" algn="just" defTabSz="914400" rtl="0" eaLnBrk="0" fontAlgn="base" latinLnBrk="0" hangingPunct="0">
+              <a:lnSpc>
+                <a:spcPct val="150000"/>
+              </a:lnSpc>
+              <a:spcBef>
+                <a:spcPct val="0"/>
+              </a:spcBef>
+              <a:spcAft>
+                <a:spcPct val="0"/>
+              </a:spcAft>
+              <a:buClrTx/>
+              <a:buSzTx/>
+              <a:buFont typeface="Wingdings" panose="05000000000000000000" pitchFamily="2" charset="2"/>
+              <a:buChar char="Ø"/>
+              <a:tabLst/>
+            </a:pPr>
+            <a:r>
+              <a:rPr kumimoji="0" lang="en-US" altLang="en-US" sz="1200" b="1" i="0" u="none" strike="noStrike" cap="none" normalizeH="0" baseline="0" dirty="0">
+                <a:ln>
+                  <a:noFill/>
+                </a:ln>
+                <a:solidFill>
+                  <a:schemeClr val="tx1"/>
+                </a:solidFill>
+                <a:effectLst/>
+                <a:latin typeface="+mn-lt"/>
+              </a:rPr>
+              <a:t>Hallucination Protection:</a:t>
+            </a:r>
+            <a:r>
+              <a:rPr kumimoji="0" lang="en-US" altLang="en-US" sz="1200" b="0" i="0" u="none" strike="noStrike" cap="none" normalizeH="0" baseline="0" dirty="0">
+                <a:ln>
+                  <a:noFill/>
+                </a:ln>
+                <a:solidFill>
+                  <a:schemeClr val="tx1"/>
+                </a:solidFill>
+                <a:effectLst/>
+                <a:latin typeface="+mn-lt"/>
+              </a:rPr>
+              <a:t> Every generated email and advisory is passed through </a:t>
+            </a:r>
+            <a:r>
+              <a:rPr kumimoji="0" lang="en-US" altLang="en-US" sz="1200" b="1" i="0" u="none" strike="noStrike" cap="none" normalizeH="0" baseline="0" dirty="0">
+                <a:ln>
+                  <a:noFill/>
+                </a:ln>
+                <a:solidFill>
+                  <a:schemeClr val="tx1"/>
+                </a:solidFill>
+                <a:effectLst/>
+                <a:latin typeface="+mn-lt"/>
+              </a:rPr>
+              <a:t>Granite Guardian 3.0</a:t>
+            </a:r>
+            <a:r>
+              <a:rPr kumimoji="0" lang="en-US" altLang="en-US" sz="1200" b="0" i="0" u="none" strike="noStrike" cap="none" normalizeH="0" baseline="0" dirty="0">
+                <a:ln>
+                  <a:noFill/>
+                </a:ln>
+                <a:solidFill>
+                  <a:schemeClr val="tx1"/>
+                </a:solidFill>
+                <a:effectLst/>
+                <a:latin typeface="+mn-lt"/>
+              </a:rPr>
+              <a:t> to ensure 100% "Answer Faithfulness" against the medical knowledge base. </a:t>
+            </a:r>
+          </a:p>
+          <a:p>
+            <a:pPr marL="171450" marR="0" lvl="0" indent="-171450" algn="just" defTabSz="914400" rtl="0" eaLnBrk="0" fontAlgn="base" latinLnBrk="0" hangingPunct="0">
+              <a:lnSpc>
+                <a:spcPct val="150000"/>
+              </a:lnSpc>
+              <a:spcBef>
+                <a:spcPct val="0"/>
+              </a:spcBef>
+              <a:spcAft>
+                <a:spcPct val="0"/>
+              </a:spcAft>
+              <a:buClrTx/>
+              <a:buSzTx/>
+              <a:buFont typeface="Wingdings" panose="05000000000000000000" pitchFamily="2" charset="2"/>
+              <a:buChar char="Ø"/>
+              <a:tabLst/>
+            </a:pPr>
+            <a:r>
+              <a:rPr kumimoji="0" lang="en-US" altLang="en-US" sz="1200" b="1" i="0" u="none" strike="noStrike" cap="none" normalizeH="0" baseline="0" dirty="0">
+                <a:ln>
+                  <a:noFill/>
+                </a:ln>
+                <a:solidFill>
+                  <a:schemeClr val="tx1"/>
+                </a:solidFill>
+                <a:effectLst/>
+                <a:latin typeface="+mn-lt"/>
+              </a:rPr>
+              <a:t>Regulatory Compliance:</a:t>
+            </a:r>
+            <a:r>
+              <a:rPr kumimoji="0" lang="en-US" altLang="en-US" sz="1200" b="0" i="0" u="none" strike="noStrike" cap="none" normalizeH="0" baseline="0" dirty="0">
+                <a:ln>
+                  <a:noFill/>
+                </a:ln>
+                <a:solidFill>
+                  <a:schemeClr val="tx1"/>
+                </a:solidFill>
+                <a:effectLst/>
+                <a:latin typeface="+mn-lt"/>
+              </a:rPr>
+              <a:t> Built with </a:t>
+            </a:r>
+            <a:r>
+              <a:rPr kumimoji="0" lang="en-US" altLang="en-US" sz="1200" b="1" i="0" u="none" strike="noStrike" cap="none" normalizeH="0" baseline="0" dirty="0">
+                <a:ln>
+                  <a:noFill/>
+                </a:ln>
+                <a:solidFill>
+                  <a:schemeClr val="tx1"/>
+                </a:solidFill>
+                <a:effectLst/>
+                <a:latin typeface="+mn-lt"/>
+              </a:rPr>
+              <a:t>Privacy-by-Design</a:t>
+            </a:r>
+            <a:r>
+              <a:rPr kumimoji="0" lang="en-US" altLang="en-US" sz="1200" b="0" i="0" u="none" strike="noStrike" cap="none" normalizeH="0" baseline="0" dirty="0">
+                <a:ln>
+                  <a:noFill/>
+                </a:ln>
+                <a:solidFill>
+                  <a:schemeClr val="tx1"/>
+                </a:solidFill>
+                <a:effectLst/>
+                <a:latin typeface="+mn-lt"/>
+              </a:rPr>
+              <a:t> to ensure patient health data is handled safely, following non-diagnostic, "assistive-only" healthcare standards.</a:t>
+            </a:r>
+          </a:p>
+          <a:p>
+            <a:pPr marL="0" marR="0" lvl="0" indent="0" algn="just" defTabSz="914400" rtl="0" eaLnBrk="0" fontAlgn="base" latinLnBrk="0" hangingPunct="0">
+              <a:lnSpc>
+                <a:spcPct val="150000"/>
+              </a:lnSpc>
+              <a:spcBef>
+                <a:spcPct val="0"/>
+              </a:spcBef>
+              <a:spcAft>
+                <a:spcPct val="0"/>
+              </a:spcAft>
+              <a:buClrTx/>
+              <a:buSzTx/>
+              <a:buFontTx/>
+              <a:buNone/>
+              <a:tabLst/>
+            </a:pPr>
+            <a:r>
+              <a:rPr kumimoji="0" lang="en-US" altLang="en-US" sz="1600" b="1" i="0" u="none" strike="noStrike" cap="none" normalizeH="0" baseline="0" dirty="0">
+                <a:ln>
+                  <a:noFill/>
+                </a:ln>
+                <a:solidFill>
+                  <a:schemeClr val="tx1"/>
+                </a:solidFill>
+                <a:effectLst/>
+                <a:latin typeface="+mn-lt"/>
+              </a:rPr>
+              <a:t>4. Behavioral Science: Nudge Theory &amp; Habit Linking</a:t>
+            </a:r>
+            <a:endParaRPr kumimoji="0" lang="en-US" altLang="en-US" sz="1600" b="0" i="0" u="none" strike="noStrike" cap="none" normalizeH="0" baseline="0" dirty="0">
+              <a:ln>
+                <a:noFill/>
+              </a:ln>
+              <a:solidFill>
+                <a:schemeClr val="tx1"/>
+              </a:solidFill>
+              <a:effectLst/>
+              <a:latin typeface="+mn-lt"/>
+            </a:endParaRPr>
+          </a:p>
+          <a:p>
+            <a:pPr marL="171450" marR="0" lvl="0" indent="-171450" algn="just" defTabSz="914400" rtl="0" eaLnBrk="0" fontAlgn="base" latinLnBrk="0" hangingPunct="0">
+              <a:lnSpc>
+                <a:spcPct val="150000"/>
+              </a:lnSpc>
+              <a:spcBef>
+                <a:spcPct val="0"/>
+              </a:spcBef>
+              <a:spcAft>
+                <a:spcPct val="0"/>
+              </a:spcAft>
+              <a:buClrTx/>
+              <a:buSzTx/>
+              <a:buFont typeface="Wingdings" panose="05000000000000000000" pitchFamily="2" charset="2"/>
+              <a:buChar char="Ø"/>
+              <a:tabLst/>
+            </a:pPr>
+            <a:r>
+              <a:rPr kumimoji="0" lang="en-US" altLang="en-US" sz="1200" b="1" i="0" u="none" strike="noStrike" cap="none" normalizeH="0" baseline="0" dirty="0">
+                <a:ln>
+                  <a:noFill/>
+                </a:ln>
+                <a:solidFill>
+                  <a:schemeClr val="tx1"/>
+                </a:solidFill>
+                <a:effectLst/>
+                <a:latin typeface="+mn-lt"/>
+              </a:rPr>
+              <a:t>Personalized Psychology:</a:t>
+            </a:r>
+            <a:r>
+              <a:rPr kumimoji="0" lang="en-US" altLang="en-US" sz="1200" b="0" i="0" u="none" strike="noStrike" cap="none" normalizeH="0" baseline="0" dirty="0">
+                <a:ln>
+                  <a:noFill/>
+                </a:ln>
+                <a:solidFill>
+                  <a:schemeClr val="tx1"/>
+                </a:solidFill>
+                <a:effectLst/>
+                <a:latin typeface="+mn-lt"/>
+              </a:rPr>
+              <a:t> Grounded in </a:t>
+            </a:r>
+            <a:r>
+              <a:rPr kumimoji="0" lang="en-US" altLang="en-US" sz="1200" b="1" i="0" u="none" strike="noStrike" cap="none" normalizeH="0" baseline="0" dirty="0">
+                <a:ln>
+                  <a:noFill/>
+                </a:ln>
+                <a:solidFill>
+                  <a:schemeClr val="tx1"/>
+                </a:solidFill>
+                <a:effectLst/>
+                <a:latin typeface="+mn-lt"/>
+              </a:rPr>
+              <a:t>Behavioral Tailoring</a:t>
+            </a:r>
+            <a:r>
+              <a:rPr kumimoji="0" lang="en-US" altLang="en-US" sz="1200" b="0" i="0" u="none" strike="noStrike" cap="none" normalizeH="0" baseline="0" dirty="0">
+                <a:ln>
+                  <a:noFill/>
+                </a:ln>
+                <a:solidFill>
+                  <a:schemeClr val="tx1"/>
+                </a:solidFill>
+                <a:effectLst/>
+                <a:latin typeface="+mn-lt"/>
+              </a:rPr>
+              <a:t> research, the </a:t>
+            </a:r>
+            <a:r>
+              <a:rPr kumimoji="0" lang="en-US" altLang="en-US" sz="1200" b="1" i="0" u="none" strike="noStrike" cap="none" normalizeH="0" baseline="0" dirty="0">
+                <a:ln>
+                  <a:noFill/>
+                </a:ln>
+                <a:solidFill>
+                  <a:schemeClr val="tx1"/>
+                </a:solidFill>
+                <a:effectLst/>
+                <a:latin typeface="+mn-lt"/>
+              </a:rPr>
+              <a:t>Advisory Assistant</a:t>
+            </a:r>
+            <a:r>
+              <a:rPr kumimoji="0" lang="en-US" altLang="en-US" sz="1200" b="0" i="0" u="none" strike="noStrike" cap="none" normalizeH="0" baseline="0" dirty="0">
+                <a:ln>
+                  <a:noFill/>
+                </a:ln>
+                <a:solidFill>
+                  <a:schemeClr val="tx1"/>
+                </a:solidFill>
+                <a:effectLst/>
+                <a:latin typeface="+mn-lt"/>
+              </a:rPr>
+              <a:t> doesn't send generic alerts; it suggests "habit-linking" techniques (e.g., "Take your dose with your morning tea") proven to form long-term adherence.</a:t>
+            </a:r>
+          </a:p>
+          <a:p>
+            <a:pPr marL="0" marR="0" lvl="0" indent="0" algn="just" defTabSz="914400" rtl="0" eaLnBrk="0" fontAlgn="base" latinLnBrk="0" hangingPunct="0">
+              <a:lnSpc>
+                <a:spcPct val="150000"/>
+              </a:lnSpc>
+              <a:spcBef>
+                <a:spcPct val="0"/>
+              </a:spcBef>
+              <a:spcAft>
+                <a:spcPct val="0"/>
+              </a:spcAft>
+              <a:buClrTx/>
+              <a:buSzTx/>
+              <a:buFontTx/>
+              <a:buNone/>
+              <a:tabLst/>
+            </a:pPr>
+            <a:r>
+              <a:rPr kumimoji="0" lang="en-US" altLang="en-US" sz="1600" b="1" i="0" u="none" strike="noStrike" cap="none" normalizeH="0" baseline="0" dirty="0">
+                <a:ln>
+                  <a:noFill/>
+                </a:ln>
+                <a:solidFill>
+                  <a:schemeClr val="tx1"/>
+                </a:solidFill>
+                <a:effectLst/>
+                <a:latin typeface="+mn-lt"/>
+              </a:rPr>
+              <a:t>5. Multi-Agent Orchestration Synergy</a:t>
+            </a:r>
+            <a:endParaRPr kumimoji="0" lang="en-US" altLang="en-US" sz="1600" b="0" i="0" u="none" strike="noStrike" cap="none" normalizeH="0" baseline="0" dirty="0">
+              <a:ln>
+                <a:noFill/>
+              </a:ln>
+              <a:solidFill>
+                <a:schemeClr val="tx1"/>
+              </a:solidFill>
+              <a:effectLst/>
+              <a:latin typeface="+mn-lt"/>
+            </a:endParaRPr>
+          </a:p>
+          <a:p>
+            <a:pPr marL="171450" marR="0" lvl="0" indent="-171450" algn="just" defTabSz="914400" rtl="0" eaLnBrk="0" fontAlgn="base" latinLnBrk="0" hangingPunct="0">
+              <a:lnSpc>
+                <a:spcPct val="150000"/>
+              </a:lnSpc>
+              <a:spcBef>
+                <a:spcPct val="0"/>
+              </a:spcBef>
+              <a:spcAft>
+                <a:spcPct val="0"/>
+              </a:spcAft>
+              <a:buClrTx/>
+              <a:buSzTx/>
+              <a:buFont typeface="Wingdings" panose="05000000000000000000" pitchFamily="2" charset="2"/>
+              <a:buChar char="Ø"/>
+              <a:tabLst/>
+            </a:pPr>
+            <a:r>
+              <a:rPr kumimoji="0" lang="en-US" altLang="en-US" sz="1200" b="1" i="0" u="none" strike="noStrike" cap="none" normalizeH="0" baseline="0" dirty="0">
+                <a:ln>
+                  <a:noFill/>
+                </a:ln>
+                <a:solidFill>
+                  <a:schemeClr val="tx1"/>
+                </a:solidFill>
+                <a:effectLst/>
+                <a:latin typeface="+mn-lt"/>
+              </a:rPr>
+              <a:t>Beyond Linear RAG:</a:t>
+            </a:r>
+            <a:r>
+              <a:rPr kumimoji="0" lang="en-US" altLang="en-US" sz="1200" b="0" i="0" u="none" strike="noStrike" cap="none" normalizeH="0" baseline="0" dirty="0">
+                <a:ln>
+                  <a:noFill/>
+                </a:ln>
+                <a:solidFill>
+                  <a:schemeClr val="tx1"/>
+                </a:solidFill>
+                <a:effectLst/>
+                <a:latin typeface="+mn-lt"/>
+              </a:rPr>
+              <a:t> Unlike traditional RAG, our Langflow architecture uses </a:t>
+            </a:r>
+            <a:r>
+              <a:rPr kumimoji="0" lang="en-US" altLang="en-US" sz="1200" b="1" i="0" u="none" strike="noStrike" cap="none" normalizeH="0" baseline="0" dirty="0">
+                <a:ln>
+                  <a:noFill/>
+                </a:ln>
+                <a:solidFill>
+                  <a:schemeClr val="tx1"/>
+                </a:solidFill>
+                <a:effectLst/>
+                <a:latin typeface="+mn-lt"/>
+              </a:rPr>
+              <a:t>Agentic Reasoning (</a:t>
+            </a:r>
+            <a:r>
+              <a:rPr kumimoji="0" lang="en-US" altLang="en-US" sz="1200" b="1" i="0" u="none" strike="noStrike" cap="none" normalizeH="0" baseline="0" dirty="0" err="1">
+                <a:ln>
+                  <a:noFill/>
+                </a:ln>
+                <a:solidFill>
+                  <a:schemeClr val="tx1"/>
+                </a:solidFill>
+                <a:effectLst/>
+                <a:latin typeface="+mn-lt"/>
+              </a:rPr>
+              <a:t>ReACT</a:t>
+            </a:r>
+            <a:r>
+              <a:rPr kumimoji="0" lang="en-US" altLang="en-US" sz="1200" b="1" i="0" u="none" strike="noStrike" cap="none" normalizeH="0" baseline="0" dirty="0">
+                <a:ln>
+                  <a:noFill/>
+                </a:ln>
+                <a:solidFill>
+                  <a:schemeClr val="tx1"/>
+                </a:solidFill>
+                <a:effectLst/>
+                <a:latin typeface="+mn-lt"/>
+              </a:rPr>
+              <a:t> Prompting)</a:t>
+            </a:r>
+            <a:r>
+              <a:rPr kumimoji="0" lang="en-US" altLang="en-US" sz="1200" b="0" i="0" u="none" strike="noStrike" cap="none" normalizeH="0" baseline="0" dirty="0">
+                <a:ln>
+                  <a:noFill/>
+                </a:ln>
+                <a:solidFill>
+                  <a:schemeClr val="tx1"/>
+                </a:solidFill>
+                <a:effectLst/>
+                <a:latin typeface="+mn-lt"/>
+              </a:rPr>
+              <a:t>, where agents collaboratively decide when to use specific tools (Calculators vs. Search vs. Email) to solve the patient's goal.</a:t>
+            </a:r>
+          </a:p>
+          <a:p>
+            <a:pPr marL="0" marR="0" lvl="0" indent="0" algn="just" defTabSz="914400" rtl="0" eaLnBrk="0" fontAlgn="base" latinLnBrk="0" hangingPunct="0">
+              <a:lnSpc>
+                <a:spcPct val="150000"/>
+              </a:lnSpc>
+              <a:spcBef>
+                <a:spcPct val="0"/>
+              </a:spcBef>
+              <a:spcAft>
+                <a:spcPct val="0"/>
+              </a:spcAft>
+              <a:buClrTx/>
+              <a:buSzTx/>
+              <a:buFontTx/>
+              <a:buNone/>
+              <a:tabLst/>
+            </a:pPr>
+            <a:endParaRPr kumimoji="0" lang="en-US" altLang="en-US" sz="1200" b="0" i="0" u="none" strike="noStrike" cap="none" normalizeH="0" baseline="0" dirty="0">
+              <a:ln>
+                <a:noFill/>
+              </a:ln>
+              <a:solidFill>
+                <a:schemeClr val="tx1"/>
+              </a:solidFill>
+              <a:effectLst/>
+              <a:latin typeface="+mn-lt"/>
+            </a:endParaRPr>
+          </a:p>
+        </p:txBody>
+      </p:sp>
+    </p:spTree>
+    <p:extLst>
+      <p:ext uri="{BB962C8B-B14F-4D97-AF65-F5344CB8AC3E}">
+        <p14:creationId xmlns:p14="http://schemas.microsoft.com/office/powerpoint/2010/main" val="2621488764"/>
+      </p:ext>
+    </p:extLst>
+  </p:cSld>
+  <p:clrMapOvr>
+    <a:masterClrMapping/>
+  </p:clrMapOvr>
+</p:sld>
+</file>
+
+<file path=ppt/slides/slide21.xml><?xml version="1.0" encoding="utf-8"?>
+<p:sld xmlns:a="http://schemas.openxmlformats.org/drawingml/2006/main" xmlns:r="http://schemas.openxmlformats.org/officeDocument/2006/relationships" xmlns:p="http://schemas.openxmlformats.org/presentationml/2006/main">
+  <p:cSld>
+    <p:spTree>
+      <p:nvGrpSpPr>
         <p:cNvPr id="1" name="Shape 274">
           <a:extLst>
             <a:ext uri="{FF2B5EF4-FFF2-40B4-BE49-F238E27FC236}">
-              <a16:creationId xmlns:a16="http://schemas.microsoft.com/office/drawing/2014/main" xmlns="" id="{FECD098C-4ECF-993B-66E2-9989F83F62D9}"/>
+              <a16:creationId xmlns:a16="http://schemas.microsoft.com/office/drawing/2014/main" id="{6FA0F82B-7EE5-EAB0-F470-130BDAC8254B}"/>
             </a:ext>
           </a:extLst>
         </p:cNvPr>
@@ -17313,7 +17546,7 @@
           <p:cNvPr id="278" name="Google Shape;278;p18">
             <a:extLst>
               <a:ext uri="{FF2B5EF4-FFF2-40B4-BE49-F238E27FC236}">
-                <a16:creationId xmlns:a16="http://schemas.microsoft.com/office/drawing/2014/main" xmlns="" id="{7BDA5ADF-C9A0-CA5D-844A-6AC3872A0D8C}"/>
+                <a16:creationId xmlns:a16="http://schemas.microsoft.com/office/drawing/2014/main" id="{0668C6FD-577A-7288-5642-1AFC22BD04F2}"/>
               </a:ext>
             </a:extLst>
           </p:cNvPr>
@@ -17339,6 +17572,602 @@
           </a:bodyPr>
           <a:lstStyle/>
           <a:p>
+            <a:pPr marL="0" marR="0" lvl="0" indent="0" algn="l" rtl="0">
+              <a:lnSpc>
+                <a:spcPct val="157142"/>
+              </a:lnSpc>
+              <a:spcBef>
+                <a:spcPts val="0"/>
+              </a:spcBef>
+              <a:spcAft>
+                <a:spcPts val="0"/>
+              </a:spcAft>
+              <a:buClr>
+                <a:srgbClr val="051D3A"/>
+              </a:buClr>
+              <a:buSzPts val="3500"/>
+              <a:buFont typeface="Times New Roman"/>
+              <a:buNone/>
+            </a:pPr>
+            <a:r>
+              <a:rPr lang="en-US" sz="3500" b="1" i="0" u="none" strike="noStrike" cap="none" dirty="0">
+                <a:solidFill>
+                  <a:srgbClr val="051D3A"/>
+                </a:solidFill>
+                <a:latin typeface="Times New Roman"/>
+                <a:ea typeface="Times New Roman"/>
+                <a:cs typeface="Times New Roman"/>
+                <a:sym typeface="Times New Roman"/>
+              </a:rPr>
+              <a:t>Future Scope </a:t>
+            </a:r>
+            <a:endParaRPr sz="3500" b="1" i="0" u="none" strike="noStrike" cap="none" dirty="0">
+              <a:solidFill>
+                <a:srgbClr val="000000"/>
+              </a:solidFill>
+              <a:latin typeface="Times New Roman"/>
+              <a:ea typeface="Times New Roman"/>
+              <a:cs typeface="Times New Roman"/>
+              <a:sym typeface="Times New Roman"/>
+            </a:endParaRPr>
+          </a:p>
+        </p:txBody>
+      </p:sp>
+      <p:sp>
+        <p:nvSpPr>
+          <p:cNvPr id="279" name="Google Shape;279;p18">
+            <a:extLst>
+              <a:ext uri="{FF2B5EF4-FFF2-40B4-BE49-F238E27FC236}">
+                <a16:creationId xmlns:a16="http://schemas.microsoft.com/office/drawing/2014/main" id="{EAFA16CB-0A72-5AC5-69A0-ABF4A752B43F}"/>
+              </a:ext>
+            </a:extLst>
+          </p:cNvPr>
+          <p:cNvSpPr/>
+          <p:nvPr/>
+        </p:nvSpPr>
+        <p:spPr>
+          <a:xfrm>
+            <a:off x="1282732" y="1393948"/>
+            <a:ext cx="9214580" cy="2729320"/>
+          </a:xfrm>
+          <a:prstGeom prst="rect">
+            <a:avLst/>
+          </a:prstGeom>
+          <a:noFill/>
+          <a:ln>
+            <a:noFill/>
+          </a:ln>
+        </p:spPr>
+        <p:txBody>
+          <a:bodyPr spcFirstLastPara="1" wrap="square" lIns="0" tIns="0" rIns="0" bIns="0" anchor="t" anchorCtr="0">
+            <a:noAutofit/>
+          </a:bodyPr>
+          <a:lstStyle/>
+          <a:p>
+            <a:pPr marL="342900" lvl="0" indent="-342900">
+              <a:buClr>
+                <a:srgbClr val="2B3541"/>
+              </a:buClr>
+              <a:buSzPts val="1850"/>
+              <a:buFont typeface="Arial" panose="020B0604020202020204" pitchFamily="34" charset="0"/>
+              <a:buChar char="•"/>
+            </a:pPr>
+            <a:r>
+              <a:rPr lang="en-US" sz="1850" dirty="0">
+                <a:solidFill>
+                  <a:srgbClr val="2B3541"/>
+                </a:solidFill>
+                <a:latin typeface="Times New Roman"/>
+                <a:ea typeface="Times New Roman"/>
+                <a:cs typeface="Times New Roman"/>
+                <a:sym typeface="Times New Roman"/>
+              </a:rPr>
+              <a:t>SMS / WhatsApp notifications</a:t>
+            </a:r>
+          </a:p>
+          <a:p>
+            <a:pPr marL="342900" lvl="0" indent="-342900">
+              <a:buClr>
+                <a:srgbClr val="2B3541"/>
+              </a:buClr>
+              <a:buSzPts val="1850"/>
+              <a:buFont typeface="Arial" panose="020B0604020202020204" pitchFamily="34" charset="0"/>
+              <a:buChar char="•"/>
+            </a:pPr>
+            <a:endParaRPr lang="en-US" sz="1850" dirty="0">
+              <a:solidFill>
+                <a:srgbClr val="2B3541"/>
+              </a:solidFill>
+              <a:latin typeface="Times New Roman"/>
+              <a:ea typeface="Times New Roman"/>
+              <a:cs typeface="Times New Roman"/>
+              <a:sym typeface="Times New Roman"/>
+            </a:endParaRPr>
+          </a:p>
+          <a:p>
+            <a:pPr marL="342900" lvl="0" indent="-342900">
+              <a:buClr>
+                <a:srgbClr val="2B3541"/>
+              </a:buClr>
+              <a:buSzPts val="1850"/>
+              <a:buFont typeface="Arial" panose="020B0604020202020204" pitchFamily="34" charset="0"/>
+              <a:buChar char="•"/>
+            </a:pPr>
+            <a:r>
+              <a:rPr lang="en-US" sz="1850" dirty="0">
+                <a:solidFill>
+                  <a:srgbClr val="2B3541"/>
+                </a:solidFill>
+                <a:latin typeface="Times New Roman"/>
+                <a:ea typeface="Times New Roman"/>
+                <a:cs typeface="Times New Roman"/>
+                <a:sym typeface="Times New Roman"/>
+              </a:rPr>
+              <a:t>Doctor &amp; caregiver alerts</a:t>
+            </a:r>
+          </a:p>
+          <a:p>
+            <a:pPr marL="342900" lvl="0" indent="-342900">
+              <a:buClr>
+                <a:srgbClr val="2B3541"/>
+              </a:buClr>
+              <a:buSzPts val="1850"/>
+              <a:buFont typeface="Arial" panose="020B0604020202020204" pitchFamily="34" charset="0"/>
+              <a:buChar char="•"/>
+            </a:pPr>
+            <a:endParaRPr lang="en-US" sz="1850" dirty="0">
+              <a:solidFill>
+                <a:srgbClr val="2B3541"/>
+              </a:solidFill>
+              <a:latin typeface="Times New Roman"/>
+              <a:ea typeface="Times New Roman"/>
+              <a:cs typeface="Times New Roman"/>
+              <a:sym typeface="Times New Roman"/>
+            </a:endParaRPr>
+          </a:p>
+          <a:p>
+            <a:pPr marL="342900" lvl="0" indent="-342900">
+              <a:buClr>
+                <a:srgbClr val="2B3541"/>
+              </a:buClr>
+              <a:buSzPts val="1850"/>
+              <a:buFont typeface="Arial" panose="020B0604020202020204" pitchFamily="34" charset="0"/>
+              <a:buChar char="•"/>
+            </a:pPr>
+            <a:r>
+              <a:rPr lang="en-US" sz="1850" dirty="0">
+                <a:solidFill>
+                  <a:srgbClr val="2B3541"/>
+                </a:solidFill>
+                <a:latin typeface="Times New Roman"/>
+                <a:ea typeface="Times New Roman"/>
+                <a:cs typeface="Times New Roman"/>
+                <a:sym typeface="Times New Roman"/>
+              </a:rPr>
+              <a:t>Adaptive reminder scheduling</a:t>
+            </a:r>
+          </a:p>
+          <a:p>
+            <a:pPr marL="342900" lvl="0" indent="-342900">
+              <a:buClr>
+                <a:srgbClr val="2B3541"/>
+              </a:buClr>
+              <a:buSzPts val="1850"/>
+              <a:buFont typeface="Arial" panose="020B0604020202020204" pitchFamily="34" charset="0"/>
+              <a:buChar char="•"/>
+            </a:pPr>
+            <a:endParaRPr lang="en-US" sz="1850" dirty="0">
+              <a:solidFill>
+                <a:srgbClr val="2B3541"/>
+              </a:solidFill>
+              <a:latin typeface="Times New Roman"/>
+              <a:ea typeface="Times New Roman"/>
+              <a:cs typeface="Times New Roman"/>
+              <a:sym typeface="Times New Roman"/>
+            </a:endParaRPr>
+          </a:p>
+          <a:p>
+            <a:pPr marL="342900" lvl="0" indent="-342900">
+              <a:buClr>
+                <a:srgbClr val="2B3541"/>
+              </a:buClr>
+              <a:buSzPts val="1850"/>
+              <a:buFont typeface="Arial" panose="020B0604020202020204" pitchFamily="34" charset="0"/>
+              <a:buChar char="•"/>
+            </a:pPr>
+            <a:r>
+              <a:rPr lang="en-US" sz="1850" dirty="0">
+                <a:solidFill>
+                  <a:srgbClr val="2B3541"/>
+                </a:solidFill>
+                <a:latin typeface="Times New Roman"/>
+                <a:ea typeface="Times New Roman"/>
+                <a:cs typeface="Times New Roman"/>
+                <a:sym typeface="Times New Roman"/>
+              </a:rPr>
+              <a:t>Integration with hospital EMR systems</a:t>
+            </a:r>
+          </a:p>
+          <a:p>
+            <a:pPr marL="342900" lvl="0" indent="-342900">
+              <a:buClr>
+                <a:srgbClr val="2B3541"/>
+              </a:buClr>
+              <a:buSzPts val="1850"/>
+              <a:buFont typeface="Arial" panose="020B0604020202020204" pitchFamily="34" charset="0"/>
+              <a:buChar char="•"/>
+            </a:pPr>
+            <a:endParaRPr lang="en-US" sz="1850" dirty="0">
+              <a:solidFill>
+                <a:srgbClr val="2B3541"/>
+              </a:solidFill>
+              <a:latin typeface="Times New Roman"/>
+              <a:ea typeface="Times New Roman"/>
+              <a:cs typeface="Times New Roman"/>
+              <a:sym typeface="Times New Roman"/>
+            </a:endParaRPr>
+          </a:p>
+          <a:p>
+            <a:pPr marL="342900" lvl="0" indent="-342900">
+              <a:buClr>
+                <a:srgbClr val="2B3541"/>
+              </a:buClr>
+              <a:buSzPts val="1850"/>
+              <a:buFont typeface="Arial" panose="020B0604020202020204" pitchFamily="34" charset="0"/>
+              <a:buChar char="•"/>
+            </a:pPr>
+            <a:r>
+              <a:rPr lang="en-US" sz="1850" dirty="0">
+                <a:solidFill>
+                  <a:srgbClr val="2B3541"/>
+                </a:solidFill>
+                <a:latin typeface="Times New Roman"/>
+                <a:ea typeface="Times New Roman"/>
+                <a:cs typeface="Times New Roman"/>
+                <a:sym typeface="Times New Roman"/>
+              </a:rPr>
+              <a:t>Feedback-based reminder optimization</a:t>
+            </a:r>
+            <a:r>
+              <a:rPr lang="en-US" sz="1850" b="0" i="0" u="none" strike="noStrike" cap="none" dirty="0">
+                <a:solidFill>
+                  <a:srgbClr val="2B3541"/>
+                </a:solidFill>
+                <a:latin typeface="Times New Roman"/>
+                <a:ea typeface="Times New Roman"/>
+                <a:cs typeface="Times New Roman"/>
+                <a:sym typeface="Times New Roman"/>
+              </a:rPr>
+              <a:t> </a:t>
+            </a:r>
+            <a:endParaRPr lang="en-US" sz="1850" dirty="0">
+              <a:solidFill>
+                <a:srgbClr val="2B3541"/>
+              </a:solidFill>
+              <a:latin typeface="Times New Roman"/>
+              <a:ea typeface="Times New Roman"/>
+              <a:cs typeface="Times New Roman"/>
+              <a:sym typeface="Times New Roman"/>
+            </a:endParaRPr>
+          </a:p>
+          <a:p>
+            <a:pPr marL="0" marR="0" lvl="0" indent="0" algn="l" rtl="0">
+              <a:spcBef>
+                <a:spcPts val="0"/>
+              </a:spcBef>
+              <a:spcAft>
+                <a:spcPts val="0"/>
+              </a:spcAft>
+              <a:buClr>
+                <a:srgbClr val="2B3541"/>
+              </a:buClr>
+              <a:buSzPts val="1850"/>
+              <a:buFont typeface="Times New Roman"/>
+              <a:buNone/>
+            </a:pPr>
+            <a:endParaRPr lang="en-US" sz="1850" dirty="0">
+              <a:solidFill>
+                <a:srgbClr val="2B3541"/>
+              </a:solidFill>
+              <a:latin typeface="Times New Roman"/>
+              <a:ea typeface="Times New Roman"/>
+              <a:cs typeface="Times New Roman"/>
+              <a:sym typeface="Times New Roman"/>
+            </a:endParaRPr>
+          </a:p>
+          <a:p>
+            <a:pPr marL="0" marR="0" lvl="0" indent="0" algn="l" rtl="0">
+              <a:spcBef>
+                <a:spcPts val="0"/>
+              </a:spcBef>
+              <a:spcAft>
+                <a:spcPts val="0"/>
+              </a:spcAft>
+              <a:buClr>
+                <a:srgbClr val="2B3541"/>
+              </a:buClr>
+              <a:buSzPts val="1850"/>
+              <a:buFont typeface="Times New Roman"/>
+              <a:buNone/>
+            </a:pPr>
+            <a:endParaRPr sz="1850" b="0" i="0" u="none" strike="noStrike" cap="none" dirty="0">
+              <a:solidFill>
+                <a:srgbClr val="000000"/>
+              </a:solidFill>
+              <a:latin typeface="Times New Roman"/>
+              <a:ea typeface="Times New Roman"/>
+              <a:cs typeface="Times New Roman"/>
+              <a:sym typeface="Times New Roman"/>
+            </a:endParaRPr>
+          </a:p>
+        </p:txBody>
+      </p:sp>
+      <p:pic>
+        <p:nvPicPr>
+          <p:cNvPr id="3" name="Picture 2">
+            <a:extLst>
+              <a:ext uri="{FF2B5EF4-FFF2-40B4-BE49-F238E27FC236}">
+                <a16:creationId xmlns:a16="http://schemas.microsoft.com/office/drawing/2014/main" id="{B96DCFED-2C83-7A17-CDB2-A4F4D4BBD1D5}"/>
+              </a:ext>
+            </a:extLst>
+          </p:cNvPr>
+          <p:cNvPicPr>
+            <a:picLocks noChangeAspect="1"/>
+          </p:cNvPicPr>
+          <p:nvPr/>
+        </p:nvPicPr>
+        <p:blipFill>
+          <a:blip r:embed="rId3"/>
+          <a:stretch>
+            <a:fillRect/>
+          </a:stretch>
+        </p:blipFill>
+        <p:spPr>
+          <a:xfrm>
+            <a:off x="335797" y="6315517"/>
+            <a:ext cx="11520407" cy="310052"/>
+          </a:xfrm>
+          <a:prstGeom prst="rect">
+            <a:avLst/>
+          </a:prstGeom>
+        </p:spPr>
+      </p:pic>
+      <p:sp>
+        <p:nvSpPr>
+          <p:cNvPr id="2" name="Google Shape;278;p18">
+            <a:extLst>
+              <a:ext uri="{FF2B5EF4-FFF2-40B4-BE49-F238E27FC236}">
+                <a16:creationId xmlns:a16="http://schemas.microsoft.com/office/drawing/2014/main" id="{18A8A23D-B9F2-548F-FA15-6F0668735AFA}"/>
+              </a:ext>
+            </a:extLst>
+          </p:cNvPr>
+          <p:cNvSpPr/>
+          <p:nvPr/>
+        </p:nvSpPr>
+        <p:spPr>
+          <a:xfrm>
+            <a:off x="1218724" y="4378421"/>
+            <a:ext cx="6444496" cy="704017"/>
+          </a:xfrm>
+          <a:prstGeom prst="rect">
+            <a:avLst/>
+          </a:prstGeom>
+          <a:noFill/>
+          <a:ln>
+            <a:noFill/>
+          </a:ln>
+        </p:spPr>
+        <p:txBody>
+          <a:bodyPr spcFirstLastPara="1" wrap="square" lIns="0" tIns="0" rIns="0" bIns="0" anchor="t" anchorCtr="0">
+            <a:noAutofit/>
+          </a:bodyPr>
+          <a:lstStyle/>
+          <a:p>
+            <a:pPr marL="0" marR="0" lvl="0" indent="0" algn="l" rtl="0">
+              <a:lnSpc>
+                <a:spcPct val="157142"/>
+              </a:lnSpc>
+              <a:spcBef>
+                <a:spcPts val="0"/>
+              </a:spcBef>
+              <a:spcAft>
+                <a:spcPts val="0"/>
+              </a:spcAft>
+              <a:buClr>
+                <a:srgbClr val="051D3A"/>
+              </a:buClr>
+              <a:buSzPts val="3500"/>
+              <a:buFont typeface="Times New Roman"/>
+              <a:buNone/>
+            </a:pPr>
+            <a:r>
+              <a:rPr lang="en-US" sz="3500" b="1" i="0" u="none" strike="noStrike" cap="none" dirty="0">
+                <a:solidFill>
+                  <a:srgbClr val="051D3A"/>
+                </a:solidFill>
+                <a:latin typeface="Times New Roman"/>
+                <a:ea typeface="Times New Roman"/>
+                <a:cs typeface="Times New Roman"/>
+                <a:sym typeface="Times New Roman"/>
+              </a:rPr>
+              <a:t>Git Hub Link</a:t>
+            </a:r>
+            <a:endParaRPr sz="3500" b="1" i="0" u="none" strike="noStrike" cap="none" dirty="0">
+              <a:solidFill>
+                <a:srgbClr val="000000"/>
+              </a:solidFill>
+              <a:latin typeface="Times New Roman"/>
+              <a:ea typeface="Times New Roman"/>
+              <a:cs typeface="Times New Roman"/>
+              <a:sym typeface="Times New Roman"/>
+            </a:endParaRPr>
+          </a:p>
+        </p:txBody>
+      </p:sp>
+      <p:sp>
+        <p:nvSpPr>
+          <p:cNvPr id="4" name="Google Shape;279;p18">
+            <a:extLst>
+              <a:ext uri="{FF2B5EF4-FFF2-40B4-BE49-F238E27FC236}">
+                <a16:creationId xmlns:a16="http://schemas.microsoft.com/office/drawing/2014/main" id="{CE4AA72D-B1E8-181B-5BC8-C6C966AA3684}"/>
+              </a:ext>
+            </a:extLst>
+          </p:cNvPr>
+          <p:cNvSpPr/>
+          <p:nvPr/>
+        </p:nvSpPr>
+        <p:spPr>
+          <a:xfrm>
+            <a:off x="1282732" y="5356347"/>
+            <a:ext cx="9214580" cy="4277001"/>
+          </a:xfrm>
+          <a:prstGeom prst="rect">
+            <a:avLst/>
+          </a:prstGeom>
+          <a:noFill/>
+          <a:ln>
+            <a:noFill/>
+          </a:ln>
+        </p:spPr>
+        <p:txBody>
+          <a:bodyPr spcFirstLastPara="1" wrap="square" lIns="0" tIns="0" rIns="0" bIns="0" anchor="t" anchorCtr="0">
+            <a:noAutofit/>
+          </a:bodyPr>
+          <a:lstStyle/>
+          <a:p>
+            <a:pPr lvl="0">
+              <a:lnSpc>
+                <a:spcPct val="162162"/>
+              </a:lnSpc>
+              <a:buClr>
+                <a:srgbClr val="2B3541"/>
+              </a:buClr>
+              <a:buSzPts val="1850"/>
+            </a:pPr>
+            <a:r>
+              <a:rPr lang="en-US" sz="1850" dirty="0">
+                <a:solidFill>
+                  <a:srgbClr val="2B3541"/>
+                </a:solidFill>
+                <a:latin typeface="Times New Roman"/>
+                <a:ea typeface="Times New Roman"/>
+                <a:cs typeface="Times New Roman"/>
+                <a:sym typeface="Times New Roman"/>
+                <a:hlinkClick r:id="rId4"/>
+              </a:rPr>
+              <a:t>https://github.com/sandeep5shetty/langflow-medication-agent</a:t>
+            </a:r>
+          </a:p>
+          <a:p>
+            <a:pPr marL="0" marR="0" lvl="0" indent="0" algn="l" rtl="0">
+              <a:lnSpc>
+                <a:spcPct val="162162"/>
+              </a:lnSpc>
+              <a:spcBef>
+                <a:spcPts val="0"/>
+              </a:spcBef>
+              <a:spcAft>
+                <a:spcPts val="0"/>
+              </a:spcAft>
+              <a:buClr>
+                <a:srgbClr val="2B3541"/>
+              </a:buClr>
+              <a:buSzPts val="1850"/>
+              <a:buFont typeface="Times New Roman"/>
+              <a:buNone/>
+            </a:pPr>
+            <a:r>
+              <a:rPr lang="en-US" sz="1850" b="0" i="0" u="none" strike="noStrike" cap="none" dirty="0">
+                <a:solidFill>
+                  <a:srgbClr val="2B3541"/>
+                </a:solidFill>
+                <a:latin typeface="Times New Roman"/>
+                <a:ea typeface="Times New Roman"/>
+                <a:cs typeface="Times New Roman"/>
+                <a:sym typeface="Times New Roman"/>
+                <a:hlinkClick r:id="rId4"/>
+              </a:rPr>
+              <a:t> </a:t>
+            </a:r>
+            <a:endParaRPr sz="1850" b="0" i="0" u="none" strike="noStrike" cap="none" dirty="0">
+              <a:solidFill>
+                <a:srgbClr val="000000"/>
+              </a:solidFill>
+              <a:latin typeface="Times New Roman"/>
+              <a:ea typeface="Times New Roman"/>
+              <a:cs typeface="Times New Roman"/>
+              <a:sym typeface="Times New Roman"/>
+            </a:endParaRPr>
+          </a:p>
+        </p:txBody>
+      </p:sp>
+    </p:spTree>
+    <p:extLst>
+      <p:ext uri="{BB962C8B-B14F-4D97-AF65-F5344CB8AC3E}">
+        <p14:creationId xmlns:p14="http://schemas.microsoft.com/office/powerpoint/2010/main" val="2136706720"/>
+      </p:ext>
+    </p:extLst>
+  </p:cSld>
+  <p:clrMapOvr>
+    <a:masterClrMapping/>
+  </p:clrMapOvr>
+</p:sld>
+</file>
+
+<file path=ppt/slides/slide22.xml><?xml version="1.0" encoding="utf-8"?>
+<p:sld xmlns:a="http://schemas.openxmlformats.org/drawingml/2006/main" xmlns:r="http://schemas.openxmlformats.org/officeDocument/2006/relationships" xmlns:p="http://schemas.openxmlformats.org/presentationml/2006/main">
+  <p:cSld>
+    <p:spTree>
+      <p:nvGrpSpPr>
+        <p:cNvPr id="1" name="Shape 274">
+          <a:extLst>
+            <a:ext uri="{FF2B5EF4-FFF2-40B4-BE49-F238E27FC236}">
+              <a16:creationId xmlns:a16="http://schemas.microsoft.com/office/drawing/2014/main" id="{FECD098C-4ECF-993B-66E2-9989F83F62D9}"/>
+            </a:ext>
+          </a:extLst>
+        </p:cNvPr>
+        <p:cNvGrpSpPr/>
+        <p:nvPr/>
+      </p:nvGrpSpPr>
+      <p:grpSpPr>
+        <a:xfrm>
+          <a:off x="0" y="0"/>
+          <a:ext cx="0" cy="0"/>
+          <a:chOff x="0" y="0"/>
+          <a:chExt cx="0" cy="0"/>
+        </a:xfrm>
+      </p:grpSpPr>
+      <p:sp>
+        <p:nvSpPr>
+          <p:cNvPr id="278" name="Google Shape;278;p18">
+            <a:extLst>
+              <a:ext uri="{FF2B5EF4-FFF2-40B4-BE49-F238E27FC236}">
+                <a16:creationId xmlns:a16="http://schemas.microsoft.com/office/drawing/2014/main" id="{7BDA5ADF-C9A0-CA5D-844A-6AC3872A0D8C}"/>
+              </a:ext>
+            </a:extLst>
+          </p:cNvPr>
+          <p:cNvSpPr/>
+          <p:nvPr/>
+        </p:nvSpPr>
+        <p:spPr>
+          <a:xfrm>
+            <a:off x="1218724" y="420729"/>
+            <a:ext cx="6444496" cy="704017"/>
+          </a:xfrm>
+          <a:prstGeom prst="rect">
+            <a:avLst/>
+          </a:prstGeom>
+          <a:noFill/>
+          <a:ln>
+            <a:noFill/>
+          </a:ln>
+        </p:spPr>
+        <p:txBody>
+          <a:bodyPr spcFirstLastPara="1" wrap="square" lIns="0" tIns="0" rIns="0" bIns="0" anchor="t" anchorCtr="0">
+            <a:noAutofit/>
+          </a:bodyPr>
+          <a:lstStyle/>
+          <a:p>
             <a:pPr>
               <a:lnSpc>
                 <a:spcPct val="157142"/>
@@ -17364,7 +18193,7 @@
           <p:cNvPr id="279" name="Google Shape;279;p18">
             <a:extLst>
               <a:ext uri="{FF2B5EF4-FFF2-40B4-BE49-F238E27FC236}">
-                <a16:creationId xmlns:a16="http://schemas.microsoft.com/office/drawing/2014/main" xmlns="" id="{AF5AFD00-74FD-B439-5973-23933ABD88EC}"/>
+                <a16:creationId xmlns:a16="http://schemas.microsoft.com/office/drawing/2014/main" id="{AF5AFD00-74FD-B439-5973-23933ABD88EC}"/>
               </a:ext>
             </a:extLst>
           </p:cNvPr>
@@ -17401,10 +18230,6 @@
               <a:rPr lang="en-US" b="1" dirty="0"/>
               <a:t>WHO — Adherence to Long‑Term Therapies: Evidence for Action</a:t>
             </a:r>
-            <a:r>
-              <a:rPr lang="en-US" dirty="0"/>
-              <a:t/>
-            </a:r>
             <a:br>
               <a:rPr lang="en-US" dirty="0"/>
             </a:br>
@@ -17425,10 +18250,6 @@
               <a:rPr lang="en-US" b="1" dirty="0"/>
               <a:t>NICE Guideline CG76 — Medicines Adherence</a:t>
             </a:r>
-            <a:r>
-              <a:rPr lang="en-US" dirty="0"/>
-              <a:t/>
-            </a:r>
             <a:br>
               <a:rPr lang="en-US" dirty="0"/>
             </a:br>
@@ -17449,10 +18270,6 @@
               <a:rPr lang="en-US" b="1" dirty="0"/>
               <a:t>NICE Surveillance Summary</a:t>
             </a:r>
-            <a:r>
-              <a:rPr lang="en-US" dirty="0"/>
-              <a:t/>
-            </a:r>
             <a:br>
               <a:rPr lang="en-US" dirty="0"/>
             </a:br>
@@ -17468,7 +18285,7 @@
           <p:cNvPr id="3" name="Picture 2">
             <a:extLst>
               <a:ext uri="{FF2B5EF4-FFF2-40B4-BE49-F238E27FC236}">
-                <a16:creationId xmlns:a16="http://schemas.microsoft.com/office/drawing/2014/main" xmlns="" id="{8760EC5B-78FF-4D99-1A49-A2DD6DB4A362}"/>
+                <a16:creationId xmlns:a16="http://schemas.microsoft.com/office/drawing/2014/main" id="{8760EC5B-78FF-4D99-1A49-A2DD6DB4A362}"/>
               </a:ext>
             </a:extLst>
           </p:cNvPr>
@@ -17506,7 +18323,7 @@
 </p:sld>
 </file>
 
-<file path=ppt/slides/slide21.xml><?xml version="1.0" encoding="utf-8"?>
+<file path=ppt/slides/slide23.xml><?xml version="1.0" encoding="utf-8"?>
 <p:sld xmlns:a="http://schemas.openxmlformats.org/drawingml/2006/main" xmlns:r="http://schemas.openxmlformats.org/officeDocument/2006/relationships" xmlns:p="http://schemas.openxmlformats.org/presentationml/2006/main">
   <p:cSld>
     <p:spTree>
@@ -17555,7 +18372,7 @@
           <p:cNvPr id="3" name="Picture 2">
             <a:extLst>
               <a:ext uri="{FF2B5EF4-FFF2-40B4-BE49-F238E27FC236}">
-                <a16:creationId xmlns:a16="http://schemas.microsoft.com/office/drawing/2014/main" xmlns="" id="{BA9DDD0D-7A91-1E4E-00BA-F7FF05ABF76F}"/>
+                <a16:creationId xmlns:a16="http://schemas.microsoft.com/office/drawing/2014/main" id="{BA9DDD0D-7A91-1E4E-00BA-F7FF05ABF76F}"/>
               </a:ext>
             </a:extLst>
           </p:cNvPr>
@@ -17596,7 +18413,7 @@
         <p:cNvPr id="1" name="Shape 103">
           <a:extLst>
             <a:ext uri="{FF2B5EF4-FFF2-40B4-BE49-F238E27FC236}">
-              <a16:creationId xmlns:a16="http://schemas.microsoft.com/office/drawing/2014/main" xmlns="" id="{F4C0A7C6-2888-EA53-35AB-4072E6B1FDAC}"/>
+              <a16:creationId xmlns:a16="http://schemas.microsoft.com/office/drawing/2014/main" id="{F4C0A7C6-2888-EA53-35AB-4072E6B1FDAC}"/>
             </a:ext>
           </a:extLst>
         </p:cNvPr>
@@ -17616,7 +18433,7 @@
           <p:cNvPr id="2" name="TextBox 1">
             <a:extLst>
               <a:ext uri="{FF2B5EF4-FFF2-40B4-BE49-F238E27FC236}">
-                <a16:creationId xmlns:a16="http://schemas.microsoft.com/office/drawing/2014/main" xmlns="" id="{C6F6745E-14BA-0766-CE1E-32E29663832D}"/>
+                <a16:creationId xmlns:a16="http://schemas.microsoft.com/office/drawing/2014/main" id="{C6F6745E-14BA-0766-CE1E-32E29663832D}"/>
               </a:ext>
             </a:extLst>
           </p:cNvPr>
@@ -17698,10 +18515,6 @@
               <a:rPr lang="en-US" dirty="0"/>
               <a:t>An agent that generates adherence to reminders and educational insights</a:t>
             </a:r>
-            <a:r>
-              <a:rPr lang="en-IN" dirty="0"/>
-              <a:t/>
-            </a:r>
             <a:br>
               <a:rPr lang="en-IN" dirty="0"/>
             </a:br>
@@ -17741,7 +18554,7 @@
           <p:cNvPr id="3" name="TextBox 2">
             <a:extLst>
               <a:ext uri="{FF2B5EF4-FFF2-40B4-BE49-F238E27FC236}">
-                <a16:creationId xmlns:a16="http://schemas.microsoft.com/office/drawing/2014/main" xmlns="" id="{9C57FE32-8AA8-E540-E0AA-C9737C71A0E2}"/>
+                <a16:creationId xmlns:a16="http://schemas.microsoft.com/office/drawing/2014/main" id="{9C57FE32-8AA8-E540-E0AA-C9737C71A0E2}"/>
               </a:ext>
             </a:extLst>
           </p:cNvPr>
@@ -17779,7 +18592,7 @@
           <p:cNvPr id="5" name="Picture 4">
             <a:extLst>
               <a:ext uri="{FF2B5EF4-FFF2-40B4-BE49-F238E27FC236}">
-                <a16:creationId xmlns:a16="http://schemas.microsoft.com/office/drawing/2014/main" xmlns="" id="{E7A64CCA-ED49-69BC-3595-2C1CBD5E6D02}"/>
+                <a16:creationId xmlns:a16="http://schemas.microsoft.com/office/drawing/2014/main" id="{E7A64CCA-ED49-69BC-3595-2C1CBD5E6D02}"/>
               </a:ext>
             </a:extLst>
           </p:cNvPr>
@@ -17890,7 +18703,7 @@
           <p:cNvPr id="2" name="TextBox 1">
             <a:extLst>
               <a:ext uri="{FF2B5EF4-FFF2-40B4-BE49-F238E27FC236}">
-                <a16:creationId xmlns:a16="http://schemas.microsoft.com/office/drawing/2014/main" xmlns="" id="{8244C99C-C879-4B03-F7F7-7306F7D33083}"/>
+                <a16:creationId xmlns:a16="http://schemas.microsoft.com/office/drawing/2014/main" id="{8244C99C-C879-4B03-F7F7-7306F7D33083}"/>
               </a:ext>
             </a:extLst>
           </p:cNvPr>
@@ -17913,10 +18726,12 @@
           </a:bodyPr>
           <a:lstStyle/>
           <a:p>
-            <a:pPr>
+            <a:pPr marL="285750" indent="-285750">
               <a:lnSpc>
                 <a:spcPct val="150000"/>
               </a:lnSpc>
+              <a:buFont typeface="Wingdings" panose="05000000000000000000" pitchFamily="2" charset="2"/>
+              <a:buChar char="Ø"/>
             </a:pPr>
             <a:r>
               <a:rPr lang="en-IN" sz="1800" b="1" dirty="0"/>
@@ -17926,21 +18741,24 @@
               <a:rPr lang="en-IN" sz="1800" dirty="0"/>
               <a:t> Ingests CSV logs and refills history to calculate real-time Proportion of Days Covered (PDC). </a:t>
             </a:r>
-            <a:endParaRPr lang="en-IN" sz="1800" dirty="0" smtClean="0"/>
-          </a:p>
-          <a:p>
-            <a:pPr>
+          </a:p>
+          <a:p>
+            <a:pPr marL="285750" indent="-285750">
               <a:lnSpc>
                 <a:spcPct val="150000"/>
               </a:lnSpc>
+              <a:buFont typeface="Wingdings" panose="05000000000000000000" pitchFamily="2" charset="2"/>
+              <a:buChar char="Ø"/>
             </a:pPr>
             <a:endParaRPr lang="en-IN" sz="1800" dirty="0"/>
           </a:p>
           <a:p>
-            <a:pPr>
+            <a:pPr marL="285750" indent="-285750">
               <a:lnSpc>
                 <a:spcPct val="150000"/>
               </a:lnSpc>
+              <a:buFont typeface="Wingdings" panose="05000000000000000000" pitchFamily="2" charset="2"/>
+              <a:buChar char="Ø"/>
             </a:pPr>
             <a:r>
               <a:rPr lang="en-IN" sz="1800" b="1" dirty="0"/>
@@ -17952,38 +18770,30 @@
             </a:r>
             <a:r>
               <a:rPr lang="en-IN" sz="1800" b="1" dirty="0"/>
-              <a:t>Group-Based Trajectory </a:t>
-            </a:r>
-            <a:r>
-              <a:rPr lang="en-IN" sz="1800" b="1" dirty="0" err="1"/>
-              <a:t>Modeling</a:t>
-            </a:r>
-            <a:r>
-              <a:rPr lang="en-IN" sz="1800" b="1" dirty="0"/>
-              <a:t> (GBTM)</a:t>
+              <a:t>Group-Based Trajectory Modelling (GBTM)</a:t>
             </a:r>
             <a:r>
               <a:rPr lang="en-IN" sz="1800" dirty="0"/>
-              <a:t> to classify patients into "risk tiers" (e.g., Gradual Decline vs. Rapid Decline</a:t>
+              <a:t> to classify patients into "risk tiers" (e.g., Gradual Decline vs. Rapid Decline).</a:t>
             </a:r>
-            <a:r>
-              <a:rPr lang="en-IN" sz="1800" dirty="0" smtClean="0"/>
-              <a:t>).</a:t>
-            </a:r>
-          </a:p>
-          <a:p>
-            <a:pPr>
+          </a:p>
+          <a:p>
+            <a:pPr marL="285750" indent="-285750">
               <a:lnSpc>
                 <a:spcPct val="150000"/>
               </a:lnSpc>
+              <a:buFont typeface="Wingdings" panose="05000000000000000000" pitchFamily="2" charset="2"/>
+              <a:buChar char="Ø"/>
             </a:pPr>
             <a:endParaRPr lang="en-IN" sz="1800" dirty="0"/>
           </a:p>
           <a:p>
-            <a:pPr>
+            <a:pPr marL="285750" indent="-285750">
               <a:lnSpc>
                 <a:spcPct val="150000"/>
               </a:lnSpc>
+              <a:buFont typeface="Wingdings" panose="05000000000000000000" pitchFamily="2" charset="2"/>
+              <a:buChar char="Ø"/>
             </a:pPr>
             <a:r>
               <a:rPr lang="en-IN" sz="1800" b="1" dirty="0"/>
@@ -17991,15 +18801,7 @@
             </a:r>
             <a:r>
               <a:rPr lang="en-IN" sz="1800" dirty="0"/>
-              <a:t> An Agentic RAG system that delivers personalized "</a:t>
-            </a:r>
-            <a:r>
-              <a:rPr lang="en-IN" sz="1800" dirty="0" err="1"/>
-              <a:t>Behavioral</a:t>
-            </a:r>
-            <a:r>
-              <a:rPr lang="en-IN" sz="1800" dirty="0"/>
-              <a:t> Tailoring" advice grounded in WHO and NICE clinical guidelines.</a:t>
+              <a:t> An Agentic RAG system that delivers personalized "Behavioural Tailoring" advice grounded in WHO and NICE clinical guidelines.</a:t>
             </a:r>
           </a:p>
         </p:txBody>
@@ -18009,7 +18811,7 @@
           <p:cNvPr id="3" name="TextBox 2">
             <a:extLst>
               <a:ext uri="{FF2B5EF4-FFF2-40B4-BE49-F238E27FC236}">
-                <a16:creationId xmlns:a16="http://schemas.microsoft.com/office/drawing/2014/main" xmlns="" id="{2F548320-B634-92CD-C520-43B25557F859}"/>
+                <a16:creationId xmlns:a16="http://schemas.microsoft.com/office/drawing/2014/main" id="{2F548320-B634-92CD-C520-43B25557F859}"/>
               </a:ext>
             </a:extLst>
           </p:cNvPr>
@@ -18047,7 +18849,7 @@
           <p:cNvPr id="5" name="Picture 4">
             <a:extLst>
               <a:ext uri="{FF2B5EF4-FFF2-40B4-BE49-F238E27FC236}">
-                <a16:creationId xmlns:a16="http://schemas.microsoft.com/office/drawing/2014/main" xmlns="" id="{68EE1157-422B-2DEC-F7BF-0A06B973C983}"/>
+                <a16:creationId xmlns:a16="http://schemas.microsoft.com/office/drawing/2014/main" id="{68EE1157-422B-2DEC-F7BF-0A06B973C983}"/>
               </a:ext>
             </a:extLst>
           </p:cNvPr>
@@ -18088,7 +18890,7 @@
         <p:cNvPr id="1" name="Shape 112">
           <a:extLst>
             <a:ext uri="{FF2B5EF4-FFF2-40B4-BE49-F238E27FC236}">
-              <a16:creationId xmlns:a16="http://schemas.microsoft.com/office/drawing/2014/main" xmlns="" id="{A01B5799-6C2E-7FE4-A2C6-734DB0499C95}"/>
+              <a16:creationId xmlns:a16="http://schemas.microsoft.com/office/drawing/2014/main" id="{A01B5799-6C2E-7FE4-A2C6-734DB0499C95}"/>
             </a:ext>
           </a:extLst>
         </p:cNvPr>
@@ -18108,7 +18910,7 @@
           <p:cNvPr id="118" name="Google Shape;118;p4">
             <a:extLst>
               <a:ext uri="{FF2B5EF4-FFF2-40B4-BE49-F238E27FC236}">
-                <a16:creationId xmlns:a16="http://schemas.microsoft.com/office/drawing/2014/main" xmlns="" id="{4CB905EF-62C2-FD1F-CE05-FBD2CBBD3921}"/>
+                <a16:creationId xmlns:a16="http://schemas.microsoft.com/office/drawing/2014/main" id="{4CB905EF-62C2-FD1F-CE05-FBD2CBBD3921}"/>
               </a:ext>
             </a:extLst>
           </p:cNvPr>
@@ -18165,7 +18967,7 @@
           <p:cNvPr id="2" name="TextBox 1">
             <a:extLst>
               <a:ext uri="{FF2B5EF4-FFF2-40B4-BE49-F238E27FC236}">
-                <a16:creationId xmlns:a16="http://schemas.microsoft.com/office/drawing/2014/main" xmlns="" id="{D6526727-ECCC-12A7-1A74-4C72030B01EA}"/>
+                <a16:creationId xmlns:a16="http://schemas.microsoft.com/office/drawing/2014/main" id="{D6526727-ECCC-12A7-1A74-4C72030B01EA}"/>
               </a:ext>
             </a:extLst>
           </p:cNvPr>
@@ -18256,7 +19058,7 @@
           <p:cNvPr id="3" name="TextBox 2">
             <a:extLst>
               <a:ext uri="{FF2B5EF4-FFF2-40B4-BE49-F238E27FC236}">
-                <a16:creationId xmlns:a16="http://schemas.microsoft.com/office/drawing/2014/main" xmlns="" id="{0A9D9ED1-DFE2-2CB1-E07B-2D3C44A85C9C}"/>
+                <a16:creationId xmlns:a16="http://schemas.microsoft.com/office/drawing/2014/main" id="{0A9D9ED1-DFE2-2CB1-E07B-2D3C44A85C9C}"/>
               </a:ext>
             </a:extLst>
           </p:cNvPr>
@@ -18265,8 +19067,8 @@
         </p:nvSpPr>
         <p:spPr>
           <a:xfrm>
-            <a:off x="1034441" y="524940"/>
-            <a:ext cx="5496434" cy="461665"/>
+            <a:off x="1005840" y="650761"/>
+            <a:ext cx="5496434" cy="523220"/>
           </a:xfrm>
           <a:prstGeom prst="rect">
             <a:avLst/>
@@ -18283,7 +19085,7 @@
           <a:lstStyle/>
           <a:p>
             <a:r>
-              <a:rPr lang="en-US" sz="2400" b="1" dirty="0"/>
+              <a:rPr lang="en-US" sz="2800" b="1" dirty="0"/>
               <a:t>Need of project </a:t>
             </a:r>
           </a:p>
@@ -18294,7 +19096,7 @@
           <p:cNvPr id="5" name="Picture 4">
             <a:extLst>
               <a:ext uri="{FF2B5EF4-FFF2-40B4-BE49-F238E27FC236}">
-                <a16:creationId xmlns:a16="http://schemas.microsoft.com/office/drawing/2014/main" xmlns="" id="{B04F3E9D-0527-2FF2-E87C-9369E2B678CF}"/>
+                <a16:creationId xmlns:a16="http://schemas.microsoft.com/office/drawing/2014/main" id="{B04F3E9D-0527-2FF2-E87C-9369E2B678CF}"/>
               </a:ext>
             </a:extLst>
           </p:cNvPr>
@@ -18340,7 +19142,7 @@
         <p:cNvPr id="1" name="Shape 112">
           <a:extLst>
             <a:ext uri="{FF2B5EF4-FFF2-40B4-BE49-F238E27FC236}">
-              <a16:creationId xmlns:a16="http://schemas.microsoft.com/office/drawing/2014/main" xmlns="" id="{1D21EE38-4FEA-9D7F-68F1-831EDFE1FCF2}"/>
+              <a16:creationId xmlns:a16="http://schemas.microsoft.com/office/drawing/2014/main" id="{1D21EE38-4FEA-9D7F-68F1-831EDFE1FCF2}"/>
             </a:ext>
           </a:extLst>
         </p:cNvPr>
@@ -18360,7 +19162,7 @@
           <p:cNvPr id="118" name="Google Shape;118;p4">
             <a:extLst>
               <a:ext uri="{FF2B5EF4-FFF2-40B4-BE49-F238E27FC236}">
-                <a16:creationId xmlns:a16="http://schemas.microsoft.com/office/drawing/2014/main" xmlns="" id="{68C1E71E-9159-FD3B-73D2-CC7380E7CB93}"/>
+                <a16:creationId xmlns:a16="http://schemas.microsoft.com/office/drawing/2014/main" id="{68C1E71E-9159-FD3B-73D2-CC7380E7CB93}"/>
               </a:ext>
             </a:extLst>
           </p:cNvPr>
@@ -18417,7 +19219,7 @@
           <p:cNvPr id="2" name="TextBox 1">
             <a:extLst>
               <a:ext uri="{FF2B5EF4-FFF2-40B4-BE49-F238E27FC236}">
-                <a16:creationId xmlns:a16="http://schemas.microsoft.com/office/drawing/2014/main" xmlns="" id="{081273CA-7EF7-F715-EF93-66F231F3ABD1}"/>
+                <a16:creationId xmlns:a16="http://schemas.microsoft.com/office/drawing/2014/main" id="{081273CA-7EF7-F715-EF93-66F231F3ABD1}"/>
               </a:ext>
             </a:extLst>
           </p:cNvPr>
@@ -18426,7 +19228,7 @@
         </p:nvSpPr>
         <p:spPr>
           <a:xfrm>
-            <a:off x="1034441" y="912580"/>
+            <a:off x="1034441" y="937980"/>
             <a:ext cx="10268712" cy="5243295"/>
           </a:xfrm>
           <a:prstGeom prst="rect">
@@ -18440,22 +19242,25 @@
           </a:bodyPr>
           <a:lstStyle/>
           <a:p>
-            <a:pPr>
+            <a:pPr marL="342900" indent="-342900">
               <a:lnSpc>
                 <a:spcPct val="150000"/>
               </a:lnSpc>
+              <a:buFont typeface="+mj-lt"/>
+              <a:buAutoNum type="arabicPeriod"/>
             </a:pPr>
             <a:r>
               <a:rPr lang="en-US" sz="1500" b="1" dirty="0"/>
               <a:t>Patients with Chronic Conditions</a:t>
             </a:r>
-            <a:endParaRPr lang="en-US" sz="1500" dirty="0"/>
-          </a:p>
-          <a:p>
-            <a:pPr lvl="1">
+          </a:p>
+          <a:p>
+            <a:pPr marL="285750" lvl="6" indent="-285750">
               <a:lnSpc>
                 <a:spcPct val="150000"/>
               </a:lnSpc>
+              <a:buFont typeface="Courier New" panose="02070309020205020404" pitchFamily="49" charset="0"/>
+              <a:buChar char="o"/>
             </a:pPr>
             <a:r>
               <a:rPr lang="en-US" sz="1500" dirty="0"/>
@@ -18463,10 +19268,12 @@
             </a:r>
           </a:p>
           <a:p>
-            <a:pPr lvl="1">
+            <a:pPr marL="285750" lvl="6" indent="-285750">
               <a:lnSpc>
                 <a:spcPct val="150000"/>
               </a:lnSpc>
+              <a:buFont typeface="Courier New" panose="02070309020205020404" pitchFamily="49" charset="0"/>
+              <a:buChar char="o"/>
             </a:pPr>
             <a:r>
               <a:rPr lang="en-US" sz="1500" dirty="0"/>
@@ -18474,10 +19281,12 @@
             </a:r>
           </a:p>
           <a:p>
-            <a:pPr>
+            <a:pPr marL="342900" indent="-342900">
               <a:lnSpc>
                 <a:spcPct val="150000"/>
               </a:lnSpc>
+              <a:buFont typeface="+mj-lt"/>
+              <a:buAutoNum type="arabicPeriod"/>
             </a:pPr>
             <a:r>
               <a:rPr lang="en-US" sz="1500" b="1" dirty="0"/>
@@ -18486,10 +19295,12 @@
             <a:endParaRPr lang="en-US" sz="1500" dirty="0"/>
           </a:p>
           <a:p>
-            <a:pPr lvl="1">
+            <a:pPr marL="342900" lvl="1" indent="-342900">
               <a:lnSpc>
                 <a:spcPct val="150000"/>
               </a:lnSpc>
+              <a:buFont typeface="Courier New" panose="02070309020205020404" pitchFamily="49" charset="0"/>
+              <a:buChar char="o"/>
             </a:pPr>
             <a:r>
               <a:rPr lang="en-US" sz="1500" dirty="0"/>
@@ -18497,10 +19308,12 @@
             </a:r>
           </a:p>
           <a:p>
-            <a:pPr lvl="1">
+            <a:pPr marL="342900" lvl="1" indent="-342900">
               <a:lnSpc>
                 <a:spcPct val="150000"/>
               </a:lnSpc>
+              <a:buFont typeface="Courier New" panose="02070309020205020404" pitchFamily="49" charset="0"/>
+              <a:buChar char="o"/>
             </a:pPr>
             <a:r>
               <a:rPr lang="en-US" sz="1500" dirty="0"/>
@@ -18508,10 +19321,12 @@
             </a:r>
           </a:p>
           <a:p>
-            <a:pPr>
+            <a:pPr marL="342900" indent="-342900">
               <a:lnSpc>
                 <a:spcPct val="150000"/>
               </a:lnSpc>
+              <a:buFont typeface="+mj-lt"/>
+              <a:buAutoNum type="arabicPeriod"/>
             </a:pPr>
             <a:r>
               <a:rPr lang="en-US" sz="1500" b="1" dirty="0"/>
@@ -18520,10 +19335,12 @@
             <a:endParaRPr lang="en-US" sz="1500" dirty="0"/>
           </a:p>
           <a:p>
-            <a:pPr lvl="1">
+            <a:pPr marL="342900" lvl="1" indent="-342900">
               <a:lnSpc>
                 <a:spcPct val="150000"/>
               </a:lnSpc>
+              <a:buFont typeface="Courier New" panose="02070309020205020404" pitchFamily="49" charset="0"/>
+              <a:buChar char="o"/>
             </a:pPr>
             <a:r>
               <a:rPr lang="en-US" sz="1500" dirty="0"/>
@@ -18531,10 +19348,12 @@
             </a:r>
           </a:p>
           <a:p>
-            <a:pPr lvl="1">
+            <a:pPr marL="342900" lvl="1" indent="-342900">
               <a:lnSpc>
                 <a:spcPct val="150000"/>
               </a:lnSpc>
+              <a:buFont typeface="Courier New" panose="02070309020205020404" pitchFamily="49" charset="0"/>
+              <a:buChar char="o"/>
             </a:pPr>
             <a:r>
               <a:rPr lang="en-US" sz="1500" dirty="0"/>
@@ -18542,10 +19361,12 @@
             </a:r>
           </a:p>
           <a:p>
-            <a:pPr>
+            <a:pPr marL="342900" indent="-342900">
               <a:lnSpc>
                 <a:spcPct val="150000"/>
               </a:lnSpc>
+              <a:buFont typeface="+mj-lt"/>
+              <a:buAutoNum type="arabicPeriod"/>
             </a:pPr>
             <a:r>
               <a:rPr lang="en-US" sz="1500" b="1" dirty="0"/>
@@ -18554,10 +19375,12 @@
             <a:endParaRPr lang="en-US" sz="1500" dirty="0"/>
           </a:p>
           <a:p>
-            <a:pPr lvl="1">
+            <a:pPr marL="342900" lvl="1" indent="-342900">
               <a:lnSpc>
                 <a:spcPct val="150000"/>
               </a:lnSpc>
+              <a:buFont typeface="Courier New" panose="02070309020205020404" pitchFamily="49" charset="0"/>
+              <a:buChar char="o"/>
             </a:pPr>
             <a:r>
               <a:rPr lang="en-US" sz="1500" dirty="0"/>
@@ -18565,10 +19388,12 @@
             </a:r>
           </a:p>
           <a:p>
-            <a:pPr lvl="1">
+            <a:pPr marL="342900" lvl="1" indent="-342900">
               <a:lnSpc>
                 <a:spcPct val="150000"/>
               </a:lnSpc>
+              <a:buFont typeface="Courier New" panose="02070309020205020404" pitchFamily="49" charset="0"/>
+              <a:buChar char="o"/>
             </a:pPr>
             <a:r>
               <a:rPr lang="en-US" sz="1500" dirty="0"/>
@@ -18576,10 +19401,12 @@
             </a:r>
           </a:p>
           <a:p>
-            <a:pPr>
+            <a:pPr marL="342900" indent="-342900">
               <a:lnSpc>
                 <a:spcPct val="150000"/>
               </a:lnSpc>
+              <a:buFont typeface="+mj-lt"/>
+              <a:buAutoNum type="arabicPeriod"/>
             </a:pPr>
             <a:r>
               <a:rPr lang="en-US" sz="1500" b="1" dirty="0"/>
@@ -18588,10 +19415,12 @@
             <a:endParaRPr lang="en-US" sz="1500" dirty="0"/>
           </a:p>
           <a:p>
-            <a:pPr lvl="1">
+            <a:pPr marL="342900" lvl="1" indent="-342900">
               <a:lnSpc>
                 <a:spcPct val="150000"/>
               </a:lnSpc>
+              <a:buFont typeface="Courier New" panose="02070309020205020404" pitchFamily="49" charset="0"/>
+              <a:buChar char="o"/>
             </a:pPr>
             <a:r>
               <a:rPr lang="en-US" sz="1500" dirty="0"/>
@@ -18599,10 +19428,12 @@
             </a:r>
           </a:p>
           <a:p>
-            <a:pPr lvl="1">
+            <a:pPr marL="342900" lvl="1" indent="-342900">
               <a:lnSpc>
                 <a:spcPct val="150000"/>
               </a:lnSpc>
+              <a:buFont typeface="Courier New" panose="02070309020205020404" pitchFamily="49" charset="0"/>
+              <a:buChar char="o"/>
             </a:pPr>
             <a:r>
               <a:rPr lang="en-US" sz="1500" dirty="0"/>
@@ -18616,7 +19447,7 @@
           <p:cNvPr id="3" name="TextBox 2">
             <a:extLst>
               <a:ext uri="{FF2B5EF4-FFF2-40B4-BE49-F238E27FC236}">
-                <a16:creationId xmlns:a16="http://schemas.microsoft.com/office/drawing/2014/main" xmlns="" id="{F987C414-2D49-9E5D-A5D6-CF94524B9BE5}"/>
+                <a16:creationId xmlns:a16="http://schemas.microsoft.com/office/drawing/2014/main" id="{F987C414-2D49-9E5D-A5D6-CF94524B9BE5}"/>
               </a:ext>
             </a:extLst>
           </p:cNvPr>
@@ -18655,7 +19486,7 @@
           <p:cNvPr id="5" name="Picture 4">
             <a:extLst>
               <a:ext uri="{FF2B5EF4-FFF2-40B4-BE49-F238E27FC236}">
-                <a16:creationId xmlns:a16="http://schemas.microsoft.com/office/drawing/2014/main" xmlns="" id="{2899F497-8CBE-8DC8-B6F2-DCAEF5D36669}"/>
+                <a16:creationId xmlns:a16="http://schemas.microsoft.com/office/drawing/2014/main" id="{2899F497-8CBE-8DC8-B6F2-DCAEF5D36669}"/>
               </a:ext>
             </a:extLst>
           </p:cNvPr>
@@ -18701,7 +19532,7 @@
         <p:cNvPr id="1" name="Shape 200">
           <a:extLst>
             <a:ext uri="{FF2B5EF4-FFF2-40B4-BE49-F238E27FC236}">
-              <a16:creationId xmlns:a16="http://schemas.microsoft.com/office/drawing/2014/main" xmlns="" id="{7C2A09DE-0AE2-AA94-B2C1-84FDBDB9DC64}"/>
+              <a16:creationId xmlns:a16="http://schemas.microsoft.com/office/drawing/2014/main" id="{7C2A09DE-0AE2-AA94-B2C1-84FDBDB9DC64}"/>
             </a:ext>
           </a:extLst>
         </p:cNvPr>
@@ -18721,7 +19552,7 @@
           <p:cNvPr id="2" name="TextBox 1">
             <a:extLst>
               <a:ext uri="{FF2B5EF4-FFF2-40B4-BE49-F238E27FC236}">
-                <a16:creationId xmlns:a16="http://schemas.microsoft.com/office/drawing/2014/main" xmlns="" id="{151FBD4A-3273-E454-091D-D5B0678FC299}"/>
+                <a16:creationId xmlns:a16="http://schemas.microsoft.com/office/drawing/2014/main" id="{151FBD4A-3273-E454-091D-D5B0678FC299}"/>
               </a:ext>
             </a:extLst>
           </p:cNvPr>
@@ -18757,7 +19588,7 @@
           <p:cNvPr id="3" name="TextBox 2">
             <a:extLst>
               <a:ext uri="{FF2B5EF4-FFF2-40B4-BE49-F238E27FC236}">
-                <a16:creationId xmlns:a16="http://schemas.microsoft.com/office/drawing/2014/main" xmlns="" id="{4A7608B5-9906-EFCF-959A-E89FC2E3EE19}"/>
+                <a16:creationId xmlns:a16="http://schemas.microsoft.com/office/drawing/2014/main" id="{4A7608B5-9906-EFCF-959A-E89FC2E3EE19}"/>
               </a:ext>
             </a:extLst>
           </p:cNvPr>
@@ -18785,12 +19616,8 @@
               <a:buChar char="•"/>
             </a:pPr>
             <a:r>
-              <a:rPr lang="en-US" sz="1800" dirty="0" err="1"/>
-              <a:t>Langflow</a:t>
-            </a:r>
-            <a:r>
               <a:rPr lang="en-US" sz="1800" dirty="0"/>
-              <a:t> platform</a:t>
+              <a:t>Langflow platform</a:t>
             </a:r>
           </a:p>
           <a:p>
@@ -18803,21 +19630,8 @@
             </a:pPr>
             <a:r>
               <a:rPr lang="en-US" sz="1800" dirty="0"/>
-              <a:t>IBM </a:t>
+              <a:t>IBM Granite model (ibm-granite-3-2-8b)   </a:t>
             </a:r>
-            <a:r>
-              <a:rPr lang="en-US" sz="1800" dirty="0" err="1"/>
-              <a:t>Grainte</a:t>
-            </a:r>
-            <a:r>
-              <a:rPr lang="en-US" sz="1800" dirty="0"/>
-              <a:t> </a:t>
-            </a:r>
-            <a:r>
-              <a:rPr lang="en-US" sz="1800" dirty="0" smtClean="0"/>
-              <a:t>model (ibm-granite-3-2-8b)   </a:t>
-            </a:r>
-            <a:endParaRPr lang="en-US" sz="1800" dirty="0"/>
           </a:p>
           <a:p>
             <a:pPr marL="285750" indent="-285750">
@@ -18883,10 +19697,9 @@
               <a:buChar char="•"/>
             </a:pPr>
             <a:r>
-              <a:rPr lang="en-US" sz="1800" dirty="0" err="1"/>
+              <a:rPr lang="en-US" sz="1800" dirty="0"/>
               <a:t>Watsonx</a:t>
             </a:r>
-            <a:endParaRPr lang="en-US" sz="1800" dirty="0"/>
           </a:p>
           <a:p>
             <a:pPr marL="285750" indent="-285750">
@@ -18915,7 +19728,7 @@
           <p:cNvPr id="5" name="Picture 4">
             <a:extLst>
               <a:ext uri="{FF2B5EF4-FFF2-40B4-BE49-F238E27FC236}">
-                <a16:creationId xmlns:a16="http://schemas.microsoft.com/office/drawing/2014/main" xmlns="" id="{BD72C005-E1BD-D1EA-4A68-50937DBCE5A8}"/>
+                <a16:creationId xmlns:a16="http://schemas.microsoft.com/office/drawing/2014/main" id="{BD72C005-E1BD-D1EA-4A68-50937DBCE5A8}"/>
               </a:ext>
             </a:extLst>
           </p:cNvPr>
@@ -18975,7 +19788,7 @@
           <p:cNvPr id="2" name="Title 1">
             <a:extLst>
               <a:ext uri="{FF2B5EF4-FFF2-40B4-BE49-F238E27FC236}">
-                <a16:creationId xmlns:a16="http://schemas.microsoft.com/office/drawing/2014/main" xmlns="" id="{67305CA2-FCEF-8CE1-1E3E-3B31D2F67C02}"/>
+                <a16:creationId xmlns:a16="http://schemas.microsoft.com/office/drawing/2014/main" id="{67305CA2-FCEF-8CE1-1E3E-3B31D2F67C02}"/>
               </a:ext>
             </a:extLst>
           </p:cNvPr>
@@ -19003,7 +19816,7 @@
           <p:cNvPr id="3" name="TextBox 2">
             <a:extLst>
               <a:ext uri="{FF2B5EF4-FFF2-40B4-BE49-F238E27FC236}">
-                <a16:creationId xmlns:a16="http://schemas.microsoft.com/office/drawing/2014/main" xmlns="" id="{2785CE94-4647-8DDB-061B-FBF5920998E5}"/>
+                <a16:creationId xmlns:a16="http://schemas.microsoft.com/office/drawing/2014/main" id="{2785CE94-4647-8DDB-061B-FBF5920998E5}"/>
               </a:ext>
             </a:extLst>
           </p:cNvPr>
@@ -19137,7 +19950,7 @@
           <p:cNvPr id="4" name="Picture 3">
             <a:extLst>
               <a:ext uri="{FF2B5EF4-FFF2-40B4-BE49-F238E27FC236}">
-                <a16:creationId xmlns:a16="http://schemas.microsoft.com/office/drawing/2014/main" xmlns="" id="{EF789E18-6B94-E045-C437-BA8CE70B570C}"/>
+                <a16:creationId xmlns:a16="http://schemas.microsoft.com/office/drawing/2014/main" id="{EF789E18-6B94-E045-C437-BA8CE70B570C}"/>
               </a:ext>
             </a:extLst>
           </p:cNvPr>
@@ -19309,7 +20122,7 @@
           <p:cNvPr id="3" name="Picture 2">
             <a:extLst>
               <a:ext uri="{FF2B5EF4-FFF2-40B4-BE49-F238E27FC236}">
-                <a16:creationId xmlns:a16="http://schemas.microsoft.com/office/drawing/2014/main" xmlns="" id="{676BD740-4294-408A-9014-7C75E9F50954}"/>
+                <a16:creationId xmlns:a16="http://schemas.microsoft.com/office/drawing/2014/main" id="{676BD740-4294-408A-9014-7C75E9F50954}"/>
               </a:ext>
             </a:extLst>
           </p:cNvPr>
@@ -19419,7 +20232,7 @@
               <a:t> </a:t>
             </a:r>
             <a:r>
-              <a:rPr kumimoji="0" lang="en-US" sz="1600" b="0" i="0" u="none" strike="noStrike" cap="none" normalizeH="0" baseline="0" dirty="0" smtClean="0">
+              <a:rPr kumimoji="0" lang="en-US" sz="1600" b="0" i="0" u="none" strike="noStrike" cap="none" normalizeH="0" baseline="0" dirty="0">
                 <a:ln>
                   <a:noFill/>
                 </a:ln>
@@ -19432,7 +20245,7 @@
               <a:t>Uses </a:t>
             </a:r>
             <a:r>
-              <a:rPr kumimoji="0" lang="en-US" sz="1600" b="1" i="0" u="none" strike="noStrike" cap="none" normalizeH="0" baseline="0" dirty="0" smtClean="0">
+              <a:rPr kumimoji="0" lang="en-US" sz="1600" b="1" i="0" u="none" strike="noStrike" cap="none" normalizeH="0" baseline="0" dirty="0">
                 <a:ln>
                   <a:noFill/>
                 </a:ln>
@@ -19445,7 +20258,7 @@
               <a:t>trajectory-based adherence modeling</a:t>
             </a:r>
             <a:r>
-              <a:rPr kumimoji="0" lang="en-US" sz="1600" b="0" i="0" u="none" strike="noStrike" cap="none" normalizeH="0" baseline="0" dirty="0" smtClean="0">
+              <a:rPr kumimoji="0" lang="en-US" sz="1600" b="0" i="0" u="none" strike="noStrike" cap="none" normalizeH="0" baseline="0" dirty="0">
                 <a:ln>
                   <a:noFill/>
                 </a:ln>
@@ -19476,7 +20289,7 @@
               <a:tabLst/>
             </a:pPr>
             <a:r>
-              <a:rPr kumimoji="0" lang="en-US" sz="1600" b="0" i="0" u="none" strike="noStrike" cap="none" normalizeH="0" baseline="0" dirty="0" smtClean="0">
+              <a:rPr kumimoji="0" lang="en-US" sz="1600" b="0" i="0" u="none" strike="noStrike" cap="none" normalizeH="0" baseline="0" dirty="0">
                 <a:ln>
                   <a:noFill/>
                 </a:ln>
@@ -19489,7 +20302,7 @@
               <a:t> Enables </a:t>
             </a:r>
             <a:r>
-              <a:rPr kumimoji="0" lang="en-US" sz="1600" b="1" i="0" u="none" strike="noStrike" cap="none" normalizeH="0" baseline="0" dirty="0" smtClean="0">
+              <a:rPr kumimoji="0" lang="en-US" sz="1600" b="1" i="0" u="none" strike="noStrike" cap="none" normalizeH="0" baseline="0" dirty="0">
                 <a:ln>
                   <a:noFill/>
                 </a:ln>
@@ -19502,7 +20315,7 @@
               <a:t>true multi-agent collaboration</a:t>
             </a:r>
             <a:r>
-              <a:rPr kumimoji="0" lang="en-US" sz="1600" b="0" i="0" u="none" strike="noStrike" cap="none" normalizeH="0" baseline="0" dirty="0" smtClean="0">
+              <a:rPr kumimoji="0" lang="en-US" sz="1600" b="0" i="0" u="none" strike="noStrike" cap="none" normalizeH="0" baseline="0" dirty="0">
                 <a:ln>
                   <a:noFill/>
                 </a:ln>
@@ -19533,7 +20346,7 @@
               <a:tabLst/>
             </a:pPr>
             <a:r>
-              <a:rPr kumimoji="0" lang="en-US" sz="1600" b="1" i="0" u="none" strike="noStrike" cap="none" normalizeH="0" baseline="0" dirty="0" smtClean="0">
+              <a:rPr kumimoji="0" lang="en-US" sz="1600" b="1" i="0" u="none" strike="noStrike" cap="none" normalizeH="0" baseline="0" dirty="0">
                 <a:ln>
                   <a:noFill/>
                 </a:ln>
@@ -19546,7 +20359,7 @@
               <a:t>Predicts adherence risk proactively</a:t>
             </a:r>
             <a:r>
-              <a:rPr kumimoji="0" lang="en-US" sz="1600" b="0" i="0" u="none" strike="noStrike" cap="none" normalizeH="0" baseline="0" dirty="0" smtClean="0">
+              <a:rPr kumimoji="0" lang="en-US" sz="1600" b="0" i="0" u="none" strike="noStrike" cap="none" normalizeH="0" baseline="0" dirty="0">
                 <a:ln>
                   <a:noFill/>
                 </a:ln>
@@ -19577,7 +20390,7 @@
               <a:tabLst/>
             </a:pPr>
             <a:r>
-              <a:rPr kumimoji="0" lang="en-US" sz="1600" b="1" i="0" u="none" strike="noStrike" cap="none" normalizeH="0" baseline="0" dirty="0" smtClean="0">
+              <a:rPr kumimoji="0" lang="en-US" sz="1600" b="1" i="0" u="none" strike="noStrike" cap="none" normalizeH="0" baseline="0" dirty="0">
                 <a:ln>
                   <a:noFill/>
                 </a:ln>
@@ -19590,7 +20403,7 @@
               <a:t>RAG-backed decision-making ensures hallucination-free outputs</a:t>
             </a:r>
             <a:r>
-              <a:rPr kumimoji="0" lang="en-US" sz="1600" b="0" i="0" u="none" strike="noStrike" cap="none" normalizeH="0" baseline="0" dirty="0" smtClean="0">
+              <a:rPr kumimoji="0" lang="en-US" sz="1600" b="0" i="0" u="none" strike="noStrike" cap="none" normalizeH="0" baseline="0" dirty="0">
                 <a:ln>
                   <a:noFill/>
                 </a:ln>
@@ -19621,7 +20434,7 @@
               <a:tabLst/>
             </a:pPr>
             <a:r>
-              <a:rPr kumimoji="0" lang="en-US" sz="1600" b="1" i="0" u="none" strike="noStrike" cap="none" normalizeH="0" baseline="0" dirty="0" smtClean="0">
+              <a:rPr kumimoji="0" lang="en-US" sz="1600" b="1" i="0" u="none" strike="noStrike" cap="none" normalizeH="0" baseline="0" dirty="0">
                 <a:ln>
                   <a:noFill/>
                 </a:ln>
@@ -19634,7 +20447,7 @@
               <a:t>Built-in email intervention engine</a:t>
             </a:r>
             <a:r>
-              <a:rPr kumimoji="0" lang="en-US" sz="1600" b="0" i="0" u="none" strike="noStrike" cap="none" normalizeH="0" baseline="0" dirty="0" smtClean="0">
+              <a:rPr kumimoji="0" lang="en-US" sz="1600" b="0" i="0" u="none" strike="noStrike" cap="none" normalizeH="0" baseline="0" dirty="0">
                 <a:ln>
                   <a:noFill/>
                 </a:ln>
@@ -19647,7 +20460,7 @@
               <a:t> automatically delivers risk-aware, personalized alerts to patients and caregivers — </a:t>
             </a:r>
             <a:r>
-              <a:rPr kumimoji="0" lang="en-US" sz="1600" b="0" i="1" u="none" strike="noStrike" cap="none" normalizeH="0" baseline="0" dirty="0" smtClean="0">
+              <a:rPr kumimoji="0" lang="en-US" sz="1600" b="0" i="1" u="none" strike="noStrike" cap="none" normalizeH="0" baseline="0" dirty="0">
                 <a:ln>
                   <a:noFill/>
                 </a:ln>
@@ -19659,7 +20472,7 @@
               </a:rPr>
               <a:t>bridging AI insights with real-world action</a:t>
             </a:r>
-            <a:endParaRPr kumimoji="0" lang="en-US" sz="1600" b="0" i="0" u="none" strike="noStrike" cap="none" normalizeH="0" baseline="0" dirty="0" smtClean="0">
+            <a:endParaRPr kumimoji="0" lang="en-US" sz="1600" b="0" i="0" u="none" strike="noStrike" cap="none" normalizeH="0" baseline="0" dirty="0">
               <a:ln>
                 <a:noFill/>
               </a:ln>
